--- a/Member/13_jisung/발표자료/week1.pptx
+++ b/Member/13_jisung/발표자료/week1.pptx
@@ -1,49 +1,44 @@
 
 <file path=ppt/presentation.xml><?xml version="1.0" encoding="utf-8"?>
-<p:presentation xmlns:a="http://schemas.openxmlformats.org/drawingml/2006/main" xmlns:r="http://schemas.openxmlformats.org/officeDocument/2006/relationships" xmlns:p="http://schemas.openxmlformats.org/presentationml/2006/main" xmlns:p14="http://schemas.microsoft.com/office/powerpoint/2010/main" embedTrueTypeFonts="1" saveSubsetFonts="1">
+<p:presentation xmlns:a="http://schemas.openxmlformats.org/drawingml/2006/main" xmlns:r="http://schemas.openxmlformats.org/officeDocument/2006/relationships" xmlns:p="http://schemas.openxmlformats.org/presentationml/2006/main" embedTrueTypeFonts="1" saveSubsetFonts="1">
   <p:sldMasterIdLst>
-    <p:sldMasterId id="2147483674" r:id="rId19"/>
+    <p:sldMasterId id="2147483674" r:id="rId1"/>
   </p:sldMasterIdLst>
   <p:notesMasterIdLst>
-    <p:notesMasterId r:id="rId21"/>
+    <p:notesMasterId r:id="rId15"/>
   </p:notesMasterIdLst>
   <p:sldIdLst>
-    <p:sldId id="279" r:id="rId23"/>
-    <p:sldId id="294" r:id="rId24"/>
-    <p:sldId id="285" r:id="rId25"/>
-    <p:sldId id="287" r:id="rId26"/>
-    <p:sldId id="286" r:id="rId27"/>
-    <p:sldId id="288" r:id="rId28"/>
-    <p:sldId id="290" r:id="rId29"/>
-    <p:sldId id="291" r:id="rId30"/>
-    <p:sldId id="292" r:id="rId31"/>
-    <p:sldId id="293" r:id="rId32"/>
-    <p:sldId id="295" r:id="rId33"/>
-    <p:sldId id="289" r:id="rId34"/>
-    <p:sldId id="296" r:id="rId35"/>
+    <p:sldId id="279" r:id="rId2"/>
+    <p:sldId id="294" r:id="rId3"/>
+    <p:sldId id="285" r:id="rId4"/>
+    <p:sldId id="287" r:id="rId5"/>
+    <p:sldId id="286" r:id="rId6"/>
+    <p:sldId id="288" r:id="rId7"/>
+    <p:sldId id="290" r:id="rId8"/>
+    <p:sldId id="291" r:id="rId9"/>
+    <p:sldId id="292" r:id="rId10"/>
+    <p:sldId id="293" r:id="rId11"/>
+    <p:sldId id="295" r:id="rId12"/>
+    <p:sldId id="296" r:id="rId13"/>
+    <p:sldId id="289" r:id="rId14"/>
   </p:sldIdLst>
-  <p:sldSz cx="9144000" cy="6858000"/>
-  <p:notesSz cx="6805930" cy="9939655"/>
+  <p:sldSz cx="9144000" cy="6858000" type="screen4x3"/>
+  <p:notesSz cx="6805613" cy="9939338"/>
   <p:embeddedFontLst>
     <p:embeddedFont>
-      <p:font typeface="나눔고딕" pitchFamily="50" charset="-127"/>
-      <p:regular r:id="rId1"/>
-      <p:bold r:id="rId9"/>
+      <p:font typeface="맑은 고딕" panose="020B0503020000020004" pitchFamily="50" charset="-127"/>
+      <p:regular r:id="rId16"/>
+      <p:bold r:id="rId17"/>
     </p:embeddedFont>
     <p:embeddedFont>
-      <p:font typeface="나눔고딕 ExtraBold" pitchFamily="50" charset="-127"/>
-      <p:regular r:id="rId7"/>
-      <p:bold r:id="rId4"/>
+      <p:font typeface="나눔고딕 ExtraBold" panose="020D0904000000000000" charset="-127"/>
+      <p:regular r:id="rId18"/>
+      <p:bold r:id="rId19"/>
     </p:embeddedFont>
     <p:embeddedFont>
-      <p:font typeface="나눔명조" pitchFamily="18" charset="-127"/>
-      <p:regular r:id="rId3"/>
-      <p:bold r:id="rId2"/>
-    </p:embeddedFont>
-    <p:embeddedFont>
-      <p:font typeface="맑은 고딕" pitchFamily="50" charset="-127"/>
-      <p:regular r:id="rId8"/>
-      <p:bold r:id="rId5"/>
+      <p:font typeface="나눔고딕" panose="020B0600000101010101" charset="-127"/>
+      <p:regular r:id="rId20"/>
+      <p:bold r:id="rId21"/>
     </p:embeddedFont>
   </p:embeddedFontLst>
   <p:defaultTextStyle>
@@ -157,8 +152,8 @@
             <p14:sldId id="292"/>
             <p14:sldId id="293"/>
             <p14:sldId id="295"/>
+            <p14:sldId id="296"/>
             <p14:sldId id="289"/>
-            <p14:sldId id="296"/>
           </p14:sldIdLst>
         </p14:section>
       </p14:sectionLst>
@@ -259,7 +254,7 @@
             <a:fld id="{8FE3A397-4DC3-46CE-9AE3-45BE39C97A59}" type="datetimeFigureOut">
               <a:rPr lang="ko-KR" altLang="en-US" smtClean="0"/>
               <a:pPr/>
-              <a:t>2011-10-07</a:t>
+              <a:t>2017-01-04</a:t>
             </a:fld>
             <a:endParaRPr lang="ko-KR" altLang="en-US"/>
           </a:p>
@@ -428,6 +423,11 @@
         </p:txBody>
       </p:sp>
     </p:spTree>
+    <p:extLst>
+      <p:ext uri="{BB962C8B-B14F-4D97-AF65-F5344CB8AC3E}">
+        <p14:creationId xmlns:p14="http://schemas.microsoft.com/office/powerpoint/2010/main" val="698335220"/>
+      </p:ext>
+    </p:extLst>
   </p:cSld>
   <p:clrMap bg1="lt1" tx1="dk1" bg2="lt2" tx2="dk2" accent1="accent1" accent2="accent2" accent3="accent3" accent4="accent4" accent5="accent5" accent6="accent6" hlink="hlink" folHlink="folHlink"/>
   <p:notesStyle>
@@ -2580,7 +2580,7 @@
 </file>
 
 <file path=ppt/slides/slide1.xml><?xml version="1.0" encoding="utf-8"?>
-<p:sld xmlns:a="http://schemas.openxmlformats.org/drawingml/2006/main" xmlns:r="http://schemas.openxmlformats.org/officeDocument/2006/relationships" xmlns:p="http://schemas.openxmlformats.org/presentationml/2006/main" xmlns:p14="http://schemas.microsoft.com/office/powerpoint/2010/main">
+<p:sld xmlns:a="http://schemas.openxmlformats.org/drawingml/2006/main" xmlns:r="http://schemas.openxmlformats.org/officeDocument/2006/relationships" xmlns:p="http://schemas.openxmlformats.org/presentationml/2006/main">
   <p:cSld>
     <p:spTree>
       <p:nvGrpSpPr>
@@ -2708,12 +2708,12 @@
           </a:xfrm>
         </p:spPr>
         <p:txBody>
-          <a:bodyPr wrap="square" lIns="91440" tIns="45720" rIns="91440" bIns="45720" numCol="1" vert="horz" anchor="ctr">
+          <a:bodyPr vert="horz" wrap="square" lIns="91440" tIns="45720" rIns="91440" bIns="45720" numCol="1" anchor="ctr">
             <a:noAutofit/>
           </a:bodyPr>
           <a:lstStyle/>
           <a:p>
-            <a:pPr marL="0" indent="0" algn="l" fontAlgn="auto" defTabSz="914400">
+            <a:pPr marL="0" indent="0" algn="l" defTabSz="914400" fontAlgn="auto">
               <a:lnSpc>
                 <a:spcPct val="100000"/>
               </a:lnSpc>
@@ -2727,7 +2727,7 @@
               <a:buNone/>
             </a:pPr>
             <a:r>
-              <a:rPr lang="en-US" altLang="ko-KR" sz="4000" cap="none" dirty="0" smtClean="0" b="1">
+              <a:rPr lang="en-US" altLang="ko-KR" sz="4000" b="1" cap="none" dirty="0" smtClean="0">
                 <a:solidFill>
                   <a:schemeClr val="bg1"/>
                 </a:solidFill>
@@ -2736,18 +2736,8 @@
               </a:rPr>
               <a:t>Prioirity Queue</a:t>
             </a:r>
-            <a:r>
-              <a:rPr lang="en-US" altLang="ko-KR" sz="4000" cap="none" dirty="0" smtClean="0" b="1">
-                <a:solidFill>
-                  <a:schemeClr val="bg1"/>
-                </a:solidFill>
-                <a:latin typeface="나눔고딕 ExtraBold" charset="0"/>
-                <a:ea typeface="나눔고딕 ExtraBold" charset="0"/>
-              </a:rPr>
-              <a:t/>
-            </a:r>
             <a:br>
-              <a:rPr lang="en-US" altLang="ko-KR" sz="4000" cap="none" dirty="0" smtClean="0" b="1">
+              <a:rPr lang="en-US" altLang="ko-KR" sz="4000" b="1" cap="none" dirty="0" smtClean="0">
                 <a:solidFill>
                   <a:schemeClr val="bg1"/>
                 </a:solidFill>
@@ -2756,7 +2746,7 @@
               </a:rPr>
             </a:br>
             <a:r>
-              <a:rPr lang="en-US" altLang="ko-KR" sz="4000" cap="none" dirty="0" smtClean="0" b="1">
+              <a:rPr lang="en-US" altLang="ko-KR" sz="4000" b="1" cap="none" dirty="0" smtClean="0">
                 <a:solidFill>
                   <a:schemeClr val="bg1"/>
                 </a:solidFill>
@@ -2765,7 +2755,7 @@
               </a:rPr>
               <a:t>	Heap</a:t>
             </a:r>
-            <a:endParaRPr lang="ko-KR" altLang="en-US" sz="4000" cap="none" dirty="0" smtClean="0" b="1">
+            <a:endParaRPr lang="ko-KR" altLang="en-US" sz="4000" b="1" cap="none" dirty="0" smtClean="0">
               <a:solidFill>
                 <a:schemeClr val="bg1"/>
               </a:solidFill>
@@ -2880,11 +2870,11 @@
   <p:clrMapOvr>
     <a:masterClrMapping/>
   </p:clrMapOvr>
-  <mc:AlternateContent xmlns:mc="http://schemas.openxmlformats.org/markup-compatibility/2006">
-    <mc:Choice xmlns:p14="http://schemas.microsoft.com/office/powerpoint/2010/main" Requires="p14">
+  <mc:AlternateContent xmlns:mc="http://schemas.openxmlformats.org/markup-compatibility/2006" xmlns:p14="http://schemas.microsoft.com/office/powerpoint/2010/main">
+    <mc:Choice Requires="p14">
       <p:transition spd="slow" p14:dur="2000"/>
     </mc:Choice>
-    <mc:Fallback>
+    <mc:Fallback xmlns="">
       <p:transition spd="slow"/>
     </mc:Fallback>
   </mc:AlternateContent>
@@ -2924,11 +2914,13 @@
           <p:nvPr/>
         </p:nvSpPr>
         <p:spPr>
-          <a:xfrm rot="0">
+          <a:xfrm>
             <a:off x="0" y="0"/>
             <a:ext cx="9144635" cy="6862445"/>
           </a:xfrm>
-          <a:prstGeom prst="rect"/>
+          <a:prstGeom prst="rect">
+            <a:avLst/>
+          </a:prstGeom>
           <a:solidFill>
             <a:schemeClr val="accent6">
               <a:lumMod val="75000"/>
@@ -2956,12 +2948,12 @@
           </a:fontRef>
         </p:style>
         <p:txBody>
-          <a:bodyPr wrap="square" lIns="91440" tIns="45720" rIns="91440" bIns="45720" vert="horz" anchor="ctr">
+          <a:bodyPr vert="horz" wrap="square" lIns="91440" tIns="45720" rIns="91440" bIns="45720" anchor="ctr">
             <a:noAutofit/>
           </a:bodyPr>
           <a:lstStyle/>
           <a:p>
-            <a:pPr marL="0" indent="0" algn="ctr" fontAlgn="auto" defTabSz="914400" eaLnBrk="0">
+            <a:pPr marL="0" indent="0" algn="ctr" defTabSz="914400" eaLnBrk="0" fontAlgn="auto">
               <a:lnSpc>
                 <a:spcPct val="100000"/>
               </a:lnSpc>
@@ -2974,7 +2966,7 @@
               <a:buFontTx/>
               <a:buNone/>
             </a:pPr>
-            <a:endParaRPr lang="ko-KR" altLang="en-US" sz="1800" cap="none" dirty="0" smtClean="0" b="0">
+            <a:endParaRPr lang="ko-KR" altLang="en-US" sz="1800" b="0" cap="none" dirty="0" smtClean="0">
               <a:latin typeface="나눔고딕" charset="0"/>
               <a:ea typeface="나눔고딕" charset="0"/>
             </a:endParaRPr>
@@ -2990,7 +2982,7 @@
           <p:nvPr/>
         </p:nvPicPr>
         <p:blipFill rotWithShape="1">
-          <a:blip r:embed="rId2">
+          <a:blip r:embed="rId2" cstate="print">
             <a:extLst>
               <a:ext uri="{28A0092B-C50C-407E-A947-70E740481C1C}">
                 <a14:useLocalDpi xmlns:a14="http://schemas.microsoft.com/office/drawing/2010/main" val="0"/>
@@ -3002,17 +2994,174 @@
           </a:stretch>
         </p:blipFill>
         <p:spPr>
-          <a:xfrm rot="0">
+          <a:xfrm>
             <a:off x="3447415" y="2586355"/>
             <a:ext cx="2249805" cy="1685925"/>
           </a:xfrm>
-          <a:prstGeom prst="rect"/>
+          <a:prstGeom prst="rect">
+            <a:avLst/>
+          </a:prstGeom>
           <a:noFill/>
         </p:spPr>
       </p:pic>
       <p:pic>
         <p:nvPicPr>
           <p:cNvPr id="11" name="텍스트 상자 10" descr="/Users/jisung/Library/Group Containers/L48J367XN4.com.infraware.PolarisOffice/fImage25072723028.png"/>
+          <p:cNvPicPr>
+            <a:picLocks noChangeAspect="1"/>
+          </p:cNvPicPr>
+          <p:nvPr/>
+        </p:nvPicPr>
+        <p:blipFill rotWithShape="1">
+          <a:blip r:embed="rId2" cstate="print">
+            <a:extLst>
+              <a:ext uri="{28A0092B-C50C-407E-A947-70E740481C1C}">
+                <a14:useLocalDpi xmlns:a14="http://schemas.microsoft.com/office/drawing/2010/main" val="0"/>
+              </a:ext>
+            </a:extLst>
+          </a:blip>
+          <a:stretch>
+            <a:fillRect/>
+          </a:stretch>
+        </p:blipFill>
+        <p:spPr>
+          <a:xfrm>
+            <a:off x="3609340" y="2748280"/>
+            <a:ext cx="2249805" cy="1685925"/>
+          </a:xfrm>
+          <a:prstGeom prst="rect">
+            <a:avLst/>
+          </a:prstGeom>
+          <a:noFill/>
+        </p:spPr>
+      </p:pic>
+      <p:pic>
+        <p:nvPicPr>
+          <p:cNvPr id="12" name="텍스트 상자 11" descr="/Users/jisung/Library/Group Containers/L48J367XN4.com.infraware.PolarisOffice/fImage25072736671.png"/>
+          <p:cNvPicPr>
+            <a:picLocks noChangeAspect="1"/>
+          </p:cNvPicPr>
+          <p:nvPr/>
+        </p:nvPicPr>
+        <p:blipFill rotWithShape="1">
+          <a:blip r:embed="rId2" cstate="print">
+            <a:extLst>
+              <a:ext uri="{28A0092B-C50C-407E-A947-70E740481C1C}">
+                <a14:useLocalDpi xmlns:a14="http://schemas.microsoft.com/office/drawing/2010/main" val="0"/>
+              </a:ext>
+            </a:extLst>
+          </a:blip>
+          <a:stretch>
+            <a:fillRect/>
+          </a:stretch>
+        </p:blipFill>
+        <p:spPr>
+          <a:xfrm>
+            <a:off x="3771265" y="2910205"/>
+            <a:ext cx="2249805" cy="1685925"/>
+          </a:xfrm>
+          <a:prstGeom prst="rect">
+            <a:avLst/>
+          </a:prstGeom>
+          <a:noFill/>
+        </p:spPr>
+      </p:pic>
+      <p:pic>
+        <p:nvPicPr>
+          <p:cNvPr id="13" name="텍스트 상자 12" descr="/Users/jisung/Library/Group Containers/L48J367XN4.com.infraware.PolarisOffice/fImage25072742370.png"/>
+          <p:cNvPicPr>
+            <a:picLocks noChangeAspect="1"/>
+          </p:cNvPicPr>
+          <p:nvPr/>
+        </p:nvPicPr>
+        <p:blipFill rotWithShape="1">
+          <a:blip r:embed="rId2" cstate="print">
+            <a:extLst>
+              <a:ext uri="{28A0092B-C50C-407E-A947-70E740481C1C}">
+                <a14:useLocalDpi xmlns:a14="http://schemas.microsoft.com/office/drawing/2010/main" val="0"/>
+              </a:ext>
+            </a:extLst>
+          </a:blip>
+          <a:stretch>
+            <a:fillRect/>
+          </a:stretch>
+        </p:blipFill>
+        <p:spPr>
+          <a:xfrm>
+            <a:off x="3933190" y="3072130"/>
+            <a:ext cx="2249805" cy="1685925"/>
+          </a:xfrm>
+          <a:prstGeom prst="rect">
+            <a:avLst/>
+          </a:prstGeom>
+          <a:noFill/>
+        </p:spPr>
+      </p:pic>
+      <p:pic>
+        <p:nvPicPr>
+          <p:cNvPr id="14" name="텍스트 상자 13" descr="/Users/jisung/Library/Group Containers/L48J367XN4.com.infraware.PolarisOffice/fImage25072756663.png"/>
+          <p:cNvPicPr>
+            <a:picLocks noChangeAspect="1"/>
+          </p:cNvPicPr>
+          <p:nvPr/>
+        </p:nvPicPr>
+        <p:blipFill rotWithShape="1">
+          <a:blip r:embed="rId2" cstate="print">
+            <a:extLst>
+              <a:ext uri="{28A0092B-C50C-407E-A947-70E740481C1C}">
+                <a14:useLocalDpi xmlns:a14="http://schemas.microsoft.com/office/drawing/2010/main" val="0"/>
+              </a:ext>
+            </a:extLst>
+          </a:blip>
+          <a:stretch>
+            <a:fillRect/>
+          </a:stretch>
+        </p:blipFill>
+        <p:spPr>
+          <a:xfrm>
+            <a:off x="4095114" y="3234055"/>
+            <a:ext cx="2249805" cy="1685925"/>
+          </a:xfrm>
+          <a:prstGeom prst="rect">
+            <a:avLst/>
+          </a:prstGeom>
+          <a:noFill/>
+        </p:spPr>
+      </p:pic>
+      <p:pic>
+        <p:nvPicPr>
+          <p:cNvPr id="15" name="텍스트 상자 14" descr="/Users/jisung/Library/Group Containers/L48J367XN4.com.infraware.PolarisOffice/fImage25072767947.png"/>
+          <p:cNvPicPr>
+            <a:picLocks noChangeAspect="1"/>
+          </p:cNvPicPr>
+          <p:nvPr/>
+        </p:nvPicPr>
+        <p:blipFill rotWithShape="1">
+          <a:blip r:embed="rId2" cstate="print">
+            <a:extLst>
+              <a:ext uri="{28A0092B-C50C-407E-A947-70E740481C1C}">
+                <a14:useLocalDpi xmlns:a14="http://schemas.microsoft.com/office/drawing/2010/main" val="0"/>
+              </a:ext>
+            </a:extLst>
+          </a:blip>
+          <a:stretch>
+            <a:fillRect/>
+          </a:stretch>
+        </p:blipFill>
+        <p:spPr>
+          <a:xfrm>
+            <a:off x="4257040" y="3395980"/>
+            <a:ext cx="2249805" cy="1685925"/>
+          </a:xfrm>
+          <a:prstGeom prst="rect">
+            <a:avLst/>
+          </a:prstGeom>
+          <a:noFill/>
+        </p:spPr>
+      </p:pic>
+      <p:pic>
+        <p:nvPicPr>
+          <p:cNvPr id="16" name="텍스트 상자 15" descr="/Users/jisung/Library/Group Containers/L48J367XN4.com.infraware.PolarisOffice/fImage149302794024.png"/>
           <p:cNvPicPr>
             <a:picLocks noChangeAspect="1"/>
           </p:cNvPicPr>
@@ -3031,156 +3180,13 @@
           </a:stretch>
         </p:blipFill>
         <p:spPr>
-          <a:xfrm rot="0">
-            <a:off x="3609340" y="2748280"/>
-            <a:ext cx="2249805" cy="1685925"/>
-          </a:xfrm>
-          <a:prstGeom prst="rect"/>
-          <a:noFill/>
-        </p:spPr>
-      </p:pic>
-      <p:pic>
-        <p:nvPicPr>
-          <p:cNvPr id="12" name="텍스트 상자 11" descr="/Users/jisung/Library/Group Containers/L48J367XN4.com.infraware.PolarisOffice/fImage25072736671.png"/>
-          <p:cNvPicPr>
-            <a:picLocks noChangeAspect="1"/>
-          </p:cNvPicPr>
-          <p:nvPr/>
-        </p:nvPicPr>
-        <p:blipFill rotWithShape="1">
-          <a:blip r:embed="rId4">
-            <a:extLst>
-              <a:ext uri="{28A0092B-C50C-407E-A947-70E740481C1C}">
-                <a14:useLocalDpi xmlns:a14="http://schemas.microsoft.com/office/drawing/2010/main" val="0"/>
-              </a:ext>
-            </a:extLst>
-          </a:blip>
-          <a:stretch>
-            <a:fillRect/>
-          </a:stretch>
-        </p:blipFill>
-        <p:spPr>
-          <a:xfrm rot="0">
-            <a:off x="3771265" y="2910205"/>
-            <a:ext cx="2249805" cy="1685925"/>
-          </a:xfrm>
-          <a:prstGeom prst="rect"/>
-          <a:noFill/>
-        </p:spPr>
-      </p:pic>
-      <p:pic>
-        <p:nvPicPr>
-          <p:cNvPr id="13" name="텍스트 상자 12" descr="/Users/jisung/Library/Group Containers/L48J367XN4.com.infraware.PolarisOffice/fImage25072742370.png"/>
-          <p:cNvPicPr>
-            <a:picLocks noChangeAspect="1"/>
-          </p:cNvPicPr>
-          <p:nvPr/>
-        </p:nvPicPr>
-        <p:blipFill rotWithShape="1">
-          <a:blip r:embed="rId5">
-            <a:extLst>
-              <a:ext uri="{28A0092B-C50C-407E-A947-70E740481C1C}">
-                <a14:useLocalDpi xmlns:a14="http://schemas.microsoft.com/office/drawing/2010/main" val="0"/>
-              </a:ext>
-            </a:extLst>
-          </a:blip>
-          <a:stretch>
-            <a:fillRect/>
-          </a:stretch>
-        </p:blipFill>
-        <p:spPr>
-          <a:xfrm rot="0">
-            <a:off x="3933190" y="3072130"/>
-            <a:ext cx="2249805" cy="1685925"/>
-          </a:xfrm>
-          <a:prstGeom prst="rect"/>
-          <a:noFill/>
-        </p:spPr>
-      </p:pic>
-      <p:pic>
-        <p:nvPicPr>
-          <p:cNvPr id="14" name="텍스트 상자 13" descr="/Users/jisung/Library/Group Containers/L48J367XN4.com.infraware.PolarisOffice/fImage25072756663.png"/>
-          <p:cNvPicPr>
-            <a:picLocks noChangeAspect="1"/>
-          </p:cNvPicPr>
-          <p:nvPr/>
-        </p:nvPicPr>
-        <p:blipFill rotWithShape="1">
-          <a:blip r:embed="rId6">
-            <a:extLst>
-              <a:ext uri="{28A0092B-C50C-407E-A947-70E740481C1C}">
-                <a14:useLocalDpi xmlns:a14="http://schemas.microsoft.com/office/drawing/2010/main" val="0"/>
-              </a:ext>
-            </a:extLst>
-          </a:blip>
-          <a:stretch>
-            <a:fillRect/>
-          </a:stretch>
-        </p:blipFill>
-        <p:spPr>
-          <a:xfrm rot="0">
-            <a:off x="4095114" y="3234055"/>
-            <a:ext cx="2249805" cy="1685925"/>
-          </a:xfrm>
-          <a:prstGeom prst="rect"/>
-          <a:noFill/>
-        </p:spPr>
-      </p:pic>
-      <p:pic>
-        <p:nvPicPr>
-          <p:cNvPr id="15" name="텍스트 상자 14" descr="/Users/jisung/Library/Group Containers/L48J367XN4.com.infraware.PolarisOffice/fImage25072767947.png"/>
-          <p:cNvPicPr>
-            <a:picLocks noChangeAspect="1"/>
-          </p:cNvPicPr>
-          <p:nvPr/>
-        </p:nvPicPr>
-        <p:blipFill rotWithShape="1">
-          <a:blip r:embed="rId7">
-            <a:extLst>
-              <a:ext uri="{28A0092B-C50C-407E-A947-70E740481C1C}">
-                <a14:useLocalDpi xmlns:a14="http://schemas.microsoft.com/office/drawing/2010/main" val="0"/>
-              </a:ext>
-            </a:extLst>
-          </a:blip>
-          <a:stretch>
-            <a:fillRect/>
-          </a:stretch>
-        </p:blipFill>
-        <p:spPr>
-          <a:xfrm rot="0">
-            <a:off x="4257040" y="3395980"/>
-            <a:ext cx="2249805" cy="1685925"/>
-          </a:xfrm>
-          <a:prstGeom prst="rect"/>
-          <a:noFill/>
-        </p:spPr>
-      </p:pic>
-      <p:pic>
-        <p:nvPicPr>
-          <p:cNvPr id="16" name="텍스트 상자 15" descr="/Users/jisung/Library/Group Containers/L48J367XN4.com.infraware.PolarisOffice/fImage149302794024.png"/>
-          <p:cNvPicPr>
-            <a:picLocks noChangeAspect="1"/>
-          </p:cNvPicPr>
-          <p:nvPr/>
-        </p:nvPicPr>
-        <p:blipFill rotWithShape="1">
-          <a:blip r:embed="rId8">
-            <a:extLst>
-              <a:ext uri="{28A0092B-C50C-407E-A947-70E740481C1C}">
-                <a14:useLocalDpi xmlns:a14="http://schemas.microsoft.com/office/drawing/2010/main" val="0"/>
-              </a:ext>
-            </a:extLst>
-          </a:blip>
-          <a:stretch>
-            <a:fillRect/>
-          </a:stretch>
-        </p:blipFill>
-        <p:spPr>
-          <a:xfrm rot="0">
+          <a:xfrm>
             <a:off x="2995295" y="2333625"/>
             <a:ext cx="3498850" cy="1585595"/>
           </a:xfrm>
-          <a:prstGeom prst="rect"/>
+          <a:prstGeom prst="rect">
+            <a:avLst/>
+          </a:prstGeom>
           <a:noFill/>
         </p:spPr>
       </p:pic>
@@ -3189,11 +3195,11 @@
   <p:clrMapOvr>
     <a:masterClrMapping/>
   </p:clrMapOvr>
-  <mc:AlternateContent xmlns:mc="http://schemas.openxmlformats.org/markup-compatibility/2006">
-    <mc:Choice xmlns:p14="http://schemas.microsoft.com/office/powerpoint/2010/main" Requires="p14">
+  <mc:AlternateContent xmlns:mc="http://schemas.openxmlformats.org/markup-compatibility/2006" xmlns:p14="http://schemas.microsoft.com/office/powerpoint/2010/main">
+    <mc:Choice Requires="p14">
       <p:transition spd="slow" p14:dur="2000"/>
     </mc:Choice>
-    <mc:Fallback>
+    <mc:Fallback xmlns="">
       <p:transition spd="slow"/>
     </mc:Fallback>
   </mc:AlternateContent>
@@ -3233,11 +3239,13 @@
           <p:nvPr/>
         </p:nvSpPr>
         <p:spPr>
-          <a:xfrm rot="0">
+          <a:xfrm>
             <a:off x="0" y="0"/>
             <a:ext cx="9144635" cy="6862445"/>
           </a:xfrm>
-          <a:prstGeom prst="rect"/>
+          <a:prstGeom prst="rect">
+            <a:avLst/>
+          </a:prstGeom>
           <a:solidFill>
             <a:schemeClr val="accent6">
               <a:lumMod val="75000"/>
@@ -3265,12 +3273,12 @@
           </a:fontRef>
         </p:style>
         <p:txBody>
-          <a:bodyPr wrap="square" lIns="91440" tIns="45720" rIns="91440" bIns="45720" vert="horz" anchor="ctr">
+          <a:bodyPr vert="horz" wrap="square" lIns="91440" tIns="45720" rIns="91440" bIns="45720" anchor="ctr">
             <a:noAutofit/>
           </a:bodyPr>
           <a:lstStyle/>
           <a:p>
-            <a:pPr marL="0" indent="0" algn="ctr" fontAlgn="auto" defTabSz="914400" eaLnBrk="0">
+            <a:pPr marL="0" indent="0" algn="ctr" defTabSz="914400" eaLnBrk="0" fontAlgn="auto">
               <a:lnSpc>
                 <a:spcPct val="90000"/>
               </a:lnSpc>
@@ -3283,7 +3291,7 @@
               <a:buFontTx/>
               <a:buNone/>
             </a:pPr>
-            <a:endParaRPr lang="ko-KR" altLang="en-US" sz="1800" cap="none" dirty="0" smtClean="0" b="0">
+            <a:endParaRPr lang="ko-KR" altLang="en-US" sz="1800" b="0" cap="none" dirty="0" smtClean="0">
               <a:latin typeface="나눔고딕" charset="0"/>
               <a:ea typeface="나눔고딕" charset="0"/>
             </a:endParaRPr>
@@ -3299,11 +3307,13 @@
           <p:nvPr/>
         </p:nvSpPr>
         <p:spPr>
-          <a:xfrm rot="0">
+          <a:xfrm>
             <a:off x="539750" y="548640"/>
             <a:ext cx="8065770" cy="2736850"/>
           </a:xfrm>
-          <a:prstGeom prst="rect"/>
+          <a:prstGeom prst="rect">
+            <a:avLst/>
+          </a:prstGeom>
           <a:noFill/>
           <a:ln w="114300" cap="flat" cmpd="sng">
             <a:solidFill>
@@ -3332,12 +3342,12 @@
           </a:fontRef>
         </p:style>
         <p:txBody>
-          <a:bodyPr wrap="square" lIns="91440" tIns="45720" rIns="91440" bIns="45720" vert="horz" anchor="ctr">
+          <a:bodyPr vert="horz" wrap="square" lIns="91440" tIns="45720" rIns="91440" bIns="45720" anchor="ctr">
             <a:noAutofit/>
           </a:bodyPr>
           <a:lstStyle/>
           <a:p>
-            <a:pPr marL="0" indent="0" algn="ctr" fontAlgn="auto" defTabSz="914400" eaLnBrk="0">
+            <a:pPr marL="0" indent="0" algn="ctr" defTabSz="914400" eaLnBrk="0" fontAlgn="auto">
               <a:lnSpc>
                 <a:spcPct val="90000"/>
               </a:lnSpc>
@@ -3350,7 +3360,7 @@
               <a:buFontTx/>
               <a:buNone/>
             </a:pPr>
-            <a:endParaRPr lang="ko-KR" altLang="en-US" sz="1800" cap="none" dirty="0" smtClean="0" b="0">
+            <a:endParaRPr lang="ko-KR" altLang="en-US" sz="1800" b="0" cap="none" dirty="0" smtClean="0">
               <a:latin typeface="나눔고딕" charset="0"/>
               <a:ea typeface="나눔고딕" charset="0"/>
             </a:endParaRPr>
@@ -3361,26 +3371,28 @@
         <p:nvSpPr>
           <p:cNvPr id="2" name="세로 텍스트 개체 틀 1"/>
           <p:cNvSpPr txBox="1">
-            <a:spLocks/>
+            <a:spLocks noGrp="1"/>
           </p:cNvSpPr>
           <p:nvPr>
             <p:ph type="ctrTitle"/>
           </p:nvPr>
         </p:nvSpPr>
         <p:spPr>
-          <a:xfrm rot="0">
+          <a:xfrm>
             <a:off x="760095" y="620395"/>
             <a:ext cx="5108575" cy="1470660"/>
           </a:xfrm>
-          <a:prstGeom prst="rect"/>
+          <a:prstGeom prst="rect">
+            <a:avLst/>
+          </a:prstGeom>
         </p:spPr>
         <p:txBody>
-          <a:bodyPr wrap="square" lIns="91440" tIns="45720" rIns="91440" bIns="45720" vert="horz" anchor="ctr">
+          <a:bodyPr vert="horz" wrap="square" lIns="91440" tIns="45720" rIns="91440" bIns="45720" anchor="ctr">
             <a:noAutofit/>
           </a:bodyPr>
           <a:lstStyle/>
           <a:p>
-            <a:pPr marL="0" indent="0" algn="l" fontAlgn="auto" defTabSz="914400">
+            <a:pPr marL="0" indent="0" algn="l" defTabSz="914400" fontAlgn="auto">
               <a:lnSpc>
                 <a:spcPct val="100000"/>
               </a:lnSpc>
@@ -3394,7 +3406,7 @@
               <a:buNone/>
             </a:pPr>
             <a:r>
-              <a:rPr lang="en-US" altLang="ko-KR" sz="4000" cap="none" dirty="0" smtClean="0" b="1">
+              <a:rPr lang="en-US" altLang="ko-KR" sz="4000" b="1" cap="none" dirty="0" smtClean="0">
                 <a:solidFill>
                   <a:schemeClr val="bg1"/>
                 </a:solidFill>
@@ -3403,7 +3415,7 @@
               </a:rPr>
               <a:t>KiwiJuice</a:t>
             </a:r>
-            <a:endParaRPr lang="ko-KR" altLang="en-US" sz="4000" cap="none" dirty="0" smtClean="0" b="1">
+            <a:endParaRPr lang="ko-KR" altLang="en-US" sz="4000" b="1" cap="none" dirty="0" smtClean="0">
               <a:solidFill>
                 <a:schemeClr val="bg1"/>
               </a:solidFill>
@@ -3422,19 +3434,21 @@
           <p:nvPr/>
         </p:nvSpPr>
         <p:spPr>
-          <a:xfrm rot="0">
+          <a:xfrm>
             <a:off x="6804025" y="476885"/>
             <a:ext cx="1645920" cy="1080770"/>
           </a:xfrm>
-          <a:prstGeom prst="rect"/>
+          <a:prstGeom prst="rect">
+            <a:avLst/>
+          </a:prstGeom>
         </p:spPr>
         <p:txBody>
-          <a:bodyPr wrap="square" lIns="91440" tIns="45720" rIns="91440" bIns="45720" vert="horz" anchor="t">
+          <a:bodyPr vert="horz" wrap="square" lIns="91440" tIns="45720" rIns="91440" bIns="45720" anchor="t">
             <a:noAutofit/>
           </a:bodyPr>
           <a:lstStyle/>
           <a:p>
-            <a:pPr marL="0" indent="0" algn="r" fontAlgn="auto" defTabSz="914400">
+            <a:pPr marL="0" indent="0" algn="r" defTabSz="914400" fontAlgn="auto">
               <a:lnSpc>
                 <a:spcPts val="5600"/>
               </a:lnSpc>
@@ -3448,7 +3462,7 @@
               <a:buNone/>
             </a:pPr>
             <a:r>
-              <a:rPr lang="en-US" altLang="ko-KR" sz="2400" cap="none" spc="-150" dirty="0" smtClean="0" b="1">
+              <a:rPr lang="en-US" altLang="ko-KR" sz="2400" b="1" cap="none" spc="-150" dirty="0" smtClean="0">
                 <a:ln w="9525" cap="flat" cmpd="sng">
                   <a:prstDash/>
                 </a:ln>
@@ -3460,7 +3474,7 @@
               </a:rPr>
               <a:t>02</a:t>
             </a:r>
-            <a:endParaRPr lang="ko-KR" altLang="en-US" sz="2400" cap="none" dirty="0" smtClean="0" b="1">
+            <a:endParaRPr lang="ko-KR" altLang="en-US" sz="2400" b="1" cap="none" dirty="0" smtClean="0">
               <a:ln w="9525" cap="flat" cmpd="sng">
                 <a:prstDash/>
               </a:ln>
@@ -3482,7 +3496,7 @@
           <p:nvPr/>
         </p:nvPicPr>
         <p:blipFill rotWithShape="1">
-          <a:blip r:embed="rId2" cstate="hqprint">
+          <a:blip r:embed="rId2" cstate="print">
             <a:extLst>
               <a:ext uri="{28A0092B-C50C-407E-A947-70E740481C1C}">
                 <a14:useLocalDpi xmlns:a14="http://schemas.microsoft.com/office/drawing/2010/main" val="0"/>
@@ -3495,11 +3509,13 @@
           </a:stretch>
         </p:blipFill>
         <p:spPr bwMode="auto">
-          <a:xfrm rot="0">
+          <a:xfrm>
             <a:off x="7884160" y="6381115"/>
             <a:ext cx="865505" cy="161290"/>
           </a:xfrm>
-          <a:prstGeom prst="rect"/>
+          <a:prstGeom prst="rect">
+            <a:avLst/>
+          </a:prstGeom>
           <a:noFill/>
         </p:spPr>
       </p:pic>
@@ -3508,11 +3524,11 @@
   <p:clrMapOvr>
     <a:masterClrMapping/>
   </p:clrMapOvr>
-  <mc:AlternateContent xmlns:mc="http://schemas.openxmlformats.org/markup-compatibility/2006">
-    <mc:Choice xmlns:p14="http://schemas.microsoft.com/office/powerpoint/2010/main" Requires="p14">
+  <mc:AlternateContent xmlns:mc="http://schemas.openxmlformats.org/markup-compatibility/2006" xmlns:p14="http://schemas.microsoft.com/office/powerpoint/2010/main">
+    <mc:Choice Requires="p14">
       <p:transition spd="slow" p14:dur="2000"/>
     </mc:Choice>
-    <mc:Fallback>
+    <mc:Fallback xmlns="">
       <p:transition spd="slow"/>
     </mc:Fallback>
   </mc:AlternateContent>
@@ -3552,11 +3568,13 @@
           <p:nvPr/>
         </p:nvSpPr>
         <p:spPr>
-          <a:xfrm rot="0">
+          <a:xfrm>
             <a:off x="0" y="0"/>
             <a:ext cx="9144635" cy="6862445"/>
           </a:xfrm>
-          <a:prstGeom prst="rect"/>
+          <a:prstGeom prst="rect">
+            <a:avLst/>
+          </a:prstGeom>
           <a:solidFill>
             <a:schemeClr val="accent6">
               <a:lumMod val="75000"/>
@@ -3584,12 +3602,12 @@
           </a:fontRef>
         </p:style>
         <p:txBody>
-          <a:bodyPr wrap="square" lIns="91440" tIns="45720" rIns="91440" bIns="45720" vert="horz" anchor="ctr">
+          <a:bodyPr vert="horz" wrap="square" lIns="91440" tIns="45720" rIns="91440" bIns="45720" anchor="ctr">
             <a:noAutofit/>
           </a:bodyPr>
           <a:lstStyle/>
           <a:p>
-            <a:pPr marL="0" indent="0" algn="ctr" fontAlgn="auto" defTabSz="914400" eaLnBrk="0">
+            <a:pPr marL="0" indent="0" algn="ctr" defTabSz="914400" eaLnBrk="0" fontAlgn="auto">
               <a:lnSpc>
                 <a:spcPct val="100000"/>
               </a:lnSpc>
@@ -3602,7 +3620,7 @@
               <a:buFontTx/>
               <a:buNone/>
             </a:pPr>
-            <a:endParaRPr lang="ko-KR" altLang="en-US" sz="1800" cap="none" dirty="0" smtClean="0" b="0">
+            <a:endParaRPr lang="ko-KR" altLang="en-US" sz="1800" b="0" cap="none" dirty="0" smtClean="0">
               <a:latin typeface="나눔고딕" charset="0"/>
               <a:ea typeface="나눔고딕" charset="0"/>
             </a:endParaRPr>
@@ -3611,14 +3629,14 @@
       </p:sp>
       <p:pic>
         <p:nvPicPr>
-          <p:cNvPr id="10" name="텍스트 상자 9" descr="/Users/jisung/Library/Group Containers/L48J367XN4.com.infraware.PolarisOffice/fImage25072404543.png"/>
+          <p:cNvPr id="10" name="텍스트 상자 9" descr="/Users/jisung/Library/Group Containers/L48J367XN4.com.infraware.PolarisOffice/fImage25073128359.png"/>
           <p:cNvPicPr>
             <a:picLocks noChangeAspect="1"/>
           </p:cNvPicPr>
           <p:nvPr/>
         </p:nvPicPr>
         <p:blipFill rotWithShape="1">
-          <a:blip r:embed="rId2">
+          <a:blip r:embed="rId2" cstate="print">
             <a:extLst>
               <a:ext uri="{28A0092B-C50C-407E-A947-70E740481C1C}">
                 <a14:useLocalDpi xmlns:a14="http://schemas.microsoft.com/office/drawing/2010/main" val="0"/>
@@ -3630,17 +3648,174 @@
           </a:stretch>
         </p:blipFill>
         <p:spPr>
-          <a:xfrm rot="0">
+          <a:xfrm>
             <a:off x="3447415" y="2586355"/>
             <a:ext cx="2249805" cy="1685925"/>
           </a:xfrm>
-          <a:prstGeom prst="rect"/>
+          <a:prstGeom prst="rect">
+            <a:avLst/>
+          </a:prstGeom>
           <a:noFill/>
         </p:spPr>
       </p:pic>
       <p:pic>
         <p:nvPicPr>
-          <p:cNvPr id="11" name="텍스트 상자 10" descr="/Users/jisung/Library/Group Containers/L48J367XN4.com.infraware.PolarisOffice/fImage25072416854.png"/>
+          <p:cNvPr id="11" name="텍스트 상자 10" descr="/Users/jisung/Library/Group Containers/L48J367XN4.com.infraware.PolarisOffice/fImage25073131019.png"/>
+          <p:cNvPicPr>
+            <a:picLocks noChangeAspect="1"/>
+          </p:cNvPicPr>
+          <p:nvPr/>
+        </p:nvPicPr>
+        <p:blipFill rotWithShape="1">
+          <a:blip r:embed="rId2" cstate="print">
+            <a:extLst>
+              <a:ext uri="{28A0092B-C50C-407E-A947-70E740481C1C}">
+                <a14:useLocalDpi xmlns:a14="http://schemas.microsoft.com/office/drawing/2010/main" val="0"/>
+              </a:ext>
+            </a:extLst>
+          </a:blip>
+          <a:stretch>
+            <a:fillRect/>
+          </a:stretch>
+        </p:blipFill>
+        <p:spPr>
+          <a:xfrm>
+            <a:off x="3609340" y="2748280"/>
+            <a:ext cx="2249805" cy="1685925"/>
+          </a:xfrm>
+          <a:prstGeom prst="rect">
+            <a:avLst/>
+          </a:prstGeom>
+          <a:noFill/>
+        </p:spPr>
+      </p:pic>
+      <p:pic>
+        <p:nvPicPr>
+          <p:cNvPr id="12" name="텍스트 상자 11" descr="/Users/jisung/Library/Group Containers/L48J367XN4.com.infraware.PolarisOffice/fImage25073145379.png"/>
+          <p:cNvPicPr>
+            <a:picLocks noChangeAspect="1"/>
+          </p:cNvPicPr>
+          <p:nvPr/>
+        </p:nvPicPr>
+        <p:blipFill rotWithShape="1">
+          <a:blip r:embed="rId2" cstate="print">
+            <a:extLst>
+              <a:ext uri="{28A0092B-C50C-407E-A947-70E740481C1C}">
+                <a14:useLocalDpi xmlns:a14="http://schemas.microsoft.com/office/drawing/2010/main" val="0"/>
+              </a:ext>
+            </a:extLst>
+          </a:blip>
+          <a:stretch>
+            <a:fillRect/>
+          </a:stretch>
+        </p:blipFill>
+        <p:spPr>
+          <a:xfrm>
+            <a:off x="3771265" y="2910205"/>
+            <a:ext cx="2249805" cy="1685925"/>
+          </a:xfrm>
+          <a:prstGeom prst="rect">
+            <a:avLst/>
+          </a:prstGeom>
+          <a:noFill/>
+        </p:spPr>
+      </p:pic>
+      <p:pic>
+        <p:nvPicPr>
+          <p:cNvPr id="13" name="텍스트 상자 12" descr="/Users/jisung/Library/Group Containers/L48J367XN4.com.infraware.PolarisOffice/fImage25073155356.png"/>
+          <p:cNvPicPr>
+            <a:picLocks noChangeAspect="1"/>
+          </p:cNvPicPr>
+          <p:nvPr/>
+        </p:nvPicPr>
+        <p:blipFill rotWithShape="1">
+          <a:blip r:embed="rId2" cstate="print">
+            <a:extLst>
+              <a:ext uri="{28A0092B-C50C-407E-A947-70E740481C1C}">
+                <a14:useLocalDpi xmlns:a14="http://schemas.microsoft.com/office/drawing/2010/main" val="0"/>
+              </a:ext>
+            </a:extLst>
+          </a:blip>
+          <a:stretch>
+            <a:fillRect/>
+          </a:stretch>
+        </p:blipFill>
+        <p:spPr>
+          <a:xfrm>
+            <a:off x="3933190" y="3072130"/>
+            <a:ext cx="2249805" cy="1685925"/>
+          </a:xfrm>
+          <a:prstGeom prst="rect">
+            <a:avLst/>
+          </a:prstGeom>
+          <a:noFill/>
+        </p:spPr>
+      </p:pic>
+      <p:pic>
+        <p:nvPicPr>
+          <p:cNvPr id="14" name="텍스트 상자 13" descr="/Users/jisung/Library/Group Containers/L48J367XN4.com.infraware.PolarisOffice/fImage25073169461.png"/>
+          <p:cNvPicPr>
+            <a:picLocks noChangeAspect="1"/>
+          </p:cNvPicPr>
+          <p:nvPr/>
+        </p:nvPicPr>
+        <p:blipFill rotWithShape="1">
+          <a:blip r:embed="rId2" cstate="print">
+            <a:extLst>
+              <a:ext uri="{28A0092B-C50C-407E-A947-70E740481C1C}">
+                <a14:useLocalDpi xmlns:a14="http://schemas.microsoft.com/office/drawing/2010/main" val="0"/>
+              </a:ext>
+            </a:extLst>
+          </a:blip>
+          <a:stretch>
+            <a:fillRect/>
+          </a:stretch>
+        </p:blipFill>
+        <p:spPr>
+          <a:xfrm>
+            <a:off x="4095114" y="3234055"/>
+            <a:ext cx="2249805" cy="1685925"/>
+          </a:xfrm>
+          <a:prstGeom prst="rect">
+            <a:avLst/>
+          </a:prstGeom>
+          <a:noFill/>
+        </p:spPr>
+      </p:pic>
+      <p:pic>
+        <p:nvPicPr>
+          <p:cNvPr id="15" name="텍스트 상자 14" descr="/Users/jisung/Library/Group Containers/L48J367XN4.com.infraware.PolarisOffice/fImage25073178487.png"/>
+          <p:cNvPicPr>
+            <a:picLocks noChangeAspect="1"/>
+          </p:cNvPicPr>
+          <p:nvPr/>
+        </p:nvPicPr>
+        <p:blipFill rotWithShape="1">
+          <a:blip r:embed="rId2" cstate="print">
+            <a:extLst>
+              <a:ext uri="{28A0092B-C50C-407E-A947-70E740481C1C}">
+                <a14:useLocalDpi xmlns:a14="http://schemas.microsoft.com/office/drawing/2010/main" val="0"/>
+              </a:ext>
+            </a:extLst>
+          </a:blip>
+          <a:stretch>
+            <a:fillRect/>
+          </a:stretch>
+        </p:blipFill>
+        <p:spPr>
+          <a:xfrm>
+            <a:off x="4257040" y="3395980"/>
+            <a:ext cx="2249805" cy="1685925"/>
+          </a:xfrm>
+          <a:prstGeom prst="rect">
+            <a:avLst/>
+          </a:prstGeom>
+          <a:noFill/>
+        </p:spPr>
+      </p:pic>
+      <p:pic>
+        <p:nvPicPr>
+          <p:cNvPr id="16" name="텍스트 상자 15" descr="/Users/jisung/Library/Group Containers/L48J367XN4.com.infraware.PolarisOffice/fImage637243198353.png"/>
           <p:cNvPicPr>
             <a:picLocks noChangeAspect="1"/>
           </p:cNvPicPr>
@@ -3659,156 +3834,13 @@
           </a:stretch>
         </p:blipFill>
         <p:spPr>
-          <a:xfrm rot="0">
-            <a:off x="3609340" y="2748280"/>
-            <a:ext cx="2249805" cy="1685925"/>
-          </a:xfrm>
-          <a:prstGeom prst="rect"/>
-          <a:noFill/>
-        </p:spPr>
-      </p:pic>
-      <p:pic>
-        <p:nvPicPr>
-          <p:cNvPr id="12" name="텍스트 상자 11" descr="/Users/jisung/Library/Group Containers/L48J367XN4.com.infraware.PolarisOffice/fImage25072426008.png"/>
-          <p:cNvPicPr>
-            <a:picLocks noChangeAspect="1"/>
-          </p:cNvPicPr>
-          <p:nvPr/>
-        </p:nvPicPr>
-        <p:blipFill rotWithShape="1">
-          <a:blip r:embed="rId4">
-            <a:extLst>
-              <a:ext uri="{28A0092B-C50C-407E-A947-70E740481C1C}">
-                <a14:useLocalDpi xmlns:a14="http://schemas.microsoft.com/office/drawing/2010/main" val="0"/>
-              </a:ext>
-            </a:extLst>
-          </a:blip>
-          <a:stretch>
-            <a:fillRect/>
-          </a:stretch>
-        </p:blipFill>
-        <p:spPr>
-          <a:xfrm rot="0">
-            <a:off x="3771265" y="2910205"/>
-            <a:ext cx="2249805" cy="1685925"/>
-          </a:xfrm>
-          <a:prstGeom prst="rect"/>
-          <a:noFill/>
-        </p:spPr>
-      </p:pic>
-      <p:pic>
-        <p:nvPicPr>
-          <p:cNvPr id="13" name="텍스트 상자 12" descr="/Users/jisung/Library/Group Containers/L48J367XN4.com.infraware.PolarisOffice/fImage25072434981.png"/>
-          <p:cNvPicPr>
-            <a:picLocks noChangeAspect="1"/>
-          </p:cNvPicPr>
-          <p:nvPr/>
-        </p:nvPicPr>
-        <p:blipFill rotWithShape="1">
-          <a:blip r:embed="rId5">
-            <a:extLst>
-              <a:ext uri="{28A0092B-C50C-407E-A947-70E740481C1C}">
-                <a14:useLocalDpi xmlns:a14="http://schemas.microsoft.com/office/drawing/2010/main" val="0"/>
-              </a:ext>
-            </a:extLst>
-          </a:blip>
-          <a:stretch>
-            <a:fillRect/>
-          </a:stretch>
-        </p:blipFill>
-        <p:spPr>
-          <a:xfrm rot="0">
-            <a:off x="3933190" y="3072130"/>
-            <a:ext cx="2249805" cy="1685925"/>
-          </a:xfrm>
-          <a:prstGeom prst="rect"/>
-          <a:noFill/>
-        </p:spPr>
-      </p:pic>
-      <p:pic>
-        <p:nvPicPr>
-          <p:cNvPr id="14" name="텍스트 상자 13" descr="/Users/jisung/Library/Group Containers/L48J367XN4.com.infraware.PolarisOffice/fImage2507244552.png"/>
-          <p:cNvPicPr>
-            <a:picLocks noChangeAspect="1"/>
-          </p:cNvPicPr>
-          <p:nvPr/>
-        </p:nvPicPr>
-        <p:blipFill rotWithShape="1">
-          <a:blip r:embed="rId6">
-            <a:extLst>
-              <a:ext uri="{28A0092B-C50C-407E-A947-70E740481C1C}">
-                <a14:useLocalDpi xmlns:a14="http://schemas.microsoft.com/office/drawing/2010/main" val="0"/>
-              </a:ext>
-            </a:extLst>
-          </a:blip>
-          <a:stretch>
-            <a:fillRect/>
-          </a:stretch>
-        </p:blipFill>
-        <p:spPr>
-          <a:xfrm rot="0">
-            <a:off x="4095114" y="3234055"/>
-            <a:ext cx="2249805" cy="1685925"/>
-          </a:xfrm>
-          <a:prstGeom prst="rect"/>
-          <a:noFill/>
-        </p:spPr>
-      </p:pic>
-      <p:pic>
-        <p:nvPicPr>
-          <p:cNvPr id="15" name="텍스트 상자 14" descr="/Users/jisung/Library/Group Containers/L48J367XN4.com.infraware.PolarisOffice/fImage25072456288.png"/>
-          <p:cNvPicPr>
-            <a:picLocks noChangeAspect="1"/>
-          </p:cNvPicPr>
-          <p:nvPr/>
-        </p:nvPicPr>
-        <p:blipFill rotWithShape="1">
-          <a:blip r:embed="rId7">
-            <a:extLst>
-              <a:ext uri="{28A0092B-C50C-407E-A947-70E740481C1C}">
-                <a14:useLocalDpi xmlns:a14="http://schemas.microsoft.com/office/drawing/2010/main" val="0"/>
-              </a:ext>
-            </a:extLst>
-          </a:blip>
-          <a:stretch>
-            <a:fillRect/>
-          </a:stretch>
-        </p:blipFill>
-        <p:spPr>
-          <a:xfrm rot="0">
-            <a:off x="4257040" y="3395980"/>
-            <a:ext cx="2249805" cy="1685925"/>
-          </a:xfrm>
-          <a:prstGeom prst="rect"/>
-          <a:noFill/>
-        </p:spPr>
-      </p:pic>
-      <p:pic>
-        <p:nvPicPr>
-          <p:cNvPr id="16" name="텍스트 상자 15" descr="/Users/jisung/Library/Group Containers/L48J367XN4.com.infraware.PolarisOffice/fImage715533188163.png"/>
-          <p:cNvPicPr>
-            <a:picLocks noChangeAspect="1"/>
-          </p:cNvPicPr>
-          <p:nvPr/>
-        </p:nvPicPr>
-        <p:blipFill rotWithShape="1">
-          <a:blip r:embed="rId8">
-            <a:extLst>
-              <a:ext uri="{28A0092B-C50C-407E-A947-70E740481C1C}">
-                <a14:useLocalDpi xmlns:a14="http://schemas.microsoft.com/office/drawing/2010/main" val="0"/>
-              </a:ext>
-            </a:extLst>
-          </a:blip>
-          <a:stretch>
-            <a:fillRect/>
-          </a:stretch>
-        </p:blipFill>
-        <p:spPr>
-          <a:xfrm rot="0">
-            <a:off x="-31114" y="-5715"/>
-            <a:ext cx="9147810" cy="6698615"/>
-          </a:xfrm>
-          <a:prstGeom prst="rect"/>
+          <a:xfrm>
+            <a:off x="1270" y="2540"/>
+            <a:ext cx="9131935" cy="5926455"/>
+          </a:xfrm>
+          <a:prstGeom prst="rect">
+            <a:avLst/>
+          </a:prstGeom>
           <a:noFill/>
         </p:spPr>
       </p:pic>
@@ -3817,11 +3849,11 @@
   <p:clrMapOvr>
     <a:masterClrMapping/>
   </p:clrMapOvr>
-  <mc:AlternateContent xmlns:mc="http://schemas.openxmlformats.org/markup-compatibility/2006">
-    <mc:Choice xmlns:p14="http://schemas.microsoft.com/office/powerpoint/2010/main" Requires="p14">
+  <mc:AlternateContent xmlns:mc="http://schemas.openxmlformats.org/markup-compatibility/2006" xmlns:p14="http://schemas.microsoft.com/office/powerpoint/2010/main">
+    <mc:Choice Requires="p14">
       <p:transition spd="slow" p14:dur="2000"/>
     </mc:Choice>
-    <mc:Fallback>
+    <mc:Fallback xmlns="">
       <p:transition spd="slow"/>
     </mc:Fallback>
   </mc:AlternateContent>
@@ -3861,11 +3893,13 @@
           <p:nvPr/>
         </p:nvSpPr>
         <p:spPr>
-          <a:xfrm rot="0">
+          <a:xfrm>
             <a:off x="0" y="0"/>
             <a:ext cx="9144635" cy="6862445"/>
           </a:xfrm>
-          <a:prstGeom prst="rect"/>
+          <a:prstGeom prst="rect">
+            <a:avLst/>
+          </a:prstGeom>
           <a:solidFill>
             <a:schemeClr val="accent6">
               <a:lumMod val="75000"/>
@@ -3893,12 +3927,12 @@
           </a:fontRef>
         </p:style>
         <p:txBody>
-          <a:bodyPr wrap="square" lIns="91440" tIns="45720" rIns="91440" bIns="45720" vert="horz" anchor="ctr">
+          <a:bodyPr vert="horz" wrap="square" lIns="91440" tIns="45720" rIns="91440" bIns="45720" anchor="ctr">
             <a:noAutofit/>
           </a:bodyPr>
           <a:lstStyle/>
           <a:p>
-            <a:pPr marL="0" indent="0" algn="ctr" fontAlgn="auto" defTabSz="914400" eaLnBrk="0">
+            <a:pPr marL="0" indent="0" algn="ctr" defTabSz="914400" eaLnBrk="0" fontAlgn="auto">
               <a:lnSpc>
                 <a:spcPct val="100000"/>
               </a:lnSpc>
@@ -3911,7 +3945,7 @@
               <a:buFontTx/>
               <a:buNone/>
             </a:pPr>
-            <a:endParaRPr lang="ko-KR" altLang="en-US" sz="1800" cap="none" dirty="0" smtClean="0" b="0">
+            <a:endParaRPr lang="ko-KR" altLang="en-US" sz="1800" b="0" cap="none" dirty="0" smtClean="0">
               <a:latin typeface="나눔고딕" charset="0"/>
               <a:ea typeface="나눔고딕" charset="0"/>
             </a:endParaRPr>
@@ -3920,14 +3954,14 @@
       </p:sp>
       <p:pic>
         <p:nvPicPr>
-          <p:cNvPr id="10" name="텍스트 상자 9" descr="/Users/jisung/Library/Group Containers/L48J367XN4.com.infraware.PolarisOffice/fImage25073128359.png"/>
+          <p:cNvPr id="10" name="텍스트 상자 9" descr="/Users/jisung/Library/Group Containers/L48J367XN4.com.infraware.PolarisOffice/fImage25072404543.png"/>
           <p:cNvPicPr>
             <a:picLocks noChangeAspect="1"/>
           </p:cNvPicPr>
           <p:nvPr/>
         </p:nvPicPr>
         <p:blipFill rotWithShape="1">
-          <a:blip r:embed="rId2">
+          <a:blip r:embed="rId2" cstate="print">
             <a:extLst>
               <a:ext uri="{28A0092B-C50C-407E-A947-70E740481C1C}">
                 <a14:useLocalDpi xmlns:a14="http://schemas.microsoft.com/office/drawing/2010/main" val="0"/>
@@ -3939,17 +3973,174 @@
           </a:stretch>
         </p:blipFill>
         <p:spPr>
-          <a:xfrm rot="0">
+          <a:xfrm>
             <a:off x="3447415" y="2586355"/>
             <a:ext cx="2249805" cy="1685925"/>
           </a:xfrm>
-          <a:prstGeom prst="rect"/>
+          <a:prstGeom prst="rect">
+            <a:avLst/>
+          </a:prstGeom>
           <a:noFill/>
         </p:spPr>
       </p:pic>
       <p:pic>
         <p:nvPicPr>
-          <p:cNvPr id="11" name="텍스트 상자 10" descr="/Users/jisung/Library/Group Containers/L48J367XN4.com.infraware.PolarisOffice/fImage25073131019.png"/>
+          <p:cNvPr id="11" name="텍스트 상자 10" descr="/Users/jisung/Library/Group Containers/L48J367XN4.com.infraware.PolarisOffice/fImage25072416854.png"/>
+          <p:cNvPicPr>
+            <a:picLocks noChangeAspect="1"/>
+          </p:cNvPicPr>
+          <p:nvPr/>
+        </p:nvPicPr>
+        <p:blipFill rotWithShape="1">
+          <a:blip r:embed="rId2" cstate="print">
+            <a:extLst>
+              <a:ext uri="{28A0092B-C50C-407E-A947-70E740481C1C}">
+                <a14:useLocalDpi xmlns:a14="http://schemas.microsoft.com/office/drawing/2010/main" val="0"/>
+              </a:ext>
+            </a:extLst>
+          </a:blip>
+          <a:stretch>
+            <a:fillRect/>
+          </a:stretch>
+        </p:blipFill>
+        <p:spPr>
+          <a:xfrm>
+            <a:off x="3609340" y="2748280"/>
+            <a:ext cx="2249805" cy="1685925"/>
+          </a:xfrm>
+          <a:prstGeom prst="rect">
+            <a:avLst/>
+          </a:prstGeom>
+          <a:noFill/>
+        </p:spPr>
+      </p:pic>
+      <p:pic>
+        <p:nvPicPr>
+          <p:cNvPr id="12" name="텍스트 상자 11" descr="/Users/jisung/Library/Group Containers/L48J367XN4.com.infraware.PolarisOffice/fImage25072426008.png"/>
+          <p:cNvPicPr>
+            <a:picLocks noChangeAspect="1"/>
+          </p:cNvPicPr>
+          <p:nvPr/>
+        </p:nvPicPr>
+        <p:blipFill rotWithShape="1">
+          <a:blip r:embed="rId2" cstate="print">
+            <a:extLst>
+              <a:ext uri="{28A0092B-C50C-407E-A947-70E740481C1C}">
+                <a14:useLocalDpi xmlns:a14="http://schemas.microsoft.com/office/drawing/2010/main" val="0"/>
+              </a:ext>
+            </a:extLst>
+          </a:blip>
+          <a:stretch>
+            <a:fillRect/>
+          </a:stretch>
+        </p:blipFill>
+        <p:spPr>
+          <a:xfrm>
+            <a:off x="3771265" y="2910205"/>
+            <a:ext cx="2249805" cy="1685925"/>
+          </a:xfrm>
+          <a:prstGeom prst="rect">
+            <a:avLst/>
+          </a:prstGeom>
+          <a:noFill/>
+        </p:spPr>
+      </p:pic>
+      <p:pic>
+        <p:nvPicPr>
+          <p:cNvPr id="13" name="텍스트 상자 12" descr="/Users/jisung/Library/Group Containers/L48J367XN4.com.infraware.PolarisOffice/fImage25072434981.png"/>
+          <p:cNvPicPr>
+            <a:picLocks noChangeAspect="1"/>
+          </p:cNvPicPr>
+          <p:nvPr/>
+        </p:nvPicPr>
+        <p:blipFill rotWithShape="1">
+          <a:blip r:embed="rId2" cstate="print">
+            <a:extLst>
+              <a:ext uri="{28A0092B-C50C-407E-A947-70E740481C1C}">
+                <a14:useLocalDpi xmlns:a14="http://schemas.microsoft.com/office/drawing/2010/main" val="0"/>
+              </a:ext>
+            </a:extLst>
+          </a:blip>
+          <a:stretch>
+            <a:fillRect/>
+          </a:stretch>
+        </p:blipFill>
+        <p:spPr>
+          <a:xfrm>
+            <a:off x="3933190" y="3072130"/>
+            <a:ext cx="2249805" cy="1685925"/>
+          </a:xfrm>
+          <a:prstGeom prst="rect">
+            <a:avLst/>
+          </a:prstGeom>
+          <a:noFill/>
+        </p:spPr>
+      </p:pic>
+      <p:pic>
+        <p:nvPicPr>
+          <p:cNvPr id="14" name="텍스트 상자 13" descr="/Users/jisung/Library/Group Containers/L48J367XN4.com.infraware.PolarisOffice/fImage2507244552.png"/>
+          <p:cNvPicPr>
+            <a:picLocks noChangeAspect="1"/>
+          </p:cNvPicPr>
+          <p:nvPr/>
+        </p:nvPicPr>
+        <p:blipFill rotWithShape="1">
+          <a:blip r:embed="rId2" cstate="print">
+            <a:extLst>
+              <a:ext uri="{28A0092B-C50C-407E-A947-70E740481C1C}">
+                <a14:useLocalDpi xmlns:a14="http://schemas.microsoft.com/office/drawing/2010/main" val="0"/>
+              </a:ext>
+            </a:extLst>
+          </a:blip>
+          <a:stretch>
+            <a:fillRect/>
+          </a:stretch>
+        </p:blipFill>
+        <p:spPr>
+          <a:xfrm>
+            <a:off x="4095114" y="3234055"/>
+            <a:ext cx="2249805" cy="1685925"/>
+          </a:xfrm>
+          <a:prstGeom prst="rect">
+            <a:avLst/>
+          </a:prstGeom>
+          <a:noFill/>
+        </p:spPr>
+      </p:pic>
+      <p:pic>
+        <p:nvPicPr>
+          <p:cNvPr id="15" name="텍스트 상자 14" descr="/Users/jisung/Library/Group Containers/L48J367XN4.com.infraware.PolarisOffice/fImage25072456288.png"/>
+          <p:cNvPicPr>
+            <a:picLocks noChangeAspect="1"/>
+          </p:cNvPicPr>
+          <p:nvPr/>
+        </p:nvPicPr>
+        <p:blipFill rotWithShape="1">
+          <a:blip r:embed="rId2" cstate="print">
+            <a:extLst>
+              <a:ext uri="{28A0092B-C50C-407E-A947-70E740481C1C}">
+                <a14:useLocalDpi xmlns:a14="http://schemas.microsoft.com/office/drawing/2010/main" val="0"/>
+              </a:ext>
+            </a:extLst>
+          </a:blip>
+          <a:stretch>
+            <a:fillRect/>
+          </a:stretch>
+        </p:blipFill>
+        <p:spPr>
+          <a:xfrm>
+            <a:off x="4257040" y="3395980"/>
+            <a:ext cx="2249805" cy="1685925"/>
+          </a:xfrm>
+          <a:prstGeom prst="rect">
+            <a:avLst/>
+          </a:prstGeom>
+          <a:noFill/>
+        </p:spPr>
+      </p:pic>
+      <p:pic>
+        <p:nvPicPr>
+          <p:cNvPr id="16" name="텍스트 상자 15" descr="/Users/jisung/Library/Group Containers/L48J367XN4.com.infraware.PolarisOffice/fImage715533188163.png"/>
           <p:cNvPicPr>
             <a:picLocks noChangeAspect="1"/>
           </p:cNvPicPr>
@@ -3968,169 +4159,284 @@
           </a:stretch>
         </p:blipFill>
         <p:spPr>
-          <a:xfrm rot="0">
-            <a:off x="3609340" y="2748280"/>
-            <a:ext cx="2249805" cy="1685925"/>
-          </a:xfrm>
-          <a:prstGeom prst="rect"/>
+          <a:xfrm>
+            <a:off x="-31114" y="-5715"/>
+            <a:ext cx="9147810" cy="6698615"/>
+          </a:xfrm>
+          <a:prstGeom prst="rect">
+            <a:avLst/>
+          </a:prstGeom>
           <a:noFill/>
         </p:spPr>
       </p:pic>
-      <p:pic>
-        <p:nvPicPr>
-          <p:cNvPr id="12" name="텍스트 상자 11" descr="/Users/jisung/Library/Group Containers/L48J367XN4.com.infraware.PolarisOffice/fImage25073145379.png"/>
-          <p:cNvPicPr>
-            <a:picLocks noChangeAspect="1"/>
-          </p:cNvPicPr>
-          <p:nvPr/>
-        </p:nvPicPr>
-        <p:blipFill rotWithShape="1">
-          <a:blip r:embed="rId4">
-            <a:extLst>
-              <a:ext uri="{28A0092B-C50C-407E-A947-70E740481C1C}">
-                <a14:useLocalDpi xmlns:a14="http://schemas.microsoft.com/office/drawing/2010/main" val="0"/>
-              </a:ext>
-            </a:extLst>
-          </a:blip>
-          <a:stretch>
-            <a:fillRect/>
-          </a:stretch>
-        </p:blipFill>
-        <p:spPr>
-          <a:xfrm rot="0">
-            <a:off x="3771265" y="2910205"/>
-            <a:ext cx="2249805" cy="1685925"/>
-          </a:xfrm>
-          <a:prstGeom prst="rect"/>
-          <a:noFill/>
-        </p:spPr>
-      </p:pic>
-      <p:pic>
-        <p:nvPicPr>
-          <p:cNvPr id="13" name="텍스트 상자 12" descr="/Users/jisung/Library/Group Containers/L48J367XN4.com.infraware.PolarisOffice/fImage25073155356.png"/>
-          <p:cNvPicPr>
-            <a:picLocks noChangeAspect="1"/>
-          </p:cNvPicPr>
-          <p:nvPr/>
-        </p:nvPicPr>
-        <p:blipFill rotWithShape="1">
-          <a:blip r:embed="rId5">
-            <a:extLst>
-              <a:ext uri="{28A0092B-C50C-407E-A947-70E740481C1C}">
-                <a14:useLocalDpi xmlns:a14="http://schemas.microsoft.com/office/drawing/2010/main" val="0"/>
-              </a:ext>
-            </a:extLst>
-          </a:blip>
-          <a:stretch>
-            <a:fillRect/>
-          </a:stretch>
-        </p:blipFill>
-        <p:spPr>
-          <a:xfrm rot="0">
-            <a:off x="3933190" y="3072130"/>
-            <a:ext cx="2249805" cy="1685925"/>
-          </a:xfrm>
-          <a:prstGeom prst="rect"/>
-          <a:noFill/>
-        </p:spPr>
-      </p:pic>
-      <p:pic>
-        <p:nvPicPr>
-          <p:cNvPr id="14" name="텍스트 상자 13" descr="/Users/jisung/Library/Group Containers/L48J367XN4.com.infraware.PolarisOffice/fImage25073169461.png"/>
-          <p:cNvPicPr>
-            <a:picLocks noChangeAspect="1"/>
-          </p:cNvPicPr>
-          <p:nvPr/>
-        </p:nvPicPr>
-        <p:blipFill rotWithShape="1">
-          <a:blip r:embed="rId6">
-            <a:extLst>
-              <a:ext uri="{28A0092B-C50C-407E-A947-70E740481C1C}">
-                <a14:useLocalDpi xmlns:a14="http://schemas.microsoft.com/office/drawing/2010/main" val="0"/>
-              </a:ext>
-            </a:extLst>
-          </a:blip>
-          <a:stretch>
-            <a:fillRect/>
-          </a:stretch>
-        </p:blipFill>
-        <p:spPr>
-          <a:xfrm rot="0">
-            <a:off x="4095114" y="3234055"/>
-            <a:ext cx="2249805" cy="1685925"/>
-          </a:xfrm>
-          <a:prstGeom prst="rect"/>
-          <a:noFill/>
-        </p:spPr>
-      </p:pic>
-      <p:pic>
-        <p:nvPicPr>
-          <p:cNvPr id="15" name="텍스트 상자 14" descr="/Users/jisung/Library/Group Containers/L48J367XN4.com.infraware.PolarisOffice/fImage25073178487.png"/>
-          <p:cNvPicPr>
-            <a:picLocks noChangeAspect="1"/>
-          </p:cNvPicPr>
-          <p:nvPr/>
-        </p:nvPicPr>
-        <p:blipFill rotWithShape="1">
-          <a:blip r:embed="rId7">
-            <a:extLst>
-              <a:ext uri="{28A0092B-C50C-407E-A947-70E740481C1C}">
-                <a14:useLocalDpi xmlns:a14="http://schemas.microsoft.com/office/drawing/2010/main" val="0"/>
-              </a:ext>
-            </a:extLst>
-          </a:blip>
-          <a:stretch>
-            <a:fillRect/>
-          </a:stretch>
-        </p:blipFill>
-        <p:spPr>
-          <a:xfrm rot="0">
-            <a:off x="4257040" y="3395980"/>
-            <a:ext cx="2249805" cy="1685925"/>
-          </a:xfrm>
-          <a:prstGeom prst="rect"/>
-          <a:noFill/>
-        </p:spPr>
-      </p:pic>
-      <p:pic>
-        <p:nvPicPr>
-          <p:cNvPr id="16" name="텍스트 상자 15" descr="/Users/jisung/Library/Group Containers/L48J367XN4.com.infraware.PolarisOffice/fImage637243198353.png"/>
-          <p:cNvPicPr>
-            <a:picLocks noChangeAspect="1"/>
-          </p:cNvPicPr>
-          <p:nvPr/>
-        </p:nvPicPr>
-        <p:blipFill rotWithShape="1">
-          <a:blip r:embed="rId8">
-            <a:extLst>
-              <a:ext uri="{28A0092B-C50C-407E-A947-70E740481C1C}">
-                <a14:useLocalDpi xmlns:a14="http://schemas.microsoft.com/office/drawing/2010/main" val="0"/>
-              </a:ext>
-            </a:extLst>
-          </a:blip>
-          <a:stretch>
-            <a:fillRect/>
-          </a:stretch>
-        </p:blipFill>
-        <p:spPr>
-          <a:xfrm rot="0">
-            <a:off x="1270" y="2540"/>
-            <a:ext cx="9131935" cy="5926455"/>
-          </a:xfrm>
-          <a:prstGeom prst="rect"/>
-          <a:noFill/>
-        </p:spPr>
-      </p:pic>
+      <p:sp>
+        <p:nvSpPr>
+          <p:cNvPr id="2" name="원통 1"/>
+          <p:cNvSpPr/>
+          <p:nvPr/>
+        </p:nvSpPr>
+        <p:spPr>
+          <a:xfrm>
+            <a:off x="5220072" y="4272280"/>
+            <a:ext cx="962923" cy="1749008"/>
+          </a:xfrm>
+          <a:prstGeom prst="can">
+            <a:avLst/>
+          </a:prstGeom>
+        </p:spPr>
+        <p:style>
+          <a:lnRef idx="2">
+            <a:schemeClr val="accent1">
+              <a:shade val="50000"/>
+            </a:schemeClr>
+          </a:lnRef>
+          <a:fillRef idx="1">
+            <a:schemeClr val="accent1"/>
+          </a:fillRef>
+          <a:effectRef idx="0">
+            <a:schemeClr val="accent1"/>
+          </a:effectRef>
+          <a:fontRef idx="minor">
+            <a:schemeClr val="lt1"/>
+          </a:fontRef>
+        </p:style>
+        <p:txBody>
+          <a:bodyPr rtlCol="0" anchor="ctr"/>
+          <a:lstStyle/>
+          <a:p>
+            <a:pPr algn="ctr"/>
+            <a:endParaRPr lang="ko-KR" altLang="en-US"/>
+          </a:p>
+        </p:txBody>
+      </p:sp>
+      <p:sp>
+        <p:nvSpPr>
+          <p:cNvPr id="17" name="원통 16"/>
+          <p:cNvSpPr/>
+          <p:nvPr/>
+        </p:nvSpPr>
+        <p:spPr>
+          <a:xfrm>
+            <a:off x="7146027" y="4272280"/>
+            <a:ext cx="962923" cy="1749008"/>
+          </a:xfrm>
+          <a:prstGeom prst="can">
+            <a:avLst/>
+          </a:prstGeom>
+        </p:spPr>
+        <p:style>
+          <a:lnRef idx="2">
+            <a:schemeClr val="accent1">
+              <a:shade val="50000"/>
+            </a:schemeClr>
+          </a:lnRef>
+          <a:fillRef idx="1">
+            <a:schemeClr val="accent1"/>
+          </a:fillRef>
+          <a:effectRef idx="0">
+            <a:schemeClr val="accent1"/>
+          </a:effectRef>
+          <a:fontRef idx="minor">
+            <a:schemeClr val="lt1"/>
+          </a:fontRef>
+        </p:style>
+        <p:txBody>
+          <a:bodyPr rtlCol="0" anchor="ctr"/>
+          <a:lstStyle/>
+          <a:p>
+            <a:pPr algn="ctr"/>
+            <a:endParaRPr lang="ko-KR" altLang="en-US"/>
+          </a:p>
+        </p:txBody>
+      </p:sp>
+      <p:sp>
+        <p:nvSpPr>
+          <p:cNvPr id="3" name="눈물 방울 2"/>
+          <p:cNvSpPr/>
+          <p:nvPr/>
+        </p:nvSpPr>
+        <p:spPr>
+          <a:xfrm rot="19373635">
+            <a:off x="6211735" y="2757235"/>
+            <a:ext cx="841918" cy="914653"/>
+          </a:xfrm>
+          <a:prstGeom prst="teardrop">
+            <a:avLst/>
+          </a:prstGeom>
+        </p:spPr>
+        <p:style>
+          <a:lnRef idx="2">
+            <a:schemeClr val="accent1">
+              <a:shade val="50000"/>
+            </a:schemeClr>
+          </a:lnRef>
+          <a:fillRef idx="1">
+            <a:schemeClr val="accent1"/>
+          </a:fillRef>
+          <a:effectRef idx="0">
+            <a:schemeClr val="accent1"/>
+          </a:effectRef>
+          <a:fontRef idx="minor">
+            <a:schemeClr val="lt1"/>
+          </a:fontRef>
+        </p:style>
+        <p:txBody>
+          <a:bodyPr rtlCol="0" anchor="ctr"/>
+          <a:lstStyle/>
+          <a:p>
+            <a:pPr algn="ctr"/>
+            <a:endParaRPr lang="ko-KR" altLang="en-US"/>
+          </a:p>
+        </p:txBody>
+      </p:sp>
+      <p:sp>
+        <p:nvSpPr>
+          <p:cNvPr id="6" name="아래로 구부러진 화살표 5"/>
+          <p:cNvSpPr/>
+          <p:nvPr/>
+        </p:nvSpPr>
+        <p:spPr>
+          <a:xfrm>
+            <a:off x="5697220" y="3356992"/>
+            <a:ext cx="2043132" cy="648072"/>
+          </a:xfrm>
+          <a:prstGeom prst="curvedDownArrow">
+            <a:avLst/>
+          </a:prstGeom>
+        </p:spPr>
+        <p:style>
+          <a:lnRef idx="2">
+            <a:schemeClr val="accent1">
+              <a:shade val="50000"/>
+            </a:schemeClr>
+          </a:lnRef>
+          <a:fillRef idx="1">
+            <a:schemeClr val="accent1"/>
+          </a:fillRef>
+          <a:effectRef idx="0">
+            <a:schemeClr val="accent1"/>
+          </a:effectRef>
+          <a:fontRef idx="minor">
+            <a:schemeClr val="lt1"/>
+          </a:fontRef>
+        </p:style>
+        <p:txBody>
+          <a:bodyPr rtlCol="0" anchor="ctr"/>
+          <a:lstStyle/>
+          <a:p>
+            <a:pPr algn="ctr"/>
+            <a:endParaRPr lang="ko-KR" altLang="en-US">
+              <a:solidFill>
+                <a:schemeClr val="tx1"/>
+              </a:solidFill>
+            </a:endParaRPr>
+          </a:p>
+        </p:txBody>
+      </p:sp>
+      <p:sp>
+        <p:nvSpPr>
+          <p:cNvPr id="7" name="TextBox 6"/>
+          <p:cNvSpPr txBox="1"/>
+          <p:nvPr/>
+        </p:nvSpPr>
+        <p:spPr>
+          <a:xfrm>
+            <a:off x="6173328" y="2968427"/>
+            <a:ext cx="963686" cy="369332"/>
+          </a:xfrm>
+          <a:prstGeom prst="rect">
+            <a:avLst/>
+          </a:prstGeom>
+          <a:noFill/>
+        </p:spPr>
+        <p:txBody>
+          <a:bodyPr wrap="square" rtlCol="0">
+            <a:spAutoFit/>
+          </a:bodyPr>
+          <a:lstStyle/>
+          <a:p>
+            <a:r>
+              <a:rPr lang="en-US" altLang="ko-KR" dirty="0" err="1" smtClean="0"/>
+              <a:t>mJuice</a:t>
+            </a:r>
+            <a:endParaRPr lang="ko-KR" altLang="en-US" dirty="0"/>
+          </a:p>
+        </p:txBody>
+      </p:sp>
+      <p:sp>
+        <p:nvSpPr>
+          <p:cNvPr id="8" name="TextBox 7"/>
+          <p:cNvSpPr txBox="1"/>
+          <p:nvPr/>
+        </p:nvSpPr>
+        <p:spPr>
+          <a:xfrm>
+            <a:off x="5257037" y="5540811"/>
+            <a:ext cx="916291" cy="369332"/>
+          </a:xfrm>
+          <a:prstGeom prst="rect">
+            <a:avLst/>
+          </a:prstGeom>
+          <a:noFill/>
+        </p:spPr>
+        <p:txBody>
+          <a:bodyPr wrap="square" rtlCol="0">
+            <a:spAutoFit/>
+          </a:bodyPr>
+          <a:lstStyle/>
+          <a:p>
+            <a:r>
+              <a:rPr lang="en-US" altLang="ko-KR" dirty="0" err="1" smtClean="0"/>
+              <a:t>FromB</a:t>
+            </a:r>
+            <a:endParaRPr lang="ko-KR" altLang="en-US" dirty="0"/>
+          </a:p>
+        </p:txBody>
+      </p:sp>
+      <p:sp>
+        <p:nvSpPr>
+          <p:cNvPr id="18" name="TextBox 17"/>
+          <p:cNvSpPr txBox="1"/>
+          <p:nvPr/>
+        </p:nvSpPr>
+        <p:spPr>
+          <a:xfrm>
+            <a:off x="7206628" y="5508545"/>
+            <a:ext cx="916291" cy="369332"/>
+          </a:xfrm>
+          <a:prstGeom prst="rect">
+            <a:avLst/>
+          </a:prstGeom>
+          <a:noFill/>
+        </p:spPr>
+        <p:txBody>
+          <a:bodyPr wrap="square" rtlCol="0">
+            <a:spAutoFit/>
+          </a:bodyPr>
+          <a:lstStyle/>
+          <a:p>
+            <a:r>
+              <a:rPr lang="en-US" altLang="ko-KR" dirty="0" smtClean="0"/>
+              <a:t>   </a:t>
+            </a:r>
+            <a:r>
+              <a:rPr lang="en-US" altLang="ko-KR" dirty="0" err="1" smtClean="0"/>
+              <a:t>ToB</a:t>
+            </a:r>
+            <a:endParaRPr lang="ko-KR" altLang="en-US" dirty="0"/>
+          </a:p>
+        </p:txBody>
+      </p:sp>
     </p:spTree>
   </p:cSld>
   <p:clrMapOvr>
     <a:masterClrMapping/>
   </p:clrMapOvr>
-  <mc:AlternateContent xmlns:mc="http://schemas.openxmlformats.org/markup-compatibility/2006">
-    <mc:Choice xmlns:p14="http://schemas.microsoft.com/office/powerpoint/2010/main" Requires="p14">
+  <mc:AlternateContent xmlns:mc="http://schemas.openxmlformats.org/markup-compatibility/2006" xmlns:p14="http://schemas.microsoft.com/office/powerpoint/2010/main">
+    <mc:Choice Requires="p14">
       <p:transition spd="slow" p14:dur="2000"/>
     </mc:Choice>
-    <mc:Fallback>
+    <mc:Fallback xmlns="">
       <p:transition spd="slow"/>
     </mc:Fallback>
   </mc:AlternateContent>
@@ -4170,11 +4476,13 @@
           <p:nvPr/>
         </p:nvSpPr>
         <p:spPr>
-          <a:xfrm rot="0">
+          <a:xfrm>
             <a:off x="0" y="0"/>
             <a:ext cx="9144635" cy="6862445"/>
           </a:xfrm>
-          <a:prstGeom prst="rect"/>
+          <a:prstGeom prst="rect">
+            <a:avLst/>
+          </a:prstGeom>
           <a:solidFill>
             <a:schemeClr val="accent6">
               <a:lumMod val="75000"/>
@@ -4202,12 +4510,12 @@
           </a:fontRef>
         </p:style>
         <p:txBody>
-          <a:bodyPr wrap="square" lIns="91440" tIns="45720" rIns="91440" bIns="45720" vert="horz" anchor="ctr">
+          <a:bodyPr vert="horz" wrap="square" lIns="91440" tIns="45720" rIns="91440" bIns="45720" anchor="ctr">
             <a:noAutofit/>
           </a:bodyPr>
           <a:lstStyle/>
           <a:p>
-            <a:pPr marL="0" indent="0" algn="ctr" fontAlgn="auto" defTabSz="914400" eaLnBrk="0">
+            <a:pPr marL="0" indent="0" algn="ctr" defTabSz="914400" eaLnBrk="0" fontAlgn="auto">
               <a:lnSpc>
                 <a:spcPct val="90000"/>
               </a:lnSpc>
@@ -4220,7 +4528,7 @@
               <a:buFontTx/>
               <a:buNone/>
             </a:pPr>
-            <a:endParaRPr lang="ko-KR" altLang="en-US" sz="1800" cap="none" dirty="0" smtClean="0" b="0">
+            <a:endParaRPr lang="ko-KR" altLang="en-US" sz="1800" b="0" cap="none" dirty="0" smtClean="0">
               <a:latin typeface="나눔고딕" charset="0"/>
               <a:ea typeface="나눔고딕" charset="0"/>
             </a:endParaRPr>
@@ -4236,11 +4544,13 @@
           <p:nvPr/>
         </p:nvSpPr>
         <p:spPr>
-          <a:xfrm rot="0">
+          <a:xfrm>
             <a:off x="539750" y="548640"/>
             <a:ext cx="8065770" cy="5429885"/>
           </a:xfrm>
-          <a:prstGeom prst="rect"/>
+          <a:prstGeom prst="rect">
+            <a:avLst/>
+          </a:prstGeom>
           <a:noFill/>
           <a:ln w="114300" cap="flat" cmpd="sng">
             <a:solidFill>
@@ -4269,12 +4579,12 @@
           </a:fontRef>
         </p:style>
         <p:txBody>
-          <a:bodyPr wrap="square" lIns="91440" tIns="45720" rIns="91440" bIns="45720" vert="horz" anchor="ctr">
+          <a:bodyPr vert="horz" wrap="square" lIns="91440" tIns="45720" rIns="91440" bIns="45720" anchor="ctr">
             <a:noAutofit/>
           </a:bodyPr>
           <a:lstStyle/>
           <a:p>
-            <a:pPr marL="0" indent="0" algn="ctr" fontAlgn="auto" defTabSz="914400" eaLnBrk="0">
+            <a:pPr marL="0" indent="0" algn="ctr" defTabSz="914400" eaLnBrk="0" fontAlgn="auto">
               <a:lnSpc>
                 <a:spcPct val="90000"/>
               </a:lnSpc>
@@ -4287,7 +4597,7 @@
               <a:buFontTx/>
               <a:buNone/>
             </a:pPr>
-            <a:endParaRPr lang="ko-KR" altLang="en-US" sz="1800" cap="none" dirty="0" smtClean="0" b="0">
+            <a:endParaRPr lang="ko-KR" altLang="en-US" sz="1800" b="0" cap="none" dirty="0" smtClean="0">
               <a:latin typeface="나눔고딕" charset="0"/>
               <a:ea typeface="나눔고딕" charset="0"/>
             </a:endParaRPr>
@@ -4298,26 +4608,28 @@
         <p:nvSpPr>
           <p:cNvPr id="2" name="세로 텍스트 개체 틀 1"/>
           <p:cNvSpPr txBox="1">
-            <a:spLocks/>
+            <a:spLocks noGrp="1"/>
           </p:cNvSpPr>
           <p:nvPr>
             <p:ph type="ctrTitle"/>
           </p:nvPr>
         </p:nvSpPr>
         <p:spPr>
-          <a:xfrm rot="0">
+          <a:xfrm>
             <a:off x="2221230" y="985520"/>
             <a:ext cx="5135245" cy="4544695"/>
           </a:xfrm>
-          <a:prstGeom prst="rect"/>
+          <a:prstGeom prst="rect">
+            <a:avLst/>
+          </a:prstGeom>
         </p:spPr>
         <p:txBody>
-          <a:bodyPr wrap="square" lIns="91440" tIns="45720" rIns="91440" bIns="45720" vert="horz" anchor="ctr">
+          <a:bodyPr vert="horz" wrap="square" lIns="91440" tIns="45720" rIns="91440" bIns="45720" anchor="ctr">
             <a:noAutofit/>
           </a:bodyPr>
           <a:lstStyle/>
           <a:p>
-            <a:pPr marL="508000" indent="254000" algn="l" fontAlgn="auto" defTabSz="914400">
+            <a:pPr marL="508000" indent="254000" algn="l" defTabSz="914400" fontAlgn="auto">
               <a:lnSpc>
                 <a:spcPct val="100000"/>
               </a:lnSpc>
@@ -4331,7 +4643,7 @@
               <a:buNone/>
             </a:pPr>
             <a:r>
-              <a:rPr lang="en-US" altLang="ko-KR" sz="3000" cap="none" dirty="0" smtClean="0" b="1">
+              <a:rPr lang="en-US" altLang="ko-KR" sz="3000" b="1" cap="none" dirty="0" smtClean="0">
                 <a:solidFill>
                   <a:schemeClr val="bg1"/>
                 </a:solidFill>
@@ -4340,8 +4652,17 @@
               </a:rPr>
               <a:t>구현 중점 사항</a:t>
             </a:r>
+            <a:br>
+              <a:rPr lang="en-US" altLang="ko-KR" sz="3000" b="1" cap="none" dirty="0" smtClean="0">
+                <a:solidFill>
+                  <a:schemeClr val="bg1"/>
+                </a:solidFill>
+                <a:latin typeface="나눔고딕 ExtraBold" charset="0"/>
+                <a:ea typeface="나눔고딕 ExtraBold" charset="0"/>
+              </a:rPr>
+            </a:br>
             <a:r>
-              <a:rPr lang="en-US" altLang="ko-KR" sz="3000" cap="none" dirty="0" smtClean="0" b="1">
+              <a:rPr lang="en-US" altLang="ko-KR" sz="3000" b="1" cap="none" dirty="0" smtClean="0">
                 <a:solidFill>
                   <a:schemeClr val="bg1"/>
                 </a:solidFill>
@@ -4351,7 +4672,7 @@
               <a:t/>
             </a:r>
             <a:br>
-              <a:rPr lang="en-US" altLang="ko-KR" sz="3000" cap="none" dirty="0" smtClean="0" b="1">
+              <a:rPr lang="en-US" altLang="ko-KR" sz="3000" b="1" cap="none" dirty="0" smtClean="0">
                 <a:solidFill>
                   <a:schemeClr val="bg1"/>
                 </a:solidFill>
@@ -4360,17 +4681,17 @@
               </a:rPr>
             </a:br>
             <a:r>
-              <a:rPr lang="en-US" altLang="ko-KR" sz="3000" cap="none" dirty="0" smtClean="0" b="1">
+              <a:rPr lang="en-US" altLang="ko-KR" sz="3000" b="1" cap="none" dirty="0" smtClean="0">
                 <a:solidFill>
                   <a:schemeClr val="bg1"/>
                 </a:solidFill>
                 <a:latin typeface="나눔고딕 ExtraBold" charset="0"/>
                 <a:ea typeface="나눔고딕 ExtraBold" charset="0"/>
               </a:rPr>
-              <a:t/>
+              <a:t> 	Heap 구조체</a:t>
             </a:r>
             <a:br>
-              <a:rPr lang="en-US" altLang="ko-KR" sz="3000" cap="none" dirty="0" smtClean="0" b="1">
+              <a:rPr lang="en-US" altLang="ko-KR" sz="3000" b="1" cap="none" dirty="0" smtClean="0">
                 <a:solidFill>
                   <a:schemeClr val="bg1"/>
                 </a:solidFill>
@@ -4379,27 +4700,17 @@
               </a:rPr>
             </a:br>
             <a:r>
-              <a:rPr lang="en-US" altLang="ko-KR" sz="3000" cap="none" dirty="0" smtClean="0" b="1">
+              <a:rPr lang="en-US" altLang="ko-KR" sz="3000" b="1" cap="none" dirty="0" smtClean="0">
                 <a:solidFill>
                   <a:schemeClr val="bg1"/>
                 </a:solidFill>
                 <a:latin typeface="나눔고딕 ExtraBold" charset="0"/>
                 <a:ea typeface="나눔고딕 ExtraBold" charset="0"/>
               </a:rPr>
-              <a:t> 	Heap 구조체</a:t>
-            </a:r>
-            <a:r>
-              <a:rPr lang="en-US" altLang="ko-KR" sz="3000" cap="none" dirty="0" smtClean="0" b="1">
-                <a:solidFill>
-                  <a:schemeClr val="bg1"/>
-                </a:solidFill>
-                <a:latin typeface="나눔고딕 ExtraBold" charset="0"/>
-                <a:ea typeface="나눔고딕 ExtraBold" charset="0"/>
-              </a:rPr>
-              <a:t/>
+              <a:t> 	upheap</a:t>
             </a:r>
             <a:br>
-              <a:rPr lang="en-US" altLang="ko-KR" sz="3000" cap="none" dirty="0" smtClean="0" b="1">
+              <a:rPr lang="en-US" altLang="ko-KR" sz="3000" b="1" cap="none" dirty="0" smtClean="0">
                 <a:solidFill>
                   <a:schemeClr val="bg1"/>
                 </a:solidFill>
@@ -4408,27 +4719,17 @@
               </a:rPr>
             </a:br>
             <a:r>
-              <a:rPr lang="en-US" altLang="ko-KR" sz="3000" cap="none" dirty="0" smtClean="0" b="1">
+              <a:rPr lang="en-US" altLang="ko-KR" sz="3000" b="1" cap="none" dirty="0" smtClean="0">
                 <a:solidFill>
                   <a:schemeClr val="bg1"/>
                 </a:solidFill>
                 <a:latin typeface="나눔고딕 ExtraBold" charset="0"/>
                 <a:ea typeface="나눔고딕 ExtraBold" charset="0"/>
               </a:rPr>
-              <a:t> 	upheap</a:t>
-            </a:r>
-            <a:r>
-              <a:rPr lang="en-US" altLang="ko-KR" sz="3000" cap="none" dirty="0" smtClean="0" b="1">
-                <a:solidFill>
-                  <a:schemeClr val="bg1"/>
-                </a:solidFill>
-                <a:latin typeface="나눔고딕 ExtraBold" charset="0"/>
-                <a:ea typeface="나눔고딕 ExtraBold" charset="0"/>
-              </a:rPr>
-              <a:t/>
+              <a:t>	downheap</a:t>
             </a:r>
             <a:br>
-              <a:rPr lang="en-US" altLang="ko-KR" sz="3000" cap="none" dirty="0" smtClean="0" b="1">
+              <a:rPr lang="en-US" altLang="ko-KR" sz="3000" b="1" cap="none" dirty="0" smtClean="0">
                 <a:solidFill>
                   <a:schemeClr val="bg1"/>
                 </a:solidFill>
@@ -4437,27 +4738,17 @@
               </a:rPr>
             </a:br>
             <a:r>
-              <a:rPr lang="en-US" altLang="ko-KR" sz="3000" cap="none" dirty="0" smtClean="0" b="1">
+              <a:rPr lang="en-US" altLang="ko-KR" sz="3000" b="1" cap="none" dirty="0" smtClean="0">
                 <a:solidFill>
                   <a:schemeClr val="bg1"/>
                 </a:solidFill>
                 <a:latin typeface="나눔고딕 ExtraBold" charset="0"/>
                 <a:ea typeface="나눔고딕 ExtraBold" charset="0"/>
               </a:rPr>
-              <a:t>	downheap</a:t>
-            </a:r>
-            <a:r>
-              <a:rPr lang="en-US" altLang="ko-KR" sz="3000" cap="none" dirty="0" smtClean="0" b="1">
-                <a:solidFill>
-                  <a:schemeClr val="bg1"/>
-                </a:solidFill>
-                <a:latin typeface="나눔고딕 ExtraBold" charset="0"/>
-                <a:ea typeface="나눔고딕 ExtraBold" charset="0"/>
-              </a:rPr>
-              <a:t/>
+              <a:t> 	#define</a:t>
             </a:r>
             <a:br>
-              <a:rPr lang="en-US" altLang="ko-KR" sz="3000" cap="none" dirty="0" smtClean="0" b="1">
+              <a:rPr lang="en-US" altLang="ko-KR" sz="3000" b="1" cap="none" dirty="0" smtClean="0">
                 <a:solidFill>
                   <a:schemeClr val="bg1"/>
                 </a:solidFill>
@@ -4466,36 +4757,7 @@
               </a:rPr>
             </a:br>
             <a:r>
-              <a:rPr lang="en-US" altLang="ko-KR" sz="3000" cap="none" dirty="0" smtClean="0" b="1">
-                <a:solidFill>
-                  <a:schemeClr val="bg1"/>
-                </a:solidFill>
-                <a:latin typeface="나눔고딕 ExtraBold" charset="0"/>
-                <a:ea typeface="나눔고딕 ExtraBold" charset="0"/>
-              </a:rPr>
-              <a:t> 	#define</a:t>
-            </a:r>
-            <a:r>
-              <a:rPr lang="en-US" altLang="ko-KR" sz="3000" cap="none" dirty="0" smtClean="0" b="1">
-                <a:solidFill>
-                  <a:schemeClr val="bg1"/>
-                </a:solidFill>
-                <a:latin typeface="나눔고딕 ExtraBold" charset="0"/>
-                <a:ea typeface="나눔고딕 ExtraBold" charset="0"/>
-              </a:rPr>
-              <a:t/>
-            </a:r>
-            <a:br>
-              <a:rPr lang="en-US" altLang="ko-KR" sz="3000" cap="none" dirty="0" smtClean="0" b="1">
-                <a:solidFill>
-                  <a:schemeClr val="bg1"/>
-                </a:solidFill>
-                <a:latin typeface="나눔고딕 ExtraBold" charset="0"/>
-                <a:ea typeface="나눔고딕 ExtraBold" charset="0"/>
-              </a:rPr>
-            </a:br>
-            <a:r>
-              <a:rPr lang="en-US" altLang="ko-KR" sz="3000" cap="none" dirty="0" smtClean="0" b="1">
+              <a:rPr lang="en-US" altLang="ko-KR" sz="3000" b="1" cap="none" dirty="0" smtClean="0">
                 <a:solidFill>
                   <a:schemeClr val="bg1"/>
                 </a:solidFill>
@@ -4505,7 +4767,7 @@
               <a:t> 	PQ 의 Reusablity</a:t>
             </a:r>
             <a:r>
-              <a:rPr lang="en-US" altLang="ko-KR" sz="3000" cap="none" dirty="0" smtClean="0" b="1">
+              <a:rPr lang="en-US" altLang="ko-KR" sz="3000" b="1" cap="none" dirty="0" smtClean="0">
                 <a:solidFill>
                   <a:srgbClr val="000000"/>
                 </a:solidFill>
@@ -4515,7 +4777,7 @@
               <a:t/>
             </a:r>
             <a:br>
-              <a:rPr lang="en-US" altLang="ko-KR" sz="3000" cap="none" dirty="0" smtClean="0" b="1">
+              <a:rPr lang="en-US" altLang="ko-KR" sz="3000" b="1" cap="none" dirty="0" smtClean="0">
                 <a:solidFill>
                   <a:srgbClr val="000000"/>
                 </a:solidFill>
@@ -4523,7 +4785,7 @@
                 <a:ea typeface="나눔고딕 ExtraBold" charset="0"/>
               </a:rPr>
             </a:br>
-            <a:endParaRPr lang="ko-KR" altLang="en-US" sz="3000" cap="none" dirty="0" smtClean="0" b="1">
+            <a:endParaRPr lang="ko-KR" altLang="en-US" sz="3000" b="1" cap="none" dirty="0" smtClean="0">
               <a:solidFill>
                 <a:srgbClr val="000000"/>
               </a:solidFill>
@@ -4542,19 +4804,21 @@
           <p:nvPr/>
         </p:nvSpPr>
         <p:spPr>
-          <a:xfrm rot="0">
+          <a:xfrm>
             <a:off x="6804025" y="476885"/>
             <a:ext cx="1645920" cy="1080770"/>
           </a:xfrm>
-          <a:prstGeom prst="rect"/>
+          <a:prstGeom prst="rect">
+            <a:avLst/>
+          </a:prstGeom>
         </p:spPr>
         <p:txBody>
-          <a:bodyPr wrap="square" lIns="91440" tIns="45720" rIns="91440" bIns="45720" vert="horz" anchor="t">
+          <a:bodyPr vert="horz" wrap="square" lIns="91440" tIns="45720" rIns="91440" bIns="45720" anchor="t">
             <a:noAutofit/>
           </a:bodyPr>
           <a:lstStyle/>
           <a:p>
-            <a:pPr marL="0" indent="0" algn="r" fontAlgn="auto" defTabSz="914400">
+            <a:pPr marL="0" indent="0" algn="r" defTabSz="914400" fontAlgn="auto">
               <a:lnSpc>
                 <a:spcPts val="5600"/>
               </a:lnSpc>
@@ -4567,7 +4831,7 @@
               <a:buFontTx/>
               <a:buNone/>
             </a:pPr>
-            <a:endParaRPr lang="ko-KR" altLang="en-US" sz="2400" cap="none" dirty="0" smtClean="0" b="1">
+            <a:endParaRPr lang="ko-KR" altLang="en-US" sz="2400" b="1" cap="none" dirty="0" smtClean="0">
               <a:ln w="9525" cap="flat" cmpd="sng">
                 <a:prstDash/>
               </a:ln>
@@ -4589,7 +4853,7 @@
           <p:nvPr/>
         </p:nvPicPr>
         <p:blipFill rotWithShape="1">
-          <a:blip r:embed="rId2" cstate="hqprint">
+          <a:blip r:embed="rId2" cstate="print">
             <a:extLst>
               <a:ext uri="{28A0092B-C50C-407E-A947-70E740481C1C}">
                 <a14:useLocalDpi xmlns:a14="http://schemas.microsoft.com/office/drawing/2010/main" val="0"/>
@@ -4602,11 +4866,13 @@
           </a:stretch>
         </p:blipFill>
         <p:spPr bwMode="auto">
-          <a:xfrm rot="0">
+          <a:xfrm>
             <a:off x="7884160" y="6381115"/>
             <a:ext cx="865505" cy="161290"/>
           </a:xfrm>
-          <a:prstGeom prst="rect"/>
+          <a:prstGeom prst="rect">
+            <a:avLst/>
+          </a:prstGeom>
           <a:noFill/>
         </p:spPr>
       </p:pic>
@@ -4615,11 +4881,11 @@
   <p:clrMapOvr>
     <a:masterClrMapping/>
   </p:clrMapOvr>
-  <mc:AlternateContent xmlns:mc="http://schemas.openxmlformats.org/markup-compatibility/2006">
-    <mc:Choice xmlns:p14="http://schemas.microsoft.com/office/powerpoint/2010/main" Requires="p14">
+  <mc:AlternateContent xmlns:mc="http://schemas.openxmlformats.org/markup-compatibility/2006" xmlns:p14="http://schemas.microsoft.com/office/powerpoint/2010/main">
+    <mc:Choice Requires="p14">
       <p:transition spd="slow" p14:dur="2000"/>
     </mc:Choice>
-    <mc:Fallback>
+    <mc:Fallback xmlns="">
       <p:transition spd="slow"/>
     </mc:Fallback>
   </mc:AlternateContent>
@@ -4634,7 +4900,7 @@
 </file>
 
 <file path=ppt/slides/slide3.xml><?xml version="1.0" encoding="utf-8"?>
-<p:sld xmlns:a="http://schemas.openxmlformats.org/drawingml/2006/main" xmlns:r="http://schemas.openxmlformats.org/officeDocument/2006/relationships" xmlns:p="http://schemas.openxmlformats.org/presentationml/2006/main" xmlns:p14="http://schemas.microsoft.com/office/powerpoint/2010/main">
+<p:sld xmlns:a="http://schemas.openxmlformats.org/drawingml/2006/main" xmlns:r="http://schemas.openxmlformats.org/officeDocument/2006/relationships" xmlns:p="http://schemas.openxmlformats.org/presentationml/2006/main">
   <p:cSld>
     <p:spTree>
       <p:nvGrpSpPr>
@@ -4707,7 +4973,7 @@
           <p:nvPr/>
         </p:nvPicPr>
         <p:blipFill rotWithShape="1">
-          <a:blip r:embed="rId4">
+          <a:blip r:embed="rId2" cstate="print">
             <a:extLst>
               <a:ext uri="{28A0092B-C50C-407E-A947-70E740481C1C}">
                 <a14:useLocalDpi xmlns:a14="http://schemas.microsoft.com/office/drawing/2010/main" val="0"/>
@@ -4719,11 +4985,13 @@
           </a:stretch>
         </p:blipFill>
         <p:spPr>
-          <a:xfrm rot="0">
+          <a:xfrm>
             <a:off x="3447415" y="2586355"/>
             <a:ext cx="2249805" cy="1685925"/>
           </a:xfrm>
-          <a:prstGeom prst="rect"/>
+          <a:prstGeom prst="rect">
+            <a:avLst/>
+          </a:prstGeom>
           <a:noFill/>
         </p:spPr>
       </p:pic>
@@ -4736,7 +5004,7 @@
           <p:nvPr/>
         </p:nvPicPr>
         <p:blipFill rotWithShape="1">
-          <a:blip r:embed="rId5">
+          <a:blip r:embed="rId2" cstate="print">
             <a:extLst>
               <a:ext uri="{28A0092B-C50C-407E-A947-70E740481C1C}">
                 <a14:useLocalDpi xmlns:a14="http://schemas.microsoft.com/office/drawing/2010/main" val="0"/>
@@ -4748,11 +5016,13 @@
           </a:stretch>
         </p:blipFill>
         <p:spPr>
-          <a:xfrm rot="0">
+          <a:xfrm>
             <a:off x="3609340" y="2748280"/>
             <a:ext cx="2249805" cy="1685925"/>
           </a:xfrm>
-          <a:prstGeom prst="rect"/>
+          <a:prstGeom prst="rect">
+            <a:avLst/>
+          </a:prstGeom>
           <a:noFill/>
         </p:spPr>
       </p:pic>
@@ -4765,7 +5035,7 @@
           <p:nvPr/>
         </p:nvPicPr>
         <p:blipFill rotWithShape="1">
-          <a:blip r:embed="rId6">
+          <a:blip r:embed="rId2" cstate="print">
             <a:extLst>
               <a:ext uri="{28A0092B-C50C-407E-A947-70E740481C1C}">
                 <a14:useLocalDpi xmlns:a14="http://schemas.microsoft.com/office/drawing/2010/main" val="0"/>
@@ -4777,11 +5047,13 @@
           </a:stretch>
         </p:blipFill>
         <p:spPr>
-          <a:xfrm rot="0">
+          <a:xfrm>
             <a:off x="3771265" y="2910205"/>
             <a:ext cx="2249805" cy="1685925"/>
           </a:xfrm>
-          <a:prstGeom prst="rect"/>
+          <a:prstGeom prst="rect">
+            <a:avLst/>
+          </a:prstGeom>
           <a:noFill/>
         </p:spPr>
       </p:pic>
@@ -4794,7 +5066,7 @@
           <p:nvPr/>
         </p:nvPicPr>
         <p:blipFill rotWithShape="1">
-          <a:blip r:embed="rId7">
+          <a:blip r:embed="rId2" cstate="print">
             <a:extLst>
               <a:ext uri="{28A0092B-C50C-407E-A947-70E740481C1C}">
                 <a14:useLocalDpi xmlns:a14="http://schemas.microsoft.com/office/drawing/2010/main" val="0"/>
@@ -4806,11 +5078,13 @@
           </a:stretch>
         </p:blipFill>
         <p:spPr>
-          <a:xfrm rot="0">
+          <a:xfrm>
             <a:off x="3933190" y="3072130"/>
             <a:ext cx="2249805" cy="1685925"/>
           </a:xfrm>
-          <a:prstGeom prst="rect"/>
+          <a:prstGeom prst="rect">
+            <a:avLst/>
+          </a:prstGeom>
           <a:noFill/>
         </p:spPr>
       </p:pic>
@@ -4823,7 +5097,7 @@
           <p:nvPr/>
         </p:nvPicPr>
         <p:blipFill rotWithShape="1">
-          <a:blip r:embed="rId8">
+          <a:blip r:embed="rId2" cstate="print">
             <a:extLst>
               <a:ext uri="{28A0092B-C50C-407E-A947-70E740481C1C}">
                 <a14:useLocalDpi xmlns:a14="http://schemas.microsoft.com/office/drawing/2010/main" val="0"/>
@@ -4835,11 +5109,13 @@
           </a:stretch>
         </p:blipFill>
         <p:spPr>
-          <a:xfrm rot="0">
+          <a:xfrm>
             <a:off x="4095114" y="3234055"/>
             <a:ext cx="2249805" cy="1685925"/>
           </a:xfrm>
-          <a:prstGeom prst="rect"/>
+          <a:prstGeom prst="rect">
+            <a:avLst/>
+          </a:prstGeom>
           <a:noFill/>
         </p:spPr>
       </p:pic>
@@ -4852,7 +5128,7 @@
           <p:nvPr/>
         </p:nvPicPr>
         <p:blipFill rotWithShape="1">
-          <a:blip r:embed="rId9">
+          <a:blip r:embed="rId2" cstate="print">
             <a:extLst>
               <a:ext uri="{28A0092B-C50C-407E-A947-70E740481C1C}">
                 <a14:useLocalDpi xmlns:a14="http://schemas.microsoft.com/office/drawing/2010/main" val="0"/>
@@ -4864,11 +5140,13 @@
           </a:stretch>
         </p:blipFill>
         <p:spPr>
-          <a:xfrm rot="0">
+          <a:xfrm>
             <a:off x="4257040" y="3395980"/>
             <a:ext cx="2249805" cy="1685925"/>
           </a:xfrm>
-          <a:prstGeom prst="rect"/>
+          <a:prstGeom prst="rect">
+            <a:avLst/>
+          </a:prstGeom>
           <a:noFill/>
         </p:spPr>
       </p:pic>
@@ -4881,7 +5159,7 @@
           <p:nvPr/>
         </p:nvPicPr>
         <p:blipFill rotWithShape="1">
-          <a:blip r:embed="rId10">
+          <a:blip r:embed="rId3">
             <a:extLst>
               <a:ext uri="{28A0092B-C50C-407E-A947-70E740481C1C}">
                 <a14:useLocalDpi xmlns:a14="http://schemas.microsoft.com/office/drawing/2010/main" val="0"/>
@@ -4893,11 +5171,13 @@
           </a:stretch>
         </p:blipFill>
         <p:spPr>
-          <a:xfrm rot="0">
+          <a:xfrm>
             <a:off x="2540" y="-16510"/>
             <a:ext cx="4797425" cy="6875145"/>
           </a:xfrm>
-          <a:prstGeom prst="rect"/>
+          <a:prstGeom prst="rect">
+            <a:avLst/>
+          </a:prstGeom>
           <a:noFill/>
         </p:spPr>
       </p:pic>
@@ -4906,11 +5186,11 @@
   <p:clrMapOvr>
     <a:masterClrMapping/>
   </p:clrMapOvr>
-  <mc:AlternateContent xmlns:mc="http://schemas.openxmlformats.org/markup-compatibility/2006">
-    <mc:Choice xmlns:p14="http://schemas.microsoft.com/office/powerpoint/2010/main" Requires="p14">
+  <mc:AlternateContent xmlns:mc="http://schemas.openxmlformats.org/markup-compatibility/2006" xmlns:p14="http://schemas.microsoft.com/office/powerpoint/2010/main">
+    <mc:Choice Requires="p14">
       <p:transition spd="slow" p14:dur="2000"/>
     </mc:Choice>
-    <mc:Fallback>
+    <mc:Fallback xmlns="">
       <p:transition spd="slow"/>
     </mc:Fallback>
   </mc:AlternateContent>
@@ -4950,11 +5230,13 @@
           <p:nvPr/>
         </p:nvSpPr>
         <p:spPr>
-          <a:xfrm rot="0">
+          <a:xfrm>
             <a:off x="0" y="0"/>
             <a:ext cx="9144635" cy="6862445"/>
           </a:xfrm>
-          <a:prstGeom prst="rect"/>
+          <a:prstGeom prst="rect">
+            <a:avLst/>
+          </a:prstGeom>
           <a:solidFill>
             <a:schemeClr val="accent6">
               <a:lumMod val="75000"/>
@@ -4982,12 +5264,12 @@
           </a:fontRef>
         </p:style>
         <p:txBody>
-          <a:bodyPr wrap="square" lIns="91440" tIns="45720" rIns="91440" bIns="45720" vert="horz" anchor="ctr">
+          <a:bodyPr vert="horz" wrap="square" lIns="91440" tIns="45720" rIns="91440" bIns="45720" anchor="ctr">
             <a:noAutofit/>
           </a:bodyPr>
           <a:lstStyle/>
           <a:p>
-            <a:pPr marL="0" indent="0" algn="ctr" fontAlgn="auto" defTabSz="914400" eaLnBrk="0">
+            <a:pPr marL="0" indent="0" algn="ctr" defTabSz="914400" eaLnBrk="0" fontAlgn="auto">
               <a:lnSpc>
                 <a:spcPct val="100000"/>
               </a:lnSpc>
@@ -5000,7 +5282,7 @@
               <a:buFontTx/>
               <a:buNone/>
             </a:pPr>
-            <a:endParaRPr lang="ko-KR" altLang="en-US" sz="1800" cap="none" dirty="0" smtClean="0" b="0">
+            <a:endParaRPr lang="ko-KR" altLang="en-US" sz="1800" b="0" cap="none" dirty="0" smtClean="0">
               <a:latin typeface="나눔고딕" charset="0"/>
               <a:ea typeface="나눔고딕" charset="0"/>
             </a:endParaRPr>
@@ -5016,7 +5298,7 @@
           <p:nvPr/>
         </p:nvPicPr>
         <p:blipFill rotWithShape="1">
-          <a:blip r:embed="rId2">
+          <a:blip r:embed="rId2" cstate="print">
             <a:extLst>
               <a:ext uri="{28A0092B-C50C-407E-A947-70E740481C1C}">
                 <a14:useLocalDpi xmlns:a14="http://schemas.microsoft.com/office/drawing/2010/main" val="0"/>
@@ -5028,17 +5310,174 @@
           </a:stretch>
         </p:blipFill>
         <p:spPr>
-          <a:xfrm rot="0">
+          <a:xfrm>
             <a:off x="3447415" y="2586355"/>
             <a:ext cx="2249805" cy="1685925"/>
           </a:xfrm>
-          <a:prstGeom prst="rect"/>
+          <a:prstGeom prst="rect">
+            <a:avLst/>
+          </a:prstGeom>
           <a:noFill/>
         </p:spPr>
       </p:pic>
       <p:pic>
         <p:nvPicPr>
           <p:cNvPr id="11" name="텍스트 상자 10" descr="/Users/jisung/Library/Group Containers/L48J367XN4.com.infraware.PolarisOffice/fImage25072247879.png"/>
+          <p:cNvPicPr>
+            <a:picLocks noChangeAspect="1"/>
+          </p:cNvPicPr>
+          <p:nvPr/>
+        </p:nvPicPr>
+        <p:blipFill rotWithShape="1">
+          <a:blip r:embed="rId2" cstate="print">
+            <a:extLst>
+              <a:ext uri="{28A0092B-C50C-407E-A947-70E740481C1C}">
+                <a14:useLocalDpi xmlns:a14="http://schemas.microsoft.com/office/drawing/2010/main" val="0"/>
+              </a:ext>
+            </a:extLst>
+          </a:blip>
+          <a:stretch>
+            <a:fillRect/>
+          </a:stretch>
+        </p:blipFill>
+        <p:spPr>
+          <a:xfrm>
+            <a:off x="3609340" y="2748280"/>
+            <a:ext cx="2249805" cy="1685925"/>
+          </a:xfrm>
+          <a:prstGeom prst="rect">
+            <a:avLst/>
+          </a:prstGeom>
+          <a:noFill/>
+        </p:spPr>
+      </p:pic>
+      <p:pic>
+        <p:nvPicPr>
+          <p:cNvPr id="12" name="텍스트 상자 11" descr="/Users/jisung/Library/Group Containers/L48J367XN4.com.infraware.PolarisOffice/fImage25072257698.png"/>
+          <p:cNvPicPr>
+            <a:picLocks noChangeAspect="1"/>
+          </p:cNvPicPr>
+          <p:nvPr/>
+        </p:nvPicPr>
+        <p:blipFill rotWithShape="1">
+          <a:blip r:embed="rId2" cstate="print">
+            <a:extLst>
+              <a:ext uri="{28A0092B-C50C-407E-A947-70E740481C1C}">
+                <a14:useLocalDpi xmlns:a14="http://schemas.microsoft.com/office/drawing/2010/main" val="0"/>
+              </a:ext>
+            </a:extLst>
+          </a:blip>
+          <a:stretch>
+            <a:fillRect/>
+          </a:stretch>
+        </p:blipFill>
+        <p:spPr>
+          <a:xfrm>
+            <a:off x="3771265" y="2910205"/>
+            <a:ext cx="2249805" cy="1685925"/>
+          </a:xfrm>
+          <a:prstGeom prst="rect">
+            <a:avLst/>
+          </a:prstGeom>
+          <a:noFill/>
+        </p:spPr>
+      </p:pic>
+      <p:pic>
+        <p:nvPicPr>
+          <p:cNvPr id="13" name="텍스트 상자 12" descr="/Users/jisung/Library/Group Containers/L48J367XN4.com.infraware.PolarisOffice/fImage25072264100.png"/>
+          <p:cNvPicPr>
+            <a:picLocks noChangeAspect="1"/>
+          </p:cNvPicPr>
+          <p:nvPr/>
+        </p:nvPicPr>
+        <p:blipFill rotWithShape="1">
+          <a:blip r:embed="rId2" cstate="print">
+            <a:extLst>
+              <a:ext uri="{28A0092B-C50C-407E-A947-70E740481C1C}">
+                <a14:useLocalDpi xmlns:a14="http://schemas.microsoft.com/office/drawing/2010/main" val="0"/>
+              </a:ext>
+            </a:extLst>
+          </a:blip>
+          <a:stretch>
+            <a:fillRect/>
+          </a:stretch>
+        </p:blipFill>
+        <p:spPr>
+          <a:xfrm>
+            <a:off x="3933190" y="3072130"/>
+            <a:ext cx="2249805" cy="1685925"/>
+          </a:xfrm>
+          <a:prstGeom prst="rect">
+            <a:avLst/>
+          </a:prstGeom>
+          <a:noFill/>
+        </p:spPr>
+      </p:pic>
+      <p:pic>
+        <p:nvPicPr>
+          <p:cNvPr id="14" name="텍스트 상자 13" descr="/Users/jisung/Library/Group Containers/L48J367XN4.com.infraware.PolarisOffice/fImage25072273137.png"/>
+          <p:cNvPicPr>
+            <a:picLocks noChangeAspect="1"/>
+          </p:cNvPicPr>
+          <p:nvPr/>
+        </p:nvPicPr>
+        <p:blipFill rotWithShape="1">
+          <a:blip r:embed="rId2" cstate="print">
+            <a:extLst>
+              <a:ext uri="{28A0092B-C50C-407E-A947-70E740481C1C}">
+                <a14:useLocalDpi xmlns:a14="http://schemas.microsoft.com/office/drawing/2010/main" val="0"/>
+              </a:ext>
+            </a:extLst>
+          </a:blip>
+          <a:stretch>
+            <a:fillRect/>
+          </a:stretch>
+        </p:blipFill>
+        <p:spPr>
+          <a:xfrm>
+            <a:off x="4095114" y="3234055"/>
+            <a:ext cx="2249805" cy="1685925"/>
+          </a:xfrm>
+          <a:prstGeom prst="rect">
+            <a:avLst/>
+          </a:prstGeom>
+          <a:noFill/>
+        </p:spPr>
+      </p:pic>
+      <p:pic>
+        <p:nvPicPr>
+          <p:cNvPr id="15" name="텍스트 상자 14" descr="/Users/jisung/Library/Group Containers/L48J367XN4.com.infraware.PolarisOffice/fImage25072284285.png"/>
+          <p:cNvPicPr>
+            <a:picLocks noChangeAspect="1"/>
+          </p:cNvPicPr>
+          <p:nvPr/>
+        </p:nvPicPr>
+        <p:blipFill rotWithShape="1">
+          <a:blip r:embed="rId2" cstate="print">
+            <a:extLst>
+              <a:ext uri="{28A0092B-C50C-407E-A947-70E740481C1C}">
+                <a14:useLocalDpi xmlns:a14="http://schemas.microsoft.com/office/drawing/2010/main" val="0"/>
+              </a:ext>
+            </a:extLst>
+          </a:blip>
+          <a:stretch>
+            <a:fillRect/>
+          </a:stretch>
+        </p:blipFill>
+        <p:spPr>
+          <a:xfrm>
+            <a:off x="4257040" y="3395980"/>
+            <a:ext cx="2249805" cy="1685925"/>
+          </a:xfrm>
+          <a:prstGeom prst="rect">
+            <a:avLst/>
+          </a:prstGeom>
+          <a:noFill/>
+        </p:spPr>
+      </p:pic>
+      <p:pic>
+        <p:nvPicPr>
+          <p:cNvPr id="16" name="텍스트 상자 15" descr="/Users/jisung/Library/Group Containers/L48J367XN4.com.infraware.PolarisOffice/fImage235852305878.png"/>
           <p:cNvPicPr>
             <a:picLocks noChangeAspect="1"/>
           </p:cNvPicPr>
@@ -5057,156 +5496,13 @@
           </a:stretch>
         </p:blipFill>
         <p:spPr>
-          <a:xfrm rot="0">
-            <a:off x="3609340" y="2748280"/>
-            <a:ext cx="2249805" cy="1685925"/>
-          </a:xfrm>
-          <a:prstGeom prst="rect"/>
-          <a:noFill/>
-        </p:spPr>
-      </p:pic>
-      <p:pic>
-        <p:nvPicPr>
-          <p:cNvPr id="12" name="텍스트 상자 11" descr="/Users/jisung/Library/Group Containers/L48J367XN4.com.infraware.PolarisOffice/fImage25072257698.png"/>
-          <p:cNvPicPr>
-            <a:picLocks noChangeAspect="1"/>
-          </p:cNvPicPr>
-          <p:nvPr/>
-        </p:nvPicPr>
-        <p:blipFill rotWithShape="1">
-          <a:blip r:embed="rId4">
-            <a:extLst>
-              <a:ext uri="{28A0092B-C50C-407E-A947-70E740481C1C}">
-                <a14:useLocalDpi xmlns:a14="http://schemas.microsoft.com/office/drawing/2010/main" val="0"/>
-              </a:ext>
-            </a:extLst>
-          </a:blip>
-          <a:stretch>
-            <a:fillRect/>
-          </a:stretch>
-        </p:blipFill>
-        <p:spPr>
-          <a:xfrm rot="0">
-            <a:off x="3771265" y="2910205"/>
-            <a:ext cx="2249805" cy="1685925"/>
-          </a:xfrm>
-          <a:prstGeom prst="rect"/>
-          <a:noFill/>
-        </p:spPr>
-      </p:pic>
-      <p:pic>
-        <p:nvPicPr>
-          <p:cNvPr id="13" name="텍스트 상자 12" descr="/Users/jisung/Library/Group Containers/L48J367XN4.com.infraware.PolarisOffice/fImage25072264100.png"/>
-          <p:cNvPicPr>
-            <a:picLocks noChangeAspect="1"/>
-          </p:cNvPicPr>
-          <p:nvPr/>
-        </p:nvPicPr>
-        <p:blipFill rotWithShape="1">
-          <a:blip r:embed="rId5">
-            <a:extLst>
-              <a:ext uri="{28A0092B-C50C-407E-A947-70E740481C1C}">
-                <a14:useLocalDpi xmlns:a14="http://schemas.microsoft.com/office/drawing/2010/main" val="0"/>
-              </a:ext>
-            </a:extLst>
-          </a:blip>
-          <a:stretch>
-            <a:fillRect/>
-          </a:stretch>
-        </p:blipFill>
-        <p:spPr>
-          <a:xfrm rot="0">
-            <a:off x="3933190" y="3072130"/>
-            <a:ext cx="2249805" cy="1685925"/>
-          </a:xfrm>
-          <a:prstGeom prst="rect"/>
-          <a:noFill/>
-        </p:spPr>
-      </p:pic>
-      <p:pic>
-        <p:nvPicPr>
-          <p:cNvPr id="14" name="텍스트 상자 13" descr="/Users/jisung/Library/Group Containers/L48J367XN4.com.infraware.PolarisOffice/fImage25072273137.png"/>
-          <p:cNvPicPr>
-            <a:picLocks noChangeAspect="1"/>
-          </p:cNvPicPr>
-          <p:nvPr/>
-        </p:nvPicPr>
-        <p:blipFill rotWithShape="1">
-          <a:blip r:embed="rId6">
-            <a:extLst>
-              <a:ext uri="{28A0092B-C50C-407E-A947-70E740481C1C}">
-                <a14:useLocalDpi xmlns:a14="http://schemas.microsoft.com/office/drawing/2010/main" val="0"/>
-              </a:ext>
-            </a:extLst>
-          </a:blip>
-          <a:stretch>
-            <a:fillRect/>
-          </a:stretch>
-        </p:blipFill>
-        <p:spPr>
-          <a:xfrm rot="0">
-            <a:off x="4095114" y="3234055"/>
-            <a:ext cx="2249805" cy="1685925"/>
-          </a:xfrm>
-          <a:prstGeom prst="rect"/>
-          <a:noFill/>
-        </p:spPr>
-      </p:pic>
-      <p:pic>
-        <p:nvPicPr>
-          <p:cNvPr id="15" name="텍스트 상자 14" descr="/Users/jisung/Library/Group Containers/L48J367XN4.com.infraware.PolarisOffice/fImage25072284285.png"/>
-          <p:cNvPicPr>
-            <a:picLocks noChangeAspect="1"/>
-          </p:cNvPicPr>
-          <p:nvPr/>
-        </p:nvPicPr>
-        <p:blipFill rotWithShape="1">
-          <a:blip r:embed="rId7">
-            <a:extLst>
-              <a:ext uri="{28A0092B-C50C-407E-A947-70E740481C1C}">
-                <a14:useLocalDpi xmlns:a14="http://schemas.microsoft.com/office/drawing/2010/main" val="0"/>
-              </a:ext>
-            </a:extLst>
-          </a:blip>
-          <a:stretch>
-            <a:fillRect/>
-          </a:stretch>
-        </p:blipFill>
-        <p:spPr>
-          <a:xfrm rot="0">
-            <a:off x="4257040" y="3395980"/>
-            <a:ext cx="2249805" cy="1685925"/>
-          </a:xfrm>
-          <a:prstGeom prst="rect"/>
-          <a:noFill/>
-        </p:spPr>
-      </p:pic>
-      <p:pic>
-        <p:nvPicPr>
-          <p:cNvPr id="16" name="텍스트 상자 15" descr="/Users/jisung/Library/Group Containers/L48J367XN4.com.infraware.PolarisOffice/fImage235852305878.png"/>
-          <p:cNvPicPr>
-            <a:picLocks noChangeAspect="1"/>
-          </p:cNvPicPr>
-          <p:nvPr/>
-        </p:nvPicPr>
-        <p:blipFill rotWithShape="1">
-          <a:blip r:embed="rId8">
-            <a:extLst>
-              <a:ext uri="{28A0092B-C50C-407E-A947-70E740481C1C}">
-                <a14:useLocalDpi xmlns:a14="http://schemas.microsoft.com/office/drawing/2010/main" val="0"/>
-              </a:ext>
-            </a:extLst>
-          </a:blip>
-          <a:stretch>
-            <a:fillRect/>
-          </a:stretch>
-        </p:blipFill>
-        <p:spPr>
-          <a:xfrm rot="0">
+          <a:xfrm>
             <a:off x="-6350" y="5080"/>
             <a:ext cx="4573905" cy="3416300"/>
           </a:xfrm>
-          <a:prstGeom prst="rect"/>
+          <a:prstGeom prst="rect">
+            <a:avLst/>
+          </a:prstGeom>
           <a:noFill/>
         </p:spPr>
       </p:pic>
@@ -5215,11 +5511,11 @@
   <p:clrMapOvr>
     <a:masterClrMapping/>
   </p:clrMapOvr>
-  <mc:AlternateContent xmlns:mc="http://schemas.openxmlformats.org/markup-compatibility/2006">
-    <mc:Choice xmlns:p14="http://schemas.microsoft.com/office/powerpoint/2010/main" Requires="p14">
+  <mc:AlternateContent xmlns:mc="http://schemas.openxmlformats.org/markup-compatibility/2006" xmlns:p14="http://schemas.microsoft.com/office/powerpoint/2010/main">
+    <mc:Choice Requires="p14">
       <p:transition spd="slow" p14:dur="2000"/>
     </mc:Choice>
-    <mc:Fallback>
+    <mc:Fallback xmlns="">
       <p:transition spd="slow"/>
     </mc:Fallback>
   </mc:AlternateContent>
@@ -5259,11 +5555,13 @@
           <p:nvPr/>
         </p:nvSpPr>
         <p:spPr>
-          <a:xfrm rot="0">
+          <a:xfrm>
             <a:off x="0" y="0"/>
             <a:ext cx="9144635" cy="6862445"/>
           </a:xfrm>
-          <a:prstGeom prst="rect"/>
+          <a:prstGeom prst="rect">
+            <a:avLst/>
+          </a:prstGeom>
           <a:solidFill>
             <a:schemeClr val="accent6">
               <a:lumMod val="75000"/>
@@ -5291,12 +5589,12 @@
           </a:fontRef>
         </p:style>
         <p:txBody>
-          <a:bodyPr wrap="square" lIns="91440" tIns="45720" rIns="91440" bIns="45720" vert="horz" anchor="ctr">
+          <a:bodyPr vert="horz" wrap="square" lIns="91440" tIns="45720" rIns="91440" bIns="45720" anchor="ctr">
             <a:noAutofit/>
           </a:bodyPr>
           <a:lstStyle/>
           <a:p>
-            <a:pPr marL="0" indent="0" algn="ctr" fontAlgn="auto" defTabSz="914400" eaLnBrk="0">
+            <a:pPr marL="0" indent="0" algn="ctr" defTabSz="914400" eaLnBrk="0" fontAlgn="auto">
               <a:lnSpc>
                 <a:spcPct val="100000"/>
               </a:lnSpc>
@@ -5309,7 +5607,7 @@
               <a:buFontTx/>
               <a:buNone/>
             </a:pPr>
-            <a:endParaRPr lang="ko-KR" altLang="en-US" sz="1800" cap="none" dirty="0" smtClean="0" b="0">
+            <a:endParaRPr lang="ko-KR" altLang="en-US" sz="1800" b="0" cap="none" dirty="0" smtClean="0">
               <a:latin typeface="나눔고딕" charset="0"/>
               <a:ea typeface="나눔고딕" charset="0"/>
             </a:endParaRPr>
@@ -5325,7 +5623,7 @@
           <p:nvPr/>
         </p:nvPicPr>
         <p:blipFill rotWithShape="1">
-          <a:blip r:embed="rId2">
+          <a:blip r:embed="rId2" cstate="print">
             <a:extLst>
               <a:ext uri="{28A0092B-C50C-407E-A947-70E740481C1C}">
                 <a14:useLocalDpi xmlns:a14="http://schemas.microsoft.com/office/drawing/2010/main" val="0"/>
@@ -5337,17 +5635,174 @@
           </a:stretch>
         </p:blipFill>
         <p:spPr>
-          <a:xfrm rot="0">
+          <a:xfrm>
             <a:off x="3447415" y="2586355"/>
             <a:ext cx="2249805" cy="1685925"/>
           </a:xfrm>
-          <a:prstGeom prst="rect"/>
+          <a:prstGeom prst="rect">
+            <a:avLst/>
+          </a:prstGeom>
           <a:noFill/>
         </p:spPr>
       </p:pic>
       <p:pic>
         <p:nvPicPr>
           <p:cNvPr id="11" name="텍스트 상자 10" descr="/Users/jisung/Library/Group Containers/L48J367XN4.com.infraware.PolarisOffice/fImage2507217342.png"/>
+          <p:cNvPicPr>
+            <a:picLocks noChangeAspect="1"/>
+          </p:cNvPicPr>
+          <p:nvPr/>
+        </p:nvPicPr>
+        <p:blipFill rotWithShape="1">
+          <a:blip r:embed="rId2" cstate="print">
+            <a:extLst>
+              <a:ext uri="{28A0092B-C50C-407E-A947-70E740481C1C}">
+                <a14:useLocalDpi xmlns:a14="http://schemas.microsoft.com/office/drawing/2010/main" val="0"/>
+              </a:ext>
+            </a:extLst>
+          </a:blip>
+          <a:stretch>
+            <a:fillRect/>
+          </a:stretch>
+        </p:blipFill>
+        <p:spPr>
+          <a:xfrm>
+            <a:off x="3609340" y="2748280"/>
+            <a:ext cx="2249805" cy="1685925"/>
+          </a:xfrm>
+          <a:prstGeom prst="rect">
+            <a:avLst/>
+          </a:prstGeom>
+          <a:noFill/>
+        </p:spPr>
+      </p:pic>
+      <p:pic>
+        <p:nvPicPr>
+          <p:cNvPr id="12" name="텍스트 상자 11" descr="/Users/jisung/Library/Group Containers/L48J367XN4.com.infraware.PolarisOffice/fImage25072184915.png"/>
+          <p:cNvPicPr>
+            <a:picLocks noChangeAspect="1"/>
+          </p:cNvPicPr>
+          <p:nvPr/>
+        </p:nvPicPr>
+        <p:blipFill rotWithShape="1">
+          <a:blip r:embed="rId2" cstate="print">
+            <a:extLst>
+              <a:ext uri="{28A0092B-C50C-407E-A947-70E740481C1C}">
+                <a14:useLocalDpi xmlns:a14="http://schemas.microsoft.com/office/drawing/2010/main" val="0"/>
+              </a:ext>
+            </a:extLst>
+          </a:blip>
+          <a:stretch>
+            <a:fillRect/>
+          </a:stretch>
+        </p:blipFill>
+        <p:spPr>
+          <a:xfrm>
+            <a:off x="3771265" y="2910205"/>
+            <a:ext cx="2249805" cy="1685925"/>
+          </a:xfrm>
+          <a:prstGeom prst="rect">
+            <a:avLst/>
+          </a:prstGeom>
+          <a:noFill/>
+        </p:spPr>
+      </p:pic>
+      <p:pic>
+        <p:nvPicPr>
+          <p:cNvPr id="13" name="텍스트 상자 12" descr="/Users/jisung/Library/Group Containers/L48J367XN4.com.infraware.PolarisOffice/fImage25072195960.png"/>
+          <p:cNvPicPr>
+            <a:picLocks noChangeAspect="1"/>
+          </p:cNvPicPr>
+          <p:nvPr/>
+        </p:nvPicPr>
+        <p:blipFill rotWithShape="1">
+          <a:blip r:embed="rId2" cstate="print">
+            <a:extLst>
+              <a:ext uri="{28A0092B-C50C-407E-A947-70E740481C1C}">
+                <a14:useLocalDpi xmlns:a14="http://schemas.microsoft.com/office/drawing/2010/main" val="0"/>
+              </a:ext>
+            </a:extLst>
+          </a:blip>
+          <a:stretch>
+            <a:fillRect/>
+          </a:stretch>
+        </p:blipFill>
+        <p:spPr>
+          <a:xfrm>
+            <a:off x="3933190" y="3072130"/>
+            <a:ext cx="2249805" cy="1685925"/>
+          </a:xfrm>
+          <a:prstGeom prst="rect">
+            <a:avLst/>
+          </a:prstGeom>
+          <a:noFill/>
+        </p:spPr>
+      </p:pic>
+      <p:pic>
+        <p:nvPicPr>
+          <p:cNvPr id="14" name="텍스트 상자 13" descr="/Users/jisung/Library/Group Containers/L48J367XN4.com.infraware.PolarisOffice/fImage25072203067.png"/>
+          <p:cNvPicPr>
+            <a:picLocks noChangeAspect="1"/>
+          </p:cNvPicPr>
+          <p:nvPr/>
+        </p:nvPicPr>
+        <p:blipFill rotWithShape="1">
+          <a:blip r:embed="rId2" cstate="print">
+            <a:extLst>
+              <a:ext uri="{28A0092B-C50C-407E-A947-70E740481C1C}">
+                <a14:useLocalDpi xmlns:a14="http://schemas.microsoft.com/office/drawing/2010/main" val="0"/>
+              </a:ext>
+            </a:extLst>
+          </a:blip>
+          <a:stretch>
+            <a:fillRect/>
+          </a:stretch>
+        </p:blipFill>
+        <p:spPr>
+          <a:xfrm>
+            <a:off x="4095114" y="3234055"/>
+            <a:ext cx="2249805" cy="1685925"/>
+          </a:xfrm>
+          <a:prstGeom prst="rect">
+            <a:avLst/>
+          </a:prstGeom>
+          <a:noFill/>
+        </p:spPr>
+      </p:pic>
+      <p:pic>
+        <p:nvPicPr>
+          <p:cNvPr id="15" name="텍스트 상자 14" descr="/Users/jisung/Library/Group Containers/L48J367XN4.com.infraware.PolarisOffice/fImage25072215140.png"/>
+          <p:cNvPicPr>
+            <a:picLocks noChangeAspect="1"/>
+          </p:cNvPicPr>
+          <p:nvPr/>
+        </p:nvPicPr>
+        <p:blipFill rotWithShape="1">
+          <a:blip r:embed="rId2" cstate="print">
+            <a:extLst>
+              <a:ext uri="{28A0092B-C50C-407E-A947-70E740481C1C}">
+                <a14:useLocalDpi xmlns:a14="http://schemas.microsoft.com/office/drawing/2010/main" val="0"/>
+              </a:ext>
+            </a:extLst>
+          </a:blip>
+          <a:stretch>
+            <a:fillRect/>
+          </a:stretch>
+        </p:blipFill>
+        <p:spPr>
+          <a:xfrm>
+            <a:off x="4257040" y="3395980"/>
+            <a:ext cx="2249805" cy="1685925"/>
+          </a:xfrm>
+          <a:prstGeom prst="rect">
+            <a:avLst/>
+          </a:prstGeom>
+          <a:noFill/>
+        </p:spPr>
+      </p:pic>
+      <p:pic>
+        <p:nvPicPr>
+          <p:cNvPr id="16" name="텍스트 상자 15" descr="/Users/jisung/Library/Group Containers/L48J367XN4.com.infraware.PolarisOffice/fImage34222260707.png"/>
           <p:cNvPicPr>
             <a:picLocks noChangeAspect="1"/>
           </p:cNvPicPr>
@@ -5366,156 +5821,13 @@
           </a:stretch>
         </p:blipFill>
         <p:spPr>
-          <a:xfrm rot="0">
-            <a:off x="3609340" y="2748280"/>
-            <a:ext cx="2249805" cy="1685925"/>
-          </a:xfrm>
-          <a:prstGeom prst="rect"/>
-          <a:noFill/>
-        </p:spPr>
-      </p:pic>
-      <p:pic>
-        <p:nvPicPr>
-          <p:cNvPr id="12" name="텍스트 상자 11" descr="/Users/jisung/Library/Group Containers/L48J367XN4.com.infraware.PolarisOffice/fImage25072184915.png"/>
-          <p:cNvPicPr>
-            <a:picLocks noChangeAspect="1"/>
-          </p:cNvPicPr>
-          <p:nvPr/>
-        </p:nvPicPr>
-        <p:blipFill rotWithShape="1">
-          <a:blip r:embed="rId4">
-            <a:extLst>
-              <a:ext uri="{28A0092B-C50C-407E-A947-70E740481C1C}">
-                <a14:useLocalDpi xmlns:a14="http://schemas.microsoft.com/office/drawing/2010/main" val="0"/>
-              </a:ext>
-            </a:extLst>
-          </a:blip>
-          <a:stretch>
-            <a:fillRect/>
-          </a:stretch>
-        </p:blipFill>
-        <p:spPr>
-          <a:xfrm rot="0">
-            <a:off x="3771265" y="2910205"/>
-            <a:ext cx="2249805" cy="1685925"/>
-          </a:xfrm>
-          <a:prstGeom prst="rect"/>
-          <a:noFill/>
-        </p:spPr>
-      </p:pic>
-      <p:pic>
-        <p:nvPicPr>
-          <p:cNvPr id="13" name="텍스트 상자 12" descr="/Users/jisung/Library/Group Containers/L48J367XN4.com.infraware.PolarisOffice/fImage25072195960.png"/>
-          <p:cNvPicPr>
-            <a:picLocks noChangeAspect="1"/>
-          </p:cNvPicPr>
-          <p:nvPr/>
-        </p:nvPicPr>
-        <p:blipFill rotWithShape="1">
-          <a:blip r:embed="rId5">
-            <a:extLst>
-              <a:ext uri="{28A0092B-C50C-407E-A947-70E740481C1C}">
-                <a14:useLocalDpi xmlns:a14="http://schemas.microsoft.com/office/drawing/2010/main" val="0"/>
-              </a:ext>
-            </a:extLst>
-          </a:blip>
-          <a:stretch>
-            <a:fillRect/>
-          </a:stretch>
-        </p:blipFill>
-        <p:spPr>
-          <a:xfrm rot="0">
-            <a:off x="3933190" y="3072130"/>
-            <a:ext cx="2249805" cy="1685925"/>
-          </a:xfrm>
-          <a:prstGeom prst="rect"/>
-          <a:noFill/>
-        </p:spPr>
-      </p:pic>
-      <p:pic>
-        <p:nvPicPr>
-          <p:cNvPr id="14" name="텍스트 상자 13" descr="/Users/jisung/Library/Group Containers/L48J367XN4.com.infraware.PolarisOffice/fImage25072203067.png"/>
-          <p:cNvPicPr>
-            <a:picLocks noChangeAspect="1"/>
-          </p:cNvPicPr>
-          <p:nvPr/>
-        </p:nvPicPr>
-        <p:blipFill rotWithShape="1">
-          <a:blip r:embed="rId6">
-            <a:extLst>
-              <a:ext uri="{28A0092B-C50C-407E-A947-70E740481C1C}">
-                <a14:useLocalDpi xmlns:a14="http://schemas.microsoft.com/office/drawing/2010/main" val="0"/>
-              </a:ext>
-            </a:extLst>
-          </a:blip>
-          <a:stretch>
-            <a:fillRect/>
-          </a:stretch>
-        </p:blipFill>
-        <p:spPr>
-          <a:xfrm rot="0">
-            <a:off x="4095114" y="3234055"/>
-            <a:ext cx="2249805" cy="1685925"/>
-          </a:xfrm>
-          <a:prstGeom prst="rect"/>
-          <a:noFill/>
-        </p:spPr>
-      </p:pic>
-      <p:pic>
-        <p:nvPicPr>
-          <p:cNvPr id="15" name="텍스트 상자 14" descr="/Users/jisung/Library/Group Containers/L48J367XN4.com.infraware.PolarisOffice/fImage25072215140.png"/>
-          <p:cNvPicPr>
-            <a:picLocks noChangeAspect="1"/>
-          </p:cNvPicPr>
-          <p:nvPr/>
-        </p:nvPicPr>
-        <p:blipFill rotWithShape="1">
-          <a:blip r:embed="rId7">
-            <a:extLst>
-              <a:ext uri="{28A0092B-C50C-407E-A947-70E740481C1C}">
-                <a14:useLocalDpi xmlns:a14="http://schemas.microsoft.com/office/drawing/2010/main" val="0"/>
-              </a:ext>
-            </a:extLst>
-          </a:blip>
-          <a:stretch>
-            <a:fillRect/>
-          </a:stretch>
-        </p:blipFill>
-        <p:spPr>
-          <a:xfrm rot="0">
-            <a:off x="4257040" y="3395980"/>
-            <a:ext cx="2249805" cy="1685925"/>
-          </a:xfrm>
-          <a:prstGeom prst="rect"/>
-          <a:noFill/>
-        </p:spPr>
-      </p:pic>
-      <p:pic>
-        <p:nvPicPr>
-          <p:cNvPr id="16" name="텍스트 상자 15" descr="/Users/jisung/Library/Group Containers/L48J367XN4.com.infraware.PolarisOffice/fImage34222260707.png"/>
-          <p:cNvPicPr>
-            <a:picLocks noChangeAspect="1"/>
-          </p:cNvPicPr>
-          <p:nvPr/>
-        </p:nvPicPr>
-        <p:blipFill rotWithShape="1">
-          <a:blip r:embed="rId8">
-            <a:extLst>
-              <a:ext uri="{28A0092B-C50C-407E-A947-70E740481C1C}">
-                <a14:useLocalDpi xmlns:a14="http://schemas.microsoft.com/office/drawing/2010/main" val="0"/>
-              </a:ext>
-            </a:extLst>
-          </a:blip>
-          <a:stretch>
-            <a:fillRect/>
-          </a:stretch>
-        </p:blipFill>
-        <p:spPr>
-          <a:xfrm rot="0">
+          <a:xfrm>
             <a:off x="5715" y="7620"/>
             <a:ext cx="4478655" cy="5189855"/>
           </a:xfrm>
-          <a:prstGeom prst="rect"/>
+          <a:prstGeom prst="rect">
+            <a:avLst/>
+          </a:prstGeom>
           <a:noFill/>
         </p:spPr>
       </p:pic>
@@ -5524,11 +5836,11 @@
   <p:clrMapOvr>
     <a:masterClrMapping/>
   </p:clrMapOvr>
-  <mc:AlternateContent xmlns:mc="http://schemas.openxmlformats.org/markup-compatibility/2006">
-    <mc:Choice xmlns:p14="http://schemas.microsoft.com/office/powerpoint/2010/main" Requires="p14">
+  <mc:AlternateContent xmlns:mc="http://schemas.openxmlformats.org/markup-compatibility/2006" xmlns:p14="http://schemas.microsoft.com/office/powerpoint/2010/main">
+    <mc:Choice Requires="p14">
       <p:transition spd="slow" p14:dur="2000"/>
     </mc:Choice>
-    <mc:Fallback>
+    <mc:Fallback xmlns="">
       <p:transition spd="slow"/>
     </mc:Fallback>
   </mc:AlternateContent>
@@ -5568,11 +5880,13 @@
           <p:nvPr/>
         </p:nvSpPr>
         <p:spPr>
-          <a:xfrm rot="0">
-            <a:off x="0" y="0"/>
+          <a:xfrm>
+            <a:off x="-9173" y="9602"/>
             <a:ext cx="9144635" cy="6862445"/>
           </a:xfrm>
-          <a:prstGeom prst="rect"/>
+          <a:prstGeom prst="rect">
+            <a:avLst/>
+          </a:prstGeom>
           <a:solidFill>
             <a:schemeClr val="accent6">
               <a:lumMod val="75000"/>
@@ -5600,12 +5914,12 @@
           </a:fontRef>
         </p:style>
         <p:txBody>
-          <a:bodyPr wrap="square" lIns="91440" tIns="45720" rIns="91440" bIns="45720" vert="horz" anchor="ctr">
+          <a:bodyPr vert="horz" wrap="square" lIns="91440" tIns="45720" rIns="91440" bIns="45720" anchor="ctr">
             <a:noAutofit/>
           </a:bodyPr>
           <a:lstStyle/>
           <a:p>
-            <a:pPr marL="0" indent="0" algn="ctr" fontAlgn="auto" defTabSz="914400" eaLnBrk="0">
+            <a:pPr marL="0" indent="0" algn="ctr" defTabSz="914400" eaLnBrk="0" fontAlgn="auto">
               <a:lnSpc>
                 <a:spcPct val="100000"/>
               </a:lnSpc>
@@ -5618,7 +5932,7 @@
               <a:buFontTx/>
               <a:buNone/>
             </a:pPr>
-            <a:endParaRPr lang="ko-KR" altLang="en-US" sz="1800" cap="none" dirty="0" smtClean="0" b="0">
+            <a:endParaRPr lang="ko-KR" altLang="en-US" sz="1800" b="0" cap="none" dirty="0" smtClean="0">
               <a:latin typeface="나눔고딕" charset="0"/>
               <a:ea typeface="나눔고딕" charset="0"/>
             </a:endParaRPr>
@@ -5634,7 +5948,7 @@
           <p:nvPr/>
         </p:nvPicPr>
         <p:blipFill rotWithShape="1">
-          <a:blip r:embed="rId2">
+          <a:blip r:embed="rId2" cstate="print">
             <a:extLst>
               <a:ext uri="{28A0092B-C50C-407E-A947-70E740481C1C}">
                 <a14:useLocalDpi xmlns:a14="http://schemas.microsoft.com/office/drawing/2010/main" val="0"/>
@@ -5646,17 +5960,174 @@
           </a:stretch>
         </p:blipFill>
         <p:spPr>
-          <a:xfrm rot="0">
+          <a:xfrm>
             <a:off x="3447415" y="2586355"/>
             <a:ext cx="2249805" cy="1685925"/>
           </a:xfrm>
-          <a:prstGeom prst="rect"/>
+          <a:prstGeom prst="rect">
+            <a:avLst/>
+          </a:prstGeom>
           <a:noFill/>
         </p:spPr>
       </p:pic>
       <p:pic>
         <p:nvPicPr>
           <p:cNvPr id="11" name="텍스트 상자 10" descr="/Users/jisung/Library/Group Containers/L48J367XN4.com.infraware.PolarisOffice/fImage2507234728.png"/>
+          <p:cNvPicPr>
+            <a:picLocks noChangeAspect="1"/>
+          </p:cNvPicPr>
+          <p:nvPr/>
+        </p:nvPicPr>
+        <p:blipFill rotWithShape="1">
+          <a:blip r:embed="rId2" cstate="print">
+            <a:extLst>
+              <a:ext uri="{28A0092B-C50C-407E-A947-70E740481C1C}">
+                <a14:useLocalDpi xmlns:a14="http://schemas.microsoft.com/office/drawing/2010/main" val="0"/>
+              </a:ext>
+            </a:extLst>
+          </a:blip>
+          <a:stretch>
+            <a:fillRect/>
+          </a:stretch>
+        </p:blipFill>
+        <p:spPr>
+          <a:xfrm>
+            <a:off x="3609340" y="2748280"/>
+            <a:ext cx="2249805" cy="1685925"/>
+          </a:xfrm>
+          <a:prstGeom prst="rect">
+            <a:avLst/>
+          </a:prstGeom>
+          <a:noFill/>
+        </p:spPr>
+      </p:pic>
+      <p:pic>
+        <p:nvPicPr>
+          <p:cNvPr id="12" name="텍스트 상자 11" descr="/Users/jisung/Library/Group Containers/L48J367XN4.com.infraware.PolarisOffice/fImage2507235562.png"/>
+          <p:cNvPicPr>
+            <a:picLocks noChangeAspect="1"/>
+          </p:cNvPicPr>
+          <p:nvPr/>
+        </p:nvPicPr>
+        <p:blipFill rotWithShape="1">
+          <a:blip r:embed="rId2" cstate="print">
+            <a:extLst>
+              <a:ext uri="{28A0092B-C50C-407E-A947-70E740481C1C}">
+                <a14:useLocalDpi xmlns:a14="http://schemas.microsoft.com/office/drawing/2010/main" val="0"/>
+              </a:ext>
+            </a:extLst>
+          </a:blip>
+          <a:stretch>
+            <a:fillRect/>
+          </a:stretch>
+        </p:blipFill>
+        <p:spPr>
+          <a:xfrm>
+            <a:off x="3771265" y="2910205"/>
+            <a:ext cx="2249805" cy="1685925"/>
+          </a:xfrm>
+          <a:prstGeom prst="rect">
+            <a:avLst/>
+          </a:prstGeom>
+          <a:noFill/>
+        </p:spPr>
+      </p:pic>
+      <p:pic>
+        <p:nvPicPr>
+          <p:cNvPr id="13" name="텍스트 상자 12" descr="/Users/jisung/Library/Group Containers/L48J367XN4.com.infraware.PolarisOffice/fImage25072366363.png"/>
+          <p:cNvPicPr>
+            <a:picLocks noChangeAspect="1"/>
+          </p:cNvPicPr>
+          <p:nvPr/>
+        </p:nvPicPr>
+        <p:blipFill rotWithShape="1">
+          <a:blip r:embed="rId2" cstate="print">
+            <a:extLst>
+              <a:ext uri="{28A0092B-C50C-407E-A947-70E740481C1C}">
+                <a14:useLocalDpi xmlns:a14="http://schemas.microsoft.com/office/drawing/2010/main" val="0"/>
+              </a:ext>
+            </a:extLst>
+          </a:blip>
+          <a:stretch>
+            <a:fillRect/>
+          </a:stretch>
+        </p:blipFill>
+        <p:spPr>
+          <a:xfrm>
+            <a:off x="3933190" y="3072130"/>
+            <a:ext cx="2249805" cy="1685925"/>
+          </a:xfrm>
+          <a:prstGeom prst="rect">
+            <a:avLst/>
+          </a:prstGeom>
+          <a:noFill/>
+        </p:spPr>
+      </p:pic>
+      <p:pic>
+        <p:nvPicPr>
+          <p:cNvPr id="14" name="텍스트 상자 13" descr="/Users/jisung/Library/Group Containers/L48J367XN4.com.infraware.PolarisOffice/fImage25072371969.png"/>
+          <p:cNvPicPr>
+            <a:picLocks noChangeAspect="1"/>
+          </p:cNvPicPr>
+          <p:nvPr/>
+        </p:nvPicPr>
+        <p:blipFill rotWithShape="1">
+          <a:blip r:embed="rId2" cstate="print">
+            <a:extLst>
+              <a:ext uri="{28A0092B-C50C-407E-A947-70E740481C1C}">
+                <a14:useLocalDpi xmlns:a14="http://schemas.microsoft.com/office/drawing/2010/main" val="0"/>
+              </a:ext>
+            </a:extLst>
+          </a:blip>
+          <a:stretch>
+            <a:fillRect/>
+          </a:stretch>
+        </p:blipFill>
+        <p:spPr>
+          <a:xfrm>
+            <a:off x="4095114" y="3234055"/>
+            <a:ext cx="2249805" cy="1685925"/>
+          </a:xfrm>
+          <a:prstGeom prst="rect">
+            <a:avLst/>
+          </a:prstGeom>
+          <a:noFill/>
+        </p:spPr>
+      </p:pic>
+      <p:pic>
+        <p:nvPicPr>
+          <p:cNvPr id="15" name="텍스트 상자 14" descr="/Users/jisung/Library/Group Containers/L48J367XN4.com.infraware.PolarisOffice/fImage25072382890.png"/>
+          <p:cNvPicPr>
+            <a:picLocks noChangeAspect="1"/>
+          </p:cNvPicPr>
+          <p:nvPr/>
+        </p:nvPicPr>
+        <p:blipFill rotWithShape="1">
+          <a:blip r:embed="rId2" cstate="print">
+            <a:extLst>
+              <a:ext uri="{28A0092B-C50C-407E-A947-70E740481C1C}">
+                <a14:useLocalDpi xmlns:a14="http://schemas.microsoft.com/office/drawing/2010/main" val="0"/>
+              </a:ext>
+            </a:extLst>
+          </a:blip>
+          <a:stretch>
+            <a:fillRect/>
+          </a:stretch>
+        </p:blipFill>
+        <p:spPr>
+          <a:xfrm>
+            <a:off x="4257040" y="3395980"/>
+            <a:ext cx="2249805" cy="1685925"/>
+          </a:xfrm>
+          <a:prstGeom prst="rect">
+            <a:avLst/>
+          </a:prstGeom>
+          <a:noFill/>
+        </p:spPr>
+      </p:pic>
+      <p:pic>
+        <p:nvPicPr>
+          <p:cNvPr id="16" name="텍스트 상자 15" descr="/Users/jisung/Library/Group Containers/L48J367XN4.com.infraware.PolarisOffice/fImage390022612623.png"/>
           <p:cNvPicPr>
             <a:picLocks noChangeAspect="1"/>
           </p:cNvPicPr>
@@ -5675,17 +6146,347 @@
           </a:stretch>
         </p:blipFill>
         <p:spPr>
-          <a:xfrm rot="0">
-            <a:off x="3609340" y="2748280"/>
-            <a:ext cx="2249805" cy="1685925"/>
-          </a:xfrm>
-          <a:prstGeom prst="rect"/>
+          <a:xfrm>
+            <a:off x="-6350" y="6350"/>
+            <a:ext cx="6649720" cy="4095750"/>
+          </a:xfrm>
+          <a:prstGeom prst="rect">
+            <a:avLst/>
+          </a:prstGeom>
           <a:noFill/>
         </p:spPr>
       </p:pic>
+      <p:graphicFrame>
+        <p:nvGraphicFramePr>
+          <p:cNvPr id="2" name="표 1"/>
+          <p:cNvGraphicFramePr>
+            <a:graphicFrameLocks noGrp="1"/>
+          </p:cNvGraphicFramePr>
+          <p:nvPr>
+            <p:extLst>
+              <p:ext uri="{D42A27DB-BD31-4B8C-83A1-F6EECF244321}">
+                <p14:modId xmlns:p14="http://schemas.microsoft.com/office/powerpoint/2010/main" val="48011354"/>
+              </p:ext>
+            </p:extLst>
+          </p:nvPr>
+        </p:nvGraphicFramePr>
+        <p:xfrm>
+          <a:off x="1524000" y="5013176"/>
+          <a:ext cx="6096000" cy="370840"/>
+        </p:xfrm>
+        <a:graphic>
+          <a:graphicData uri="http://schemas.openxmlformats.org/drawingml/2006/table">
+            <a:tbl>
+              <a:tblPr firstRow="1" bandRow="1">
+                <a:tableStyleId>{5C22544A-7EE6-4342-B048-85BDC9FD1C3A}</a:tableStyleId>
+              </a:tblPr>
+              <a:tblGrid>
+                <a:gridCol w="609600"/>
+                <a:gridCol w="609600"/>
+                <a:gridCol w="609600"/>
+                <a:gridCol w="609600"/>
+                <a:gridCol w="609600"/>
+                <a:gridCol w="609600"/>
+                <a:gridCol w="609600"/>
+                <a:gridCol w="609600"/>
+                <a:gridCol w="609600"/>
+                <a:gridCol w="609600"/>
+              </a:tblGrid>
+              <a:tr h="370840">
+                <a:tc>
+                  <a:txBody>
+                    <a:bodyPr/>
+                    <a:lstStyle/>
+                    <a:p>
+                      <a:pPr latinLnBrk="1"/>
+                      <a:r>
+                        <a:rPr lang="en-US" altLang="ko-KR" dirty="0" smtClean="0"/>
+                        <a:t>0</a:t>
+                      </a:r>
+                      <a:endParaRPr lang="ko-KR" altLang="en-US" dirty="0"/>
+                    </a:p>
+                  </a:txBody>
+                  <a:tcPr/>
+                </a:tc>
+                <a:tc>
+                  <a:txBody>
+                    <a:bodyPr/>
+                    <a:lstStyle/>
+                    <a:p>
+                      <a:pPr latinLnBrk="1"/>
+                      <a:r>
+                        <a:rPr lang="en-US" altLang="ko-KR" dirty="0" smtClean="0"/>
+                        <a:t>1</a:t>
+                      </a:r>
+                      <a:endParaRPr lang="ko-KR" altLang="en-US" dirty="0"/>
+                    </a:p>
+                  </a:txBody>
+                  <a:tcPr/>
+                </a:tc>
+                <a:tc>
+                  <a:txBody>
+                    <a:bodyPr/>
+                    <a:lstStyle/>
+                    <a:p>
+                      <a:pPr latinLnBrk="1"/>
+                      <a:r>
+                        <a:rPr lang="en-US" altLang="ko-KR" dirty="0" smtClean="0"/>
+                        <a:t>2</a:t>
+                      </a:r>
+                      <a:endParaRPr lang="ko-KR" altLang="en-US" dirty="0"/>
+                    </a:p>
+                  </a:txBody>
+                  <a:tcPr/>
+                </a:tc>
+                <a:tc>
+                  <a:txBody>
+                    <a:bodyPr/>
+                    <a:lstStyle/>
+                    <a:p>
+                      <a:pPr latinLnBrk="1"/>
+                      <a:r>
+                        <a:rPr lang="en-US" altLang="ko-KR" dirty="0" smtClean="0"/>
+                        <a:t>3</a:t>
+                      </a:r>
+                      <a:endParaRPr lang="ko-KR" altLang="en-US" dirty="0"/>
+                    </a:p>
+                  </a:txBody>
+                  <a:tcPr/>
+                </a:tc>
+                <a:tc>
+                  <a:txBody>
+                    <a:bodyPr/>
+                    <a:lstStyle/>
+                    <a:p>
+                      <a:pPr latinLnBrk="1"/>
+                      <a:r>
+                        <a:rPr lang="en-US" altLang="ko-KR" dirty="0" smtClean="0"/>
+                        <a:t>4</a:t>
+                      </a:r>
+                      <a:endParaRPr lang="ko-KR" altLang="en-US" dirty="0"/>
+                    </a:p>
+                  </a:txBody>
+                  <a:tcPr/>
+                </a:tc>
+                <a:tc>
+                  <a:txBody>
+                    <a:bodyPr/>
+                    <a:lstStyle/>
+                    <a:p>
+                      <a:pPr latinLnBrk="1"/>
+                      <a:r>
+                        <a:rPr lang="en-US" altLang="ko-KR" dirty="0" smtClean="0"/>
+                        <a:t>5</a:t>
+                      </a:r>
+                      <a:endParaRPr lang="ko-KR" altLang="en-US" dirty="0"/>
+                    </a:p>
+                  </a:txBody>
+                  <a:tcPr/>
+                </a:tc>
+                <a:tc>
+                  <a:txBody>
+                    <a:bodyPr/>
+                    <a:lstStyle/>
+                    <a:p>
+                      <a:pPr latinLnBrk="1"/>
+                      <a:r>
+                        <a:rPr lang="en-US" altLang="ko-KR" dirty="0" smtClean="0"/>
+                        <a:t>6</a:t>
+                      </a:r>
+                      <a:endParaRPr lang="ko-KR" altLang="en-US" dirty="0"/>
+                    </a:p>
+                  </a:txBody>
+                  <a:tcPr/>
+                </a:tc>
+                <a:tc>
+                  <a:txBody>
+                    <a:bodyPr/>
+                    <a:lstStyle/>
+                    <a:p>
+                      <a:pPr latinLnBrk="1"/>
+                      <a:r>
+                        <a:rPr lang="en-US" altLang="ko-KR" dirty="0" smtClean="0"/>
+                        <a:t>7</a:t>
+                      </a:r>
+                      <a:endParaRPr lang="ko-KR" altLang="en-US" dirty="0"/>
+                    </a:p>
+                  </a:txBody>
+                  <a:tcPr/>
+                </a:tc>
+                <a:tc>
+                  <a:txBody>
+                    <a:bodyPr/>
+                    <a:lstStyle/>
+                    <a:p>
+                      <a:pPr latinLnBrk="1"/>
+                      <a:endParaRPr lang="ko-KR" altLang="en-US"/>
+                    </a:p>
+                  </a:txBody>
+                  <a:tcPr/>
+                </a:tc>
+                <a:tc>
+                  <a:txBody>
+                    <a:bodyPr/>
+                    <a:lstStyle/>
+                    <a:p>
+                      <a:pPr latinLnBrk="1"/>
+                      <a:endParaRPr lang="ko-KR" altLang="en-US" dirty="0"/>
+                    </a:p>
+                  </a:txBody>
+                  <a:tcPr/>
+                </a:tc>
+              </a:tr>
+            </a:tbl>
+          </a:graphicData>
+        </a:graphic>
+      </p:graphicFrame>
+      <p:cxnSp>
+        <p:nvCxnSpPr>
+          <p:cNvPr id="6" name="직선 연결선 5"/>
+          <p:cNvCxnSpPr/>
+          <p:nvPr/>
+        </p:nvCxnSpPr>
+        <p:spPr>
+          <a:xfrm>
+            <a:off x="1524000" y="5661248"/>
+            <a:ext cx="527720" cy="0"/>
+          </a:xfrm>
+          <a:prstGeom prst="line">
+            <a:avLst/>
+          </a:prstGeom>
+          <a:ln w="28575">
+            <a:solidFill>
+              <a:schemeClr val="tx1">
+                <a:lumMod val="95000"/>
+                <a:lumOff val="5000"/>
+              </a:schemeClr>
+            </a:solidFill>
+          </a:ln>
+        </p:spPr>
+        <p:style>
+          <a:lnRef idx="1">
+            <a:schemeClr val="accent1"/>
+          </a:lnRef>
+          <a:fillRef idx="0">
+            <a:schemeClr val="accent1"/>
+          </a:fillRef>
+          <a:effectRef idx="0">
+            <a:schemeClr val="accent1"/>
+          </a:effectRef>
+          <a:fontRef idx="minor">
+            <a:schemeClr val="tx1"/>
+          </a:fontRef>
+        </p:style>
+      </p:cxnSp>
+      <p:cxnSp>
+        <p:nvCxnSpPr>
+          <p:cNvPr id="17" name="직선 연결선 16"/>
+          <p:cNvCxnSpPr/>
+          <p:nvPr/>
+        </p:nvCxnSpPr>
+        <p:spPr>
+          <a:xfrm>
+            <a:off x="2204120" y="5661248"/>
+            <a:ext cx="1143744" cy="0"/>
+          </a:xfrm>
+          <a:prstGeom prst="line">
+            <a:avLst/>
+          </a:prstGeom>
+          <a:ln w="28575">
+            <a:solidFill>
+              <a:schemeClr val="tx1">
+                <a:lumMod val="95000"/>
+                <a:lumOff val="5000"/>
+              </a:schemeClr>
+            </a:solidFill>
+          </a:ln>
+        </p:spPr>
+        <p:style>
+          <a:lnRef idx="1">
+            <a:schemeClr val="accent1"/>
+          </a:lnRef>
+          <a:fillRef idx="0">
+            <a:schemeClr val="accent1"/>
+          </a:fillRef>
+          <a:effectRef idx="0">
+            <a:schemeClr val="accent1"/>
+          </a:effectRef>
+          <a:fontRef idx="minor">
+            <a:schemeClr val="tx1"/>
+          </a:fontRef>
+        </p:style>
+      </p:cxnSp>
+      <p:cxnSp>
+        <p:nvCxnSpPr>
+          <p:cNvPr id="18" name="직선 연결선 17"/>
+          <p:cNvCxnSpPr/>
+          <p:nvPr/>
+        </p:nvCxnSpPr>
+        <p:spPr>
+          <a:xfrm>
+            <a:off x="3405470" y="5661248"/>
+            <a:ext cx="2291750" cy="0"/>
+          </a:xfrm>
+          <a:prstGeom prst="line">
+            <a:avLst/>
+          </a:prstGeom>
+          <a:ln w="28575">
+            <a:solidFill>
+              <a:schemeClr val="tx1">
+                <a:lumMod val="95000"/>
+                <a:lumOff val="5000"/>
+              </a:schemeClr>
+            </a:solidFill>
+          </a:ln>
+        </p:spPr>
+        <p:style>
+          <a:lnRef idx="1">
+            <a:schemeClr val="accent1"/>
+          </a:lnRef>
+          <a:fillRef idx="0">
+            <a:schemeClr val="accent1"/>
+          </a:fillRef>
+          <a:effectRef idx="0">
+            <a:schemeClr val="accent1"/>
+          </a:effectRef>
+          <a:fontRef idx="minor">
+            <a:schemeClr val="tx1"/>
+          </a:fontRef>
+        </p:style>
+      </p:cxnSp>
+      <p:sp>
+        <p:nvSpPr>
+          <p:cNvPr id="19" name="TextBox 18"/>
+          <p:cNvSpPr txBox="1"/>
+          <p:nvPr/>
+        </p:nvSpPr>
+        <p:spPr>
+          <a:xfrm>
+            <a:off x="5697220" y="4736549"/>
+            <a:ext cx="1017111" cy="276999"/>
+          </a:xfrm>
+          <a:prstGeom prst="rect">
+            <a:avLst/>
+          </a:prstGeom>
+          <a:noFill/>
+        </p:spPr>
+        <p:txBody>
+          <a:bodyPr wrap="square" rtlCol="0">
+            <a:spAutoFit/>
+          </a:bodyPr>
+          <a:lstStyle/>
+          <a:p>
+            <a:r>
+              <a:rPr lang="en-US" altLang="ko-KR" sz="1200" b="1" dirty="0" err="1" smtClean="0"/>
+              <a:t>lastIDX</a:t>
+            </a:r>
+            <a:endParaRPr lang="ko-KR" altLang="en-US" sz="1200" b="1" dirty="0"/>
+          </a:p>
+        </p:txBody>
+      </p:sp>
       <p:pic>
         <p:nvPicPr>
-          <p:cNvPr id="12" name="텍스트 상자 11" descr="/Users/jisung/Library/Group Containers/L48J367XN4.com.infraware.PolarisOffice/fImage2507235562.png"/>
+          <p:cNvPr id="20" name="텍스트 상자 15" descr="/Users/jisung/Library/Group Containers/L48J367XN4.com.infraware.PolarisOffice/fImage738452296714.png"/>
           <p:cNvPicPr>
             <a:picLocks noChangeAspect="1"/>
           </p:cNvPicPr>
@@ -5699,132 +6500,17 @@
               </a:ext>
             </a:extLst>
           </a:blip>
-          <a:stretch>
-            <a:fillRect/>
-          </a:stretch>
+          <a:srcRect l="1448" t="6524" r="249" b="82353"/>
+          <a:stretch/>
         </p:blipFill>
         <p:spPr>
-          <a:xfrm rot="0">
-            <a:off x="3771265" y="2910205"/>
-            <a:ext cx="2249805" cy="1685925"/>
-          </a:xfrm>
-          <a:prstGeom prst="rect"/>
-          <a:noFill/>
-        </p:spPr>
-      </p:pic>
-      <p:pic>
-        <p:nvPicPr>
-          <p:cNvPr id="13" name="텍스트 상자 12" descr="/Users/jisung/Library/Group Containers/L48J367XN4.com.infraware.PolarisOffice/fImage25072366363.png"/>
-          <p:cNvPicPr>
-            <a:picLocks noChangeAspect="1"/>
-          </p:cNvPicPr>
-          <p:nvPr/>
-        </p:nvPicPr>
-        <p:blipFill rotWithShape="1">
-          <a:blip r:embed="rId5">
-            <a:extLst>
-              <a:ext uri="{28A0092B-C50C-407E-A947-70E740481C1C}">
-                <a14:useLocalDpi xmlns:a14="http://schemas.microsoft.com/office/drawing/2010/main" val="0"/>
-              </a:ext>
-            </a:extLst>
-          </a:blip>
-          <a:stretch>
-            <a:fillRect/>
-          </a:stretch>
-        </p:blipFill>
-        <p:spPr>
-          <a:xfrm rot="0">
-            <a:off x="3933190" y="3072130"/>
-            <a:ext cx="2249805" cy="1685925"/>
-          </a:xfrm>
-          <a:prstGeom prst="rect"/>
-          <a:noFill/>
-        </p:spPr>
-      </p:pic>
-      <p:pic>
-        <p:nvPicPr>
-          <p:cNvPr id="14" name="텍스트 상자 13" descr="/Users/jisung/Library/Group Containers/L48J367XN4.com.infraware.PolarisOffice/fImage25072371969.png"/>
-          <p:cNvPicPr>
-            <a:picLocks noChangeAspect="1"/>
-          </p:cNvPicPr>
-          <p:nvPr/>
-        </p:nvPicPr>
-        <p:blipFill rotWithShape="1">
-          <a:blip r:embed="rId6">
-            <a:extLst>
-              <a:ext uri="{28A0092B-C50C-407E-A947-70E740481C1C}">
-                <a14:useLocalDpi xmlns:a14="http://schemas.microsoft.com/office/drawing/2010/main" val="0"/>
-              </a:ext>
-            </a:extLst>
-          </a:blip>
-          <a:stretch>
-            <a:fillRect/>
-          </a:stretch>
-        </p:blipFill>
-        <p:spPr>
-          <a:xfrm rot="0">
-            <a:off x="4095114" y="3234055"/>
-            <a:ext cx="2249805" cy="1685925"/>
-          </a:xfrm>
-          <a:prstGeom prst="rect"/>
-          <a:noFill/>
-        </p:spPr>
-      </p:pic>
-      <p:pic>
-        <p:nvPicPr>
-          <p:cNvPr id="15" name="텍스트 상자 14" descr="/Users/jisung/Library/Group Containers/L48J367XN4.com.infraware.PolarisOffice/fImage25072382890.png"/>
-          <p:cNvPicPr>
-            <a:picLocks noChangeAspect="1"/>
-          </p:cNvPicPr>
-          <p:nvPr/>
-        </p:nvPicPr>
-        <p:blipFill rotWithShape="1">
-          <a:blip r:embed="rId7">
-            <a:extLst>
-              <a:ext uri="{28A0092B-C50C-407E-A947-70E740481C1C}">
-                <a14:useLocalDpi xmlns:a14="http://schemas.microsoft.com/office/drawing/2010/main" val="0"/>
-              </a:ext>
-            </a:extLst>
-          </a:blip>
-          <a:stretch>
-            <a:fillRect/>
-          </a:stretch>
-        </p:blipFill>
-        <p:spPr>
-          <a:xfrm rot="0">
-            <a:off x="4257040" y="3395980"/>
-            <a:ext cx="2249805" cy="1685925"/>
-          </a:xfrm>
-          <a:prstGeom prst="rect"/>
-          <a:noFill/>
-        </p:spPr>
-      </p:pic>
-      <p:pic>
-        <p:nvPicPr>
-          <p:cNvPr id="16" name="텍스트 상자 15" descr="/Users/jisung/Library/Group Containers/L48J367XN4.com.infraware.PolarisOffice/fImage390022612623.png"/>
-          <p:cNvPicPr>
-            <a:picLocks noChangeAspect="1"/>
-          </p:cNvPicPr>
-          <p:nvPr/>
-        </p:nvPicPr>
-        <p:blipFill rotWithShape="1">
-          <a:blip r:embed="rId8">
-            <a:extLst>
-              <a:ext uri="{28A0092B-C50C-407E-A947-70E740481C1C}">
-                <a14:useLocalDpi xmlns:a14="http://schemas.microsoft.com/office/drawing/2010/main" val="0"/>
-              </a:ext>
-            </a:extLst>
-          </a:blip>
-          <a:stretch>
-            <a:fillRect/>
-          </a:stretch>
-        </p:blipFill>
-        <p:spPr>
-          <a:xfrm rot="0">
-            <a:off x="-6350" y="6350"/>
-            <a:ext cx="6649720" cy="4095750"/>
-          </a:xfrm>
-          <a:prstGeom prst="rect"/>
+          <a:xfrm>
+            <a:off x="4427984" y="6093296"/>
+            <a:ext cx="4716016" cy="764704"/>
+          </a:xfrm>
+          <a:prstGeom prst="rect">
+            <a:avLst/>
+          </a:prstGeom>
           <a:noFill/>
         </p:spPr>
       </p:pic>
@@ -5833,11 +6519,11 @@
   <p:clrMapOvr>
     <a:masterClrMapping/>
   </p:clrMapOvr>
-  <mc:AlternateContent xmlns:mc="http://schemas.openxmlformats.org/markup-compatibility/2006">
-    <mc:Choice xmlns:p14="http://schemas.microsoft.com/office/powerpoint/2010/main" Requires="p14">
+  <mc:AlternateContent xmlns:mc="http://schemas.openxmlformats.org/markup-compatibility/2006" xmlns:p14="http://schemas.microsoft.com/office/powerpoint/2010/main">
+    <mc:Choice Requires="p14">
       <p:transition spd="slow" p14:dur="2000"/>
     </mc:Choice>
-    <mc:Fallback>
+    <mc:Fallback xmlns="">
       <p:transition spd="slow"/>
     </mc:Fallback>
   </mc:AlternateContent>
@@ -5877,11 +6563,13 @@
           <p:nvPr/>
         </p:nvSpPr>
         <p:spPr>
-          <a:xfrm rot="0">
+          <a:xfrm>
             <a:off x="0" y="0"/>
             <a:ext cx="9144635" cy="6862445"/>
           </a:xfrm>
-          <a:prstGeom prst="rect"/>
+          <a:prstGeom prst="rect">
+            <a:avLst/>
+          </a:prstGeom>
           <a:solidFill>
             <a:schemeClr val="accent6">
               <a:lumMod val="75000"/>
@@ -5909,12 +6597,12 @@
           </a:fontRef>
         </p:style>
         <p:txBody>
-          <a:bodyPr wrap="square" lIns="91440" tIns="45720" rIns="91440" bIns="45720" vert="horz" anchor="ctr">
+          <a:bodyPr vert="horz" wrap="square" lIns="91440" tIns="45720" rIns="91440" bIns="45720" anchor="ctr">
             <a:noAutofit/>
           </a:bodyPr>
           <a:lstStyle/>
           <a:p>
-            <a:pPr marL="0" indent="0" algn="ctr" fontAlgn="auto" defTabSz="914400" eaLnBrk="0">
+            <a:pPr marL="0" indent="0" algn="ctr" defTabSz="914400" eaLnBrk="0" fontAlgn="auto">
               <a:lnSpc>
                 <a:spcPct val="100000"/>
               </a:lnSpc>
@@ -5927,7 +6615,7 @@
               <a:buFontTx/>
               <a:buNone/>
             </a:pPr>
-            <a:endParaRPr lang="ko-KR" altLang="en-US" sz="1800" cap="none" dirty="0" smtClean="0" b="0">
+            <a:endParaRPr lang="ko-KR" altLang="en-US" sz="1800" b="0" cap="none" dirty="0" smtClean="0">
               <a:latin typeface="나눔고딕" charset="0"/>
               <a:ea typeface="나눔고딕" charset="0"/>
             </a:endParaRPr>
@@ -5943,7 +6631,7 @@
           <p:nvPr/>
         </p:nvPicPr>
         <p:blipFill rotWithShape="1">
-          <a:blip r:embed="rId2">
+          <a:blip r:embed="rId2" cstate="print">
             <a:extLst>
               <a:ext uri="{28A0092B-C50C-407E-A947-70E740481C1C}">
                 <a14:useLocalDpi xmlns:a14="http://schemas.microsoft.com/office/drawing/2010/main" val="0"/>
@@ -5955,17 +6643,174 @@
           </a:stretch>
         </p:blipFill>
         <p:spPr>
-          <a:xfrm rot="0">
+          <a:xfrm>
             <a:off x="3447415" y="2586355"/>
             <a:ext cx="2249805" cy="1685925"/>
           </a:xfrm>
-          <a:prstGeom prst="rect"/>
+          <a:prstGeom prst="rect">
+            <a:avLst/>
+          </a:prstGeom>
           <a:noFill/>
         </p:spPr>
       </p:pic>
       <p:pic>
         <p:nvPicPr>
           <p:cNvPr id="11" name="텍스트 상자 10" descr="/Users/jisung/Library/Group Containers/L48J367XN4.com.infraware.PolarisOffice/fImage25072487313.png"/>
+          <p:cNvPicPr>
+            <a:picLocks noChangeAspect="1"/>
+          </p:cNvPicPr>
+          <p:nvPr/>
+        </p:nvPicPr>
+        <p:blipFill rotWithShape="1">
+          <a:blip r:embed="rId2" cstate="print">
+            <a:extLst>
+              <a:ext uri="{28A0092B-C50C-407E-A947-70E740481C1C}">
+                <a14:useLocalDpi xmlns:a14="http://schemas.microsoft.com/office/drawing/2010/main" val="0"/>
+              </a:ext>
+            </a:extLst>
+          </a:blip>
+          <a:stretch>
+            <a:fillRect/>
+          </a:stretch>
+        </p:blipFill>
+        <p:spPr>
+          <a:xfrm>
+            <a:off x="3609340" y="2748280"/>
+            <a:ext cx="2249805" cy="1685925"/>
+          </a:xfrm>
+          <a:prstGeom prst="rect">
+            <a:avLst/>
+          </a:prstGeom>
+          <a:noFill/>
+        </p:spPr>
+      </p:pic>
+      <p:pic>
+        <p:nvPicPr>
+          <p:cNvPr id="12" name="텍스트 상자 11" descr="/Users/jisung/Library/Group Containers/L48J367XN4.com.infraware.PolarisOffice/fImage25072495761.png"/>
+          <p:cNvPicPr>
+            <a:picLocks noChangeAspect="1"/>
+          </p:cNvPicPr>
+          <p:nvPr/>
+        </p:nvPicPr>
+        <p:blipFill rotWithShape="1">
+          <a:blip r:embed="rId2" cstate="print">
+            <a:extLst>
+              <a:ext uri="{28A0092B-C50C-407E-A947-70E740481C1C}">
+                <a14:useLocalDpi xmlns:a14="http://schemas.microsoft.com/office/drawing/2010/main" val="0"/>
+              </a:ext>
+            </a:extLst>
+          </a:blip>
+          <a:stretch>
+            <a:fillRect/>
+          </a:stretch>
+        </p:blipFill>
+        <p:spPr>
+          <a:xfrm>
+            <a:off x="3771265" y="2910205"/>
+            <a:ext cx="2249805" cy="1685925"/>
+          </a:xfrm>
+          <a:prstGeom prst="rect">
+            <a:avLst/>
+          </a:prstGeom>
+          <a:noFill/>
+        </p:spPr>
+      </p:pic>
+      <p:pic>
+        <p:nvPicPr>
+          <p:cNvPr id="13" name="텍스트 상자 12" descr="/Users/jisung/Library/Group Containers/L48J367XN4.com.infraware.PolarisOffice/fImage25072507010.png"/>
+          <p:cNvPicPr>
+            <a:picLocks noChangeAspect="1"/>
+          </p:cNvPicPr>
+          <p:nvPr/>
+        </p:nvPicPr>
+        <p:blipFill rotWithShape="1">
+          <a:blip r:embed="rId2" cstate="print">
+            <a:extLst>
+              <a:ext uri="{28A0092B-C50C-407E-A947-70E740481C1C}">
+                <a14:useLocalDpi xmlns:a14="http://schemas.microsoft.com/office/drawing/2010/main" val="0"/>
+              </a:ext>
+            </a:extLst>
+          </a:blip>
+          <a:stretch>
+            <a:fillRect/>
+          </a:stretch>
+        </p:blipFill>
+        <p:spPr>
+          <a:xfrm>
+            <a:off x="3933190" y="3072130"/>
+            <a:ext cx="2249805" cy="1685925"/>
+          </a:xfrm>
+          <a:prstGeom prst="rect">
+            <a:avLst/>
+          </a:prstGeom>
+          <a:noFill/>
+        </p:spPr>
+      </p:pic>
+      <p:pic>
+        <p:nvPicPr>
+          <p:cNvPr id="14" name="텍스트 상자 13" descr="/Users/jisung/Library/Group Containers/L48J367XN4.com.infraware.PolarisOffice/fImage25072514840.png"/>
+          <p:cNvPicPr>
+            <a:picLocks noChangeAspect="1"/>
+          </p:cNvPicPr>
+          <p:nvPr/>
+        </p:nvPicPr>
+        <p:blipFill rotWithShape="1">
+          <a:blip r:embed="rId2" cstate="print">
+            <a:extLst>
+              <a:ext uri="{28A0092B-C50C-407E-A947-70E740481C1C}">
+                <a14:useLocalDpi xmlns:a14="http://schemas.microsoft.com/office/drawing/2010/main" val="0"/>
+              </a:ext>
+            </a:extLst>
+          </a:blip>
+          <a:stretch>
+            <a:fillRect/>
+          </a:stretch>
+        </p:blipFill>
+        <p:spPr>
+          <a:xfrm>
+            <a:off x="4095114" y="3234055"/>
+            <a:ext cx="2249805" cy="1685925"/>
+          </a:xfrm>
+          <a:prstGeom prst="rect">
+            <a:avLst/>
+          </a:prstGeom>
+          <a:noFill/>
+        </p:spPr>
+      </p:pic>
+      <p:pic>
+        <p:nvPicPr>
+          <p:cNvPr id="15" name="텍스트 상자 14" descr="/Users/jisung/Library/Group Containers/L48J367XN4.com.infraware.PolarisOffice/fImage25072526978.png"/>
+          <p:cNvPicPr>
+            <a:picLocks noChangeAspect="1"/>
+          </p:cNvPicPr>
+          <p:nvPr/>
+        </p:nvPicPr>
+        <p:blipFill rotWithShape="1">
+          <a:blip r:embed="rId2" cstate="print">
+            <a:extLst>
+              <a:ext uri="{28A0092B-C50C-407E-A947-70E740481C1C}">
+                <a14:useLocalDpi xmlns:a14="http://schemas.microsoft.com/office/drawing/2010/main" val="0"/>
+              </a:ext>
+            </a:extLst>
+          </a:blip>
+          <a:stretch>
+            <a:fillRect/>
+          </a:stretch>
+        </p:blipFill>
+        <p:spPr>
+          <a:xfrm>
+            <a:off x="4257040" y="3395980"/>
+            <a:ext cx="2249805" cy="1685925"/>
+          </a:xfrm>
+          <a:prstGeom prst="rect">
+            <a:avLst/>
+          </a:prstGeom>
+          <a:noFill/>
+        </p:spPr>
+      </p:pic>
+      <p:pic>
+        <p:nvPicPr>
+          <p:cNvPr id="16" name="텍스트 상자 15" descr="/Users/jisung/Library/Group Containers/L48J367XN4.com.infraware.PolarisOffice/fImage310372626000.png"/>
           <p:cNvPicPr>
             <a:picLocks noChangeAspect="1"/>
           </p:cNvPicPr>
@@ -5984,156 +6829,13 @@
           </a:stretch>
         </p:blipFill>
         <p:spPr>
-          <a:xfrm rot="0">
-            <a:off x="3609340" y="2748280"/>
-            <a:ext cx="2249805" cy="1685925"/>
-          </a:xfrm>
-          <a:prstGeom prst="rect"/>
-          <a:noFill/>
-        </p:spPr>
-      </p:pic>
-      <p:pic>
-        <p:nvPicPr>
-          <p:cNvPr id="12" name="텍스트 상자 11" descr="/Users/jisung/Library/Group Containers/L48J367XN4.com.infraware.PolarisOffice/fImage25072495761.png"/>
-          <p:cNvPicPr>
-            <a:picLocks noChangeAspect="1"/>
-          </p:cNvPicPr>
-          <p:nvPr/>
-        </p:nvPicPr>
-        <p:blipFill rotWithShape="1">
-          <a:blip r:embed="rId4">
-            <a:extLst>
-              <a:ext uri="{28A0092B-C50C-407E-A947-70E740481C1C}">
-                <a14:useLocalDpi xmlns:a14="http://schemas.microsoft.com/office/drawing/2010/main" val="0"/>
-              </a:ext>
-            </a:extLst>
-          </a:blip>
-          <a:stretch>
-            <a:fillRect/>
-          </a:stretch>
-        </p:blipFill>
-        <p:spPr>
-          <a:xfrm rot="0">
-            <a:off x="3771265" y="2910205"/>
-            <a:ext cx="2249805" cy="1685925"/>
-          </a:xfrm>
-          <a:prstGeom prst="rect"/>
-          <a:noFill/>
-        </p:spPr>
-      </p:pic>
-      <p:pic>
-        <p:nvPicPr>
-          <p:cNvPr id="13" name="텍스트 상자 12" descr="/Users/jisung/Library/Group Containers/L48J367XN4.com.infraware.PolarisOffice/fImage25072507010.png"/>
-          <p:cNvPicPr>
-            <a:picLocks noChangeAspect="1"/>
-          </p:cNvPicPr>
-          <p:nvPr/>
-        </p:nvPicPr>
-        <p:blipFill rotWithShape="1">
-          <a:blip r:embed="rId5">
-            <a:extLst>
-              <a:ext uri="{28A0092B-C50C-407E-A947-70E740481C1C}">
-                <a14:useLocalDpi xmlns:a14="http://schemas.microsoft.com/office/drawing/2010/main" val="0"/>
-              </a:ext>
-            </a:extLst>
-          </a:blip>
-          <a:stretch>
-            <a:fillRect/>
-          </a:stretch>
-        </p:blipFill>
-        <p:spPr>
-          <a:xfrm rot="0">
-            <a:off x="3933190" y="3072130"/>
-            <a:ext cx="2249805" cy="1685925"/>
-          </a:xfrm>
-          <a:prstGeom prst="rect"/>
-          <a:noFill/>
-        </p:spPr>
-      </p:pic>
-      <p:pic>
-        <p:nvPicPr>
-          <p:cNvPr id="14" name="텍스트 상자 13" descr="/Users/jisung/Library/Group Containers/L48J367XN4.com.infraware.PolarisOffice/fImage25072514840.png"/>
-          <p:cNvPicPr>
-            <a:picLocks noChangeAspect="1"/>
-          </p:cNvPicPr>
-          <p:nvPr/>
-        </p:nvPicPr>
-        <p:blipFill rotWithShape="1">
-          <a:blip r:embed="rId6">
-            <a:extLst>
-              <a:ext uri="{28A0092B-C50C-407E-A947-70E740481C1C}">
-                <a14:useLocalDpi xmlns:a14="http://schemas.microsoft.com/office/drawing/2010/main" val="0"/>
-              </a:ext>
-            </a:extLst>
-          </a:blip>
-          <a:stretch>
-            <a:fillRect/>
-          </a:stretch>
-        </p:blipFill>
-        <p:spPr>
-          <a:xfrm rot="0">
-            <a:off x="4095114" y="3234055"/>
-            <a:ext cx="2249805" cy="1685925"/>
-          </a:xfrm>
-          <a:prstGeom prst="rect"/>
-          <a:noFill/>
-        </p:spPr>
-      </p:pic>
-      <p:pic>
-        <p:nvPicPr>
-          <p:cNvPr id="15" name="텍스트 상자 14" descr="/Users/jisung/Library/Group Containers/L48J367XN4.com.infraware.PolarisOffice/fImage25072526978.png"/>
-          <p:cNvPicPr>
-            <a:picLocks noChangeAspect="1"/>
-          </p:cNvPicPr>
-          <p:nvPr/>
-        </p:nvPicPr>
-        <p:blipFill rotWithShape="1">
-          <a:blip r:embed="rId7">
-            <a:extLst>
-              <a:ext uri="{28A0092B-C50C-407E-A947-70E740481C1C}">
-                <a14:useLocalDpi xmlns:a14="http://schemas.microsoft.com/office/drawing/2010/main" val="0"/>
-              </a:ext>
-            </a:extLst>
-          </a:blip>
-          <a:stretch>
-            <a:fillRect/>
-          </a:stretch>
-        </p:blipFill>
-        <p:spPr>
-          <a:xfrm rot="0">
-            <a:off x="4257040" y="3395980"/>
-            <a:ext cx="2249805" cy="1685925"/>
-          </a:xfrm>
-          <a:prstGeom prst="rect"/>
-          <a:noFill/>
-        </p:spPr>
-      </p:pic>
-      <p:pic>
-        <p:nvPicPr>
-          <p:cNvPr id="16" name="텍스트 상자 15" descr="/Users/jisung/Library/Group Containers/L48J367XN4.com.infraware.PolarisOffice/fImage310372626000.png"/>
-          <p:cNvPicPr>
-            <a:picLocks noChangeAspect="1"/>
-          </p:cNvPicPr>
-          <p:nvPr/>
-        </p:nvPicPr>
-        <p:blipFill rotWithShape="1">
-          <a:blip r:embed="rId8">
-            <a:extLst>
-              <a:ext uri="{28A0092B-C50C-407E-A947-70E740481C1C}">
-                <a14:useLocalDpi xmlns:a14="http://schemas.microsoft.com/office/drawing/2010/main" val="0"/>
-              </a:ext>
-            </a:extLst>
-          </a:blip>
-          <a:stretch>
-            <a:fillRect/>
-          </a:stretch>
-        </p:blipFill>
-        <p:spPr>
-          <a:xfrm rot="0">
+          <a:xfrm>
             <a:off x="-1270" y="-5080"/>
             <a:ext cx="6910705" cy="3957319"/>
           </a:xfrm>
-          <a:prstGeom prst="rect"/>
+          <a:prstGeom prst="rect">
+            <a:avLst/>
+          </a:prstGeom>
           <a:noFill/>
         </p:spPr>
       </p:pic>
@@ -6142,11 +6844,11 @@
   <p:clrMapOvr>
     <a:masterClrMapping/>
   </p:clrMapOvr>
-  <mc:AlternateContent xmlns:mc="http://schemas.openxmlformats.org/markup-compatibility/2006">
-    <mc:Choice xmlns:p14="http://schemas.microsoft.com/office/powerpoint/2010/main" Requires="p14">
+  <mc:AlternateContent xmlns:mc="http://schemas.openxmlformats.org/markup-compatibility/2006" xmlns:p14="http://schemas.microsoft.com/office/powerpoint/2010/main">
+    <mc:Choice Requires="p14">
       <p:transition spd="slow" p14:dur="2000"/>
     </mc:Choice>
-    <mc:Fallback>
+    <mc:Fallback xmlns="">
       <p:transition spd="slow"/>
     </mc:Fallback>
   </mc:AlternateContent>
@@ -6186,11 +6888,13 @@
           <p:nvPr/>
         </p:nvSpPr>
         <p:spPr>
-          <a:xfrm rot="0">
+          <a:xfrm>
             <a:off x="0" y="0"/>
             <a:ext cx="9144635" cy="6862445"/>
           </a:xfrm>
-          <a:prstGeom prst="rect"/>
+          <a:prstGeom prst="rect">
+            <a:avLst/>
+          </a:prstGeom>
           <a:solidFill>
             <a:schemeClr val="accent6">
               <a:lumMod val="75000"/>
@@ -6218,12 +6922,12 @@
           </a:fontRef>
         </p:style>
         <p:txBody>
-          <a:bodyPr wrap="square" lIns="91440" tIns="45720" rIns="91440" bIns="45720" vert="horz" anchor="ctr">
+          <a:bodyPr vert="horz" wrap="square" lIns="91440" tIns="45720" rIns="91440" bIns="45720" anchor="ctr">
             <a:noAutofit/>
           </a:bodyPr>
           <a:lstStyle/>
           <a:p>
-            <a:pPr marL="0" indent="0" algn="ctr" fontAlgn="auto" defTabSz="914400" eaLnBrk="0">
+            <a:pPr marL="0" indent="0" algn="ctr" defTabSz="914400" eaLnBrk="0" fontAlgn="auto">
               <a:lnSpc>
                 <a:spcPct val="100000"/>
               </a:lnSpc>
@@ -6236,7 +6940,7 @@
               <a:buFontTx/>
               <a:buNone/>
             </a:pPr>
-            <a:endParaRPr lang="ko-KR" altLang="en-US" sz="1800" cap="none" dirty="0" smtClean="0" b="0">
+            <a:endParaRPr lang="ko-KR" altLang="en-US" sz="1800" b="0" cap="none" dirty="0" smtClean="0">
               <a:latin typeface="나눔고딕" charset="0"/>
               <a:ea typeface="나눔고딕" charset="0"/>
             </a:endParaRPr>
@@ -6252,7 +6956,7 @@
           <p:nvPr/>
         </p:nvPicPr>
         <p:blipFill rotWithShape="1">
-          <a:blip r:embed="rId2">
+          <a:blip r:embed="rId2" cstate="print">
             <a:extLst>
               <a:ext uri="{28A0092B-C50C-407E-A947-70E740481C1C}">
                 <a14:useLocalDpi xmlns:a14="http://schemas.microsoft.com/office/drawing/2010/main" val="0"/>
@@ -6264,17 +6968,174 @@
           </a:stretch>
         </p:blipFill>
         <p:spPr>
-          <a:xfrm rot="0">
+          <a:xfrm>
             <a:off x="3447415" y="2586355"/>
             <a:ext cx="2249805" cy="1685925"/>
           </a:xfrm>
-          <a:prstGeom prst="rect"/>
+          <a:prstGeom prst="rect">
+            <a:avLst/>
+          </a:prstGeom>
           <a:noFill/>
         </p:spPr>
       </p:pic>
       <p:pic>
         <p:nvPicPr>
           <p:cNvPr id="11" name="텍스트 상자 10" descr="/Users/jisung/Library/Group Containers/L48J367XN4.com.infraware.PolarisOffice/fImage25072554507.png"/>
+          <p:cNvPicPr>
+            <a:picLocks noChangeAspect="1"/>
+          </p:cNvPicPr>
+          <p:nvPr/>
+        </p:nvPicPr>
+        <p:blipFill rotWithShape="1">
+          <a:blip r:embed="rId2" cstate="print">
+            <a:extLst>
+              <a:ext uri="{28A0092B-C50C-407E-A947-70E740481C1C}">
+                <a14:useLocalDpi xmlns:a14="http://schemas.microsoft.com/office/drawing/2010/main" val="0"/>
+              </a:ext>
+            </a:extLst>
+          </a:blip>
+          <a:stretch>
+            <a:fillRect/>
+          </a:stretch>
+        </p:blipFill>
+        <p:spPr>
+          <a:xfrm>
+            <a:off x="3609340" y="2748280"/>
+            <a:ext cx="2249805" cy="1685925"/>
+          </a:xfrm>
+          <a:prstGeom prst="rect">
+            <a:avLst/>
+          </a:prstGeom>
+          <a:noFill/>
+        </p:spPr>
+      </p:pic>
+      <p:pic>
+        <p:nvPicPr>
+          <p:cNvPr id="12" name="텍스트 상자 11" descr="/Users/jisung/Library/Group Containers/L48J367XN4.com.infraware.PolarisOffice/fImage25072567656.png"/>
+          <p:cNvPicPr>
+            <a:picLocks noChangeAspect="1"/>
+          </p:cNvPicPr>
+          <p:nvPr/>
+        </p:nvPicPr>
+        <p:blipFill rotWithShape="1">
+          <a:blip r:embed="rId2" cstate="print">
+            <a:extLst>
+              <a:ext uri="{28A0092B-C50C-407E-A947-70E740481C1C}">
+                <a14:useLocalDpi xmlns:a14="http://schemas.microsoft.com/office/drawing/2010/main" val="0"/>
+              </a:ext>
+            </a:extLst>
+          </a:blip>
+          <a:stretch>
+            <a:fillRect/>
+          </a:stretch>
+        </p:blipFill>
+        <p:spPr>
+          <a:xfrm>
+            <a:off x="3771265" y="2910205"/>
+            <a:ext cx="2249805" cy="1685925"/>
+          </a:xfrm>
+          <a:prstGeom prst="rect">
+            <a:avLst/>
+          </a:prstGeom>
+          <a:noFill/>
+        </p:spPr>
+      </p:pic>
+      <p:pic>
+        <p:nvPicPr>
+          <p:cNvPr id="13" name="텍스트 상자 12" descr="/Users/jisung/Library/Group Containers/L48J367XN4.com.infraware.PolarisOffice/fImage25072576551.png"/>
+          <p:cNvPicPr>
+            <a:picLocks noChangeAspect="1"/>
+          </p:cNvPicPr>
+          <p:nvPr/>
+        </p:nvPicPr>
+        <p:blipFill rotWithShape="1">
+          <a:blip r:embed="rId2" cstate="print">
+            <a:extLst>
+              <a:ext uri="{28A0092B-C50C-407E-A947-70E740481C1C}">
+                <a14:useLocalDpi xmlns:a14="http://schemas.microsoft.com/office/drawing/2010/main" val="0"/>
+              </a:ext>
+            </a:extLst>
+          </a:blip>
+          <a:stretch>
+            <a:fillRect/>
+          </a:stretch>
+        </p:blipFill>
+        <p:spPr>
+          <a:xfrm>
+            <a:off x="3933190" y="3072130"/>
+            <a:ext cx="2249805" cy="1685925"/>
+          </a:xfrm>
+          <a:prstGeom prst="rect">
+            <a:avLst/>
+          </a:prstGeom>
+          <a:noFill/>
+        </p:spPr>
+      </p:pic>
+      <p:pic>
+        <p:nvPicPr>
+          <p:cNvPr id="14" name="텍스트 상자 13" descr="/Users/jisung/Library/Group Containers/L48J367XN4.com.infraware.PolarisOffice/fImage25072581786.png"/>
+          <p:cNvPicPr>
+            <a:picLocks noChangeAspect="1"/>
+          </p:cNvPicPr>
+          <p:nvPr/>
+        </p:nvPicPr>
+        <p:blipFill rotWithShape="1">
+          <a:blip r:embed="rId2" cstate="print">
+            <a:extLst>
+              <a:ext uri="{28A0092B-C50C-407E-A947-70E740481C1C}">
+                <a14:useLocalDpi xmlns:a14="http://schemas.microsoft.com/office/drawing/2010/main" val="0"/>
+              </a:ext>
+            </a:extLst>
+          </a:blip>
+          <a:stretch>
+            <a:fillRect/>
+          </a:stretch>
+        </p:blipFill>
+        <p:spPr>
+          <a:xfrm>
+            <a:off x="4095114" y="3234055"/>
+            <a:ext cx="2249805" cy="1685925"/>
+          </a:xfrm>
+          <a:prstGeom prst="rect">
+            <a:avLst/>
+          </a:prstGeom>
+          <a:noFill/>
+        </p:spPr>
+      </p:pic>
+      <p:pic>
+        <p:nvPicPr>
+          <p:cNvPr id="15" name="텍스트 상자 14" descr="/Users/jisung/Library/Group Containers/L48J367XN4.com.infraware.PolarisOffice/fImage25072593431.png"/>
+          <p:cNvPicPr>
+            <a:picLocks noChangeAspect="1"/>
+          </p:cNvPicPr>
+          <p:nvPr/>
+        </p:nvPicPr>
+        <p:blipFill rotWithShape="1">
+          <a:blip r:embed="rId2" cstate="print">
+            <a:extLst>
+              <a:ext uri="{28A0092B-C50C-407E-A947-70E740481C1C}">
+                <a14:useLocalDpi xmlns:a14="http://schemas.microsoft.com/office/drawing/2010/main" val="0"/>
+              </a:ext>
+            </a:extLst>
+          </a:blip>
+          <a:stretch>
+            <a:fillRect/>
+          </a:stretch>
+        </p:blipFill>
+        <p:spPr>
+          <a:xfrm>
+            <a:off x="4257040" y="3395980"/>
+            <a:ext cx="2249805" cy="1685925"/>
+          </a:xfrm>
+          <a:prstGeom prst="rect">
+            <a:avLst/>
+          </a:prstGeom>
+          <a:noFill/>
+        </p:spPr>
+      </p:pic>
+      <p:pic>
+        <p:nvPicPr>
+          <p:cNvPr id="16" name="텍스트 상자 15" descr="/Users/jisung/Library/Group Containers/L48J367XN4.com.infraware.PolarisOffice/fImage541462774544.png"/>
           <p:cNvPicPr>
             <a:picLocks noChangeAspect="1"/>
           </p:cNvPicPr>
@@ -6293,169 +7154,211 @@
           </a:stretch>
         </p:blipFill>
         <p:spPr>
-          <a:xfrm rot="0">
-            <a:off x="3609340" y="2748280"/>
-            <a:ext cx="2249805" cy="1685925"/>
-          </a:xfrm>
-          <a:prstGeom prst="rect"/>
-          <a:noFill/>
-        </p:spPr>
-      </p:pic>
-      <p:pic>
-        <p:nvPicPr>
-          <p:cNvPr id="12" name="텍스트 상자 11" descr="/Users/jisung/Library/Group Containers/L48J367XN4.com.infraware.PolarisOffice/fImage25072567656.png"/>
-          <p:cNvPicPr>
-            <a:picLocks noChangeAspect="1"/>
-          </p:cNvPicPr>
-          <p:nvPr/>
-        </p:nvPicPr>
-        <p:blipFill rotWithShape="1">
-          <a:blip r:embed="rId4">
-            <a:extLst>
-              <a:ext uri="{28A0092B-C50C-407E-A947-70E740481C1C}">
-                <a14:useLocalDpi xmlns:a14="http://schemas.microsoft.com/office/drawing/2010/main" val="0"/>
-              </a:ext>
-            </a:extLst>
-          </a:blip>
-          <a:stretch>
-            <a:fillRect/>
-          </a:stretch>
-        </p:blipFill>
-        <p:spPr>
-          <a:xfrm rot="0">
-            <a:off x="3771265" y="2910205"/>
-            <a:ext cx="2249805" cy="1685925"/>
-          </a:xfrm>
-          <a:prstGeom prst="rect"/>
-          <a:noFill/>
-        </p:spPr>
-      </p:pic>
-      <p:pic>
-        <p:nvPicPr>
-          <p:cNvPr id="13" name="텍스트 상자 12" descr="/Users/jisung/Library/Group Containers/L48J367XN4.com.infraware.PolarisOffice/fImage25072576551.png"/>
-          <p:cNvPicPr>
-            <a:picLocks noChangeAspect="1"/>
-          </p:cNvPicPr>
-          <p:nvPr/>
-        </p:nvPicPr>
-        <p:blipFill rotWithShape="1">
-          <a:blip r:embed="rId5">
-            <a:extLst>
-              <a:ext uri="{28A0092B-C50C-407E-A947-70E740481C1C}">
-                <a14:useLocalDpi xmlns:a14="http://schemas.microsoft.com/office/drawing/2010/main" val="0"/>
-              </a:ext>
-            </a:extLst>
-          </a:blip>
-          <a:stretch>
-            <a:fillRect/>
-          </a:stretch>
-        </p:blipFill>
-        <p:spPr>
-          <a:xfrm rot="0">
-            <a:off x="3933190" y="3072130"/>
-            <a:ext cx="2249805" cy="1685925"/>
-          </a:xfrm>
-          <a:prstGeom prst="rect"/>
-          <a:noFill/>
-        </p:spPr>
-      </p:pic>
-      <p:pic>
-        <p:nvPicPr>
-          <p:cNvPr id="14" name="텍스트 상자 13" descr="/Users/jisung/Library/Group Containers/L48J367XN4.com.infraware.PolarisOffice/fImage25072581786.png"/>
-          <p:cNvPicPr>
-            <a:picLocks noChangeAspect="1"/>
-          </p:cNvPicPr>
-          <p:nvPr/>
-        </p:nvPicPr>
-        <p:blipFill rotWithShape="1">
-          <a:blip r:embed="rId6">
-            <a:extLst>
-              <a:ext uri="{28A0092B-C50C-407E-A947-70E740481C1C}">
-                <a14:useLocalDpi xmlns:a14="http://schemas.microsoft.com/office/drawing/2010/main" val="0"/>
-              </a:ext>
-            </a:extLst>
-          </a:blip>
-          <a:stretch>
-            <a:fillRect/>
-          </a:stretch>
-        </p:blipFill>
-        <p:spPr>
-          <a:xfrm rot="0">
-            <a:off x="4095114" y="3234055"/>
-            <a:ext cx="2249805" cy="1685925"/>
-          </a:xfrm>
-          <a:prstGeom prst="rect"/>
-          <a:noFill/>
-        </p:spPr>
-      </p:pic>
-      <p:pic>
-        <p:nvPicPr>
-          <p:cNvPr id="15" name="텍스트 상자 14" descr="/Users/jisung/Library/Group Containers/L48J367XN4.com.infraware.PolarisOffice/fImage25072593431.png"/>
-          <p:cNvPicPr>
-            <a:picLocks noChangeAspect="1"/>
-          </p:cNvPicPr>
-          <p:nvPr/>
-        </p:nvPicPr>
-        <p:blipFill rotWithShape="1">
-          <a:blip r:embed="rId7">
-            <a:extLst>
-              <a:ext uri="{28A0092B-C50C-407E-A947-70E740481C1C}">
-                <a14:useLocalDpi xmlns:a14="http://schemas.microsoft.com/office/drawing/2010/main" val="0"/>
-              </a:ext>
-            </a:extLst>
-          </a:blip>
-          <a:stretch>
-            <a:fillRect/>
-          </a:stretch>
-        </p:blipFill>
-        <p:spPr>
-          <a:xfrm rot="0">
-            <a:off x="4257040" y="3395980"/>
-            <a:ext cx="2249805" cy="1685925"/>
-          </a:xfrm>
-          <a:prstGeom prst="rect"/>
-          <a:noFill/>
-        </p:spPr>
-      </p:pic>
-      <p:pic>
-        <p:nvPicPr>
-          <p:cNvPr id="16" name="텍스트 상자 15" descr="/Users/jisung/Library/Group Containers/L48J367XN4.com.infraware.PolarisOffice/fImage541462774544.png"/>
-          <p:cNvPicPr>
-            <a:picLocks noChangeAspect="1"/>
-          </p:cNvPicPr>
-          <p:nvPr/>
-        </p:nvPicPr>
-        <p:blipFill rotWithShape="1">
-          <a:blip r:embed="rId8">
-            <a:extLst>
-              <a:ext uri="{28A0092B-C50C-407E-A947-70E740481C1C}">
-                <a14:useLocalDpi xmlns:a14="http://schemas.microsoft.com/office/drawing/2010/main" val="0"/>
-              </a:ext>
-            </a:extLst>
-          </a:blip>
-          <a:stretch>
-            <a:fillRect/>
-          </a:stretch>
-        </p:blipFill>
-        <p:spPr>
-          <a:xfrm rot="0">
+          <a:xfrm>
             <a:off x="-5080" y="6350"/>
             <a:ext cx="9138920" cy="5640070"/>
           </a:xfrm>
-          <a:prstGeom prst="rect"/>
+          <a:prstGeom prst="rect">
+            <a:avLst/>
+          </a:prstGeom>
           <a:noFill/>
         </p:spPr>
       </p:pic>
+      <p:sp>
+        <p:nvSpPr>
+          <p:cNvPr id="2" name="타원 1"/>
+          <p:cNvSpPr/>
+          <p:nvPr/>
+        </p:nvSpPr>
+        <p:spPr>
+          <a:xfrm>
+            <a:off x="6344919" y="2748280"/>
+            <a:ext cx="891377" cy="824736"/>
+          </a:xfrm>
+          <a:prstGeom prst="ellipse">
+            <a:avLst/>
+          </a:prstGeom>
+        </p:spPr>
+        <p:style>
+          <a:lnRef idx="2">
+            <a:schemeClr val="accent1">
+              <a:shade val="50000"/>
+            </a:schemeClr>
+          </a:lnRef>
+          <a:fillRef idx="1">
+            <a:schemeClr val="accent1"/>
+          </a:fillRef>
+          <a:effectRef idx="0">
+            <a:schemeClr val="accent1"/>
+          </a:effectRef>
+          <a:fontRef idx="minor">
+            <a:schemeClr val="lt1"/>
+          </a:fontRef>
+        </p:style>
+        <p:txBody>
+          <a:bodyPr rtlCol="0" anchor="ctr"/>
+          <a:lstStyle/>
+          <a:p>
+            <a:pPr algn="ctr"/>
+            <a:endParaRPr lang="ko-KR" altLang="en-US"/>
+          </a:p>
+        </p:txBody>
+      </p:sp>
+      <p:sp>
+        <p:nvSpPr>
+          <p:cNvPr id="17" name="타원 16"/>
+          <p:cNvSpPr/>
+          <p:nvPr/>
+        </p:nvSpPr>
+        <p:spPr>
+          <a:xfrm>
+            <a:off x="7085939" y="4232478"/>
+            <a:ext cx="891377" cy="824736"/>
+          </a:xfrm>
+          <a:prstGeom prst="ellipse">
+            <a:avLst/>
+          </a:prstGeom>
+        </p:spPr>
+        <p:style>
+          <a:lnRef idx="2">
+            <a:schemeClr val="accent1">
+              <a:shade val="50000"/>
+            </a:schemeClr>
+          </a:lnRef>
+          <a:fillRef idx="1">
+            <a:schemeClr val="accent1"/>
+          </a:fillRef>
+          <a:effectRef idx="0">
+            <a:schemeClr val="accent1"/>
+          </a:effectRef>
+          <a:fontRef idx="minor">
+            <a:schemeClr val="lt1"/>
+          </a:fontRef>
+        </p:style>
+        <p:txBody>
+          <a:bodyPr rtlCol="0" anchor="ctr"/>
+          <a:lstStyle/>
+          <a:p>
+            <a:pPr algn="ctr"/>
+            <a:endParaRPr lang="ko-KR" altLang="en-US"/>
+          </a:p>
+        </p:txBody>
+      </p:sp>
+      <p:sp>
+        <p:nvSpPr>
+          <p:cNvPr id="18" name="타원 17"/>
+          <p:cNvSpPr/>
+          <p:nvPr/>
+        </p:nvSpPr>
+        <p:spPr>
+          <a:xfrm>
+            <a:off x="5662840" y="4226247"/>
+            <a:ext cx="891377" cy="824736"/>
+          </a:xfrm>
+          <a:prstGeom prst="ellipse">
+            <a:avLst/>
+          </a:prstGeom>
+        </p:spPr>
+        <p:style>
+          <a:lnRef idx="2">
+            <a:schemeClr val="accent1">
+              <a:shade val="50000"/>
+            </a:schemeClr>
+          </a:lnRef>
+          <a:fillRef idx="1">
+            <a:schemeClr val="accent1"/>
+          </a:fillRef>
+          <a:effectRef idx="0">
+            <a:schemeClr val="accent1"/>
+          </a:effectRef>
+          <a:fontRef idx="minor">
+            <a:schemeClr val="lt1"/>
+          </a:fontRef>
+        </p:style>
+        <p:txBody>
+          <a:bodyPr rtlCol="0" anchor="ctr"/>
+          <a:lstStyle/>
+          <a:p>
+            <a:pPr algn="ctr"/>
+            <a:endParaRPr lang="ko-KR" altLang="en-US"/>
+          </a:p>
+        </p:txBody>
+      </p:sp>
+      <p:cxnSp>
+        <p:nvCxnSpPr>
+          <p:cNvPr id="4" name="직선 연결선 3"/>
+          <p:cNvCxnSpPr>
+            <a:stCxn id="2" idx="3"/>
+            <a:endCxn id="18" idx="0"/>
+          </p:cNvCxnSpPr>
+          <p:nvPr/>
+        </p:nvCxnSpPr>
+        <p:spPr>
+          <a:xfrm flipH="1">
+            <a:off x="6108529" y="3452236"/>
+            <a:ext cx="366929" cy="774011"/>
+          </a:xfrm>
+          <a:prstGeom prst="line">
+            <a:avLst/>
+          </a:prstGeom>
+        </p:spPr>
+        <p:style>
+          <a:lnRef idx="1">
+            <a:schemeClr val="accent1"/>
+          </a:lnRef>
+          <a:fillRef idx="0">
+            <a:schemeClr val="accent1"/>
+          </a:fillRef>
+          <a:effectRef idx="0">
+            <a:schemeClr val="accent1"/>
+          </a:effectRef>
+          <a:fontRef idx="minor">
+            <a:schemeClr val="tx1"/>
+          </a:fontRef>
+        </p:style>
+      </p:cxnSp>
+      <p:cxnSp>
+        <p:nvCxnSpPr>
+          <p:cNvPr id="19" name="직선 연결선 18"/>
+          <p:cNvCxnSpPr>
+            <a:endCxn id="17" idx="0"/>
+          </p:cNvCxnSpPr>
+          <p:nvPr/>
+        </p:nvCxnSpPr>
+        <p:spPr>
+          <a:xfrm>
+            <a:off x="7125735" y="3450819"/>
+            <a:ext cx="405893" cy="781659"/>
+          </a:xfrm>
+          <a:prstGeom prst="line">
+            <a:avLst/>
+          </a:prstGeom>
+        </p:spPr>
+        <p:style>
+          <a:lnRef idx="1">
+            <a:schemeClr val="accent1"/>
+          </a:lnRef>
+          <a:fillRef idx="0">
+            <a:schemeClr val="accent1"/>
+          </a:fillRef>
+          <a:effectRef idx="0">
+            <a:schemeClr val="accent1"/>
+          </a:effectRef>
+          <a:fontRef idx="minor">
+            <a:schemeClr val="tx1"/>
+          </a:fontRef>
+        </p:style>
+      </p:cxnSp>
     </p:spTree>
   </p:cSld>
   <p:clrMapOvr>
     <a:masterClrMapping/>
   </p:clrMapOvr>
-  <mc:AlternateContent xmlns:mc="http://schemas.openxmlformats.org/markup-compatibility/2006">
-    <mc:Choice xmlns:p14="http://schemas.microsoft.com/office/powerpoint/2010/main" Requires="p14">
+  <mc:AlternateContent xmlns:mc="http://schemas.openxmlformats.org/markup-compatibility/2006" xmlns:p14="http://schemas.microsoft.com/office/powerpoint/2010/main">
+    <mc:Choice Requires="p14">
       <p:transition spd="slow" p14:dur="2000"/>
     </mc:Choice>
-    <mc:Fallback>
+    <mc:Fallback xmlns="">
       <p:transition spd="slow"/>
     </mc:Fallback>
   </mc:AlternateContent>
@@ -6495,11 +7398,13 @@
           <p:nvPr/>
         </p:nvSpPr>
         <p:spPr>
-          <a:xfrm rot="0">
+          <a:xfrm>
             <a:off x="0" y="0"/>
             <a:ext cx="9144635" cy="6862445"/>
           </a:xfrm>
-          <a:prstGeom prst="rect"/>
+          <a:prstGeom prst="rect">
+            <a:avLst/>
+          </a:prstGeom>
           <a:solidFill>
             <a:schemeClr val="accent6">
               <a:lumMod val="75000"/>
@@ -6527,12 +7432,12 @@
           </a:fontRef>
         </p:style>
         <p:txBody>
-          <a:bodyPr wrap="square" lIns="91440" tIns="45720" rIns="91440" bIns="45720" vert="horz" anchor="ctr">
+          <a:bodyPr vert="horz" wrap="square" lIns="91440" tIns="45720" rIns="91440" bIns="45720" anchor="ctr">
             <a:noAutofit/>
           </a:bodyPr>
           <a:lstStyle/>
           <a:p>
-            <a:pPr marL="0" indent="0" algn="ctr" fontAlgn="auto" defTabSz="914400" eaLnBrk="0">
+            <a:pPr marL="0" indent="0" algn="ctr" defTabSz="914400" eaLnBrk="0" fontAlgn="auto">
               <a:lnSpc>
                 <a:spcPct val="100000"/>
               </a:lnSpc>
@@ -6545,7 +7450,7 @@
               <a:buFontTx/>
               <a:buNone/>
             </a:pPr>
-            <a:endParaRPr lang="ko-KR" altLang="en-US" sz="1800" cap="none" dirty="0" smtClean="0" b="0">
+            <a:endParaRPr lang="ko-KR" altLang="en-US" sz="1800" b="0" cap="none" dirty="0" smtClean="0">
               <a:latin typeface="나눔고딕" charset="0"/>
               <a:ea typeface="나눔고딕" charset="0"/>
             </a:endParaRPr>
@@ -6561,7 +7466,7 @@
           <p:nvPr/>
         </p:nvPicPr>
         <p:blipFill rotWithShape="1">
-          <a:blip r:embed="rId2">
+          <a:blip r:embed="rId2" cstate="print">
             <a:extLst>
               <a:ext uri="{28A0092B-C50C-407E-A947-70E740481C1C}">
                 <a14:useLocalDpi xmlns:a14="http://schemas.microsoft.com/office/drawing/2010/main" val="0"/>
@@ -6573,17 +7478,174 @@
           </a:stretch>
         </p:blipFill>
         <p:spPr>
-          <a:xfrm rot="0">
+          <a:xfrm>
             <a:off x="3447415" y="2586355"/>
             <a:ext cx="2249805" cy="1685925"/>
           </a:xfrm>
-          <a:prstGeom prst="rect"/>
+          <a:prstGeom prst="rect">
+            <a:avLst/>
+          </a:prstGeom>
           <a:noFill/>
         </p:spPr>
       </p:pic>
       <p:pic>
         <p:nvPicPr>
           <p:cNvPr id="11" name="텍스트 상자 10" descr="/Users/jisung/Library/Group Containers/L48J367XN4.com.infraware.PolarisOffice/fImage25072658776.png"/>
+          <p:cNvPicPr>
+            <a:picLocks noChangeAspect="1"/>
+          </p:cNvPicPr>
+          <p:nvPr/>
+        </p:nvPicPr>
+        <p:blipFill rotWithShape="1">
+          <a:blip r:embed="rId2" cstate="print">
+            <a:extLst>
+              <a:ext uri="{28A0092B-C50C-407E-A947-70E740481C1C}">
+                <a14:useLocalDpi xmlns:a14="http://schemas.microsoft.com/office/drawing/2010/main" val="0"/>
+              </a:ext>
+            </a:extLst>
+          </a:blip>
+          <a:stretch>
+            <a:fillRect/>
+          </a:stretch>
+        </p:blipFill>
+        <p:spPr>
+          <a:xfrm>
+            <a:off x="3609340" y="2748280"/>
+            <a:ext cx="2249805" cy="1685925"/>
+          </a:xfrm>
+          <a:prstGeom prst="rect">
+            <a:avLst/>
+          </a:prstGeom>
+          <a:noFill/>
+        </p:spPr>
+      </p:pic>
+      <p:pic>
+        <p:nvPicPr>
+          <p:cNvPr id="12" name="텍스트 상자 11" descr="/Users/jisung/Library/Group Containers/L48J367XN4.com.infraware.PolarisOffice/fImage25072667584.png"/>
+          <p:cNvPicPr>
+            <a:picLocks noChangeAspect="1"/>
+          </p:cNvPicPr>
+          <p:nvPr/>
+        </p:nvPicPr>
+        <p:blipFill rotWithShape="1">
+          <a:blip r:embed="rId2" cstate="print">
+            <a:extLst>
+              <a:ext uri="{28A0092B-C50C-407E-A947-70E740481C1C}">
+                <a14:useLocalDpi xmlns:a14="http://schemas.microsoft.com/office/drawing/2010/main" val="0"/>
+              </a:ext>
+            </a:extLst>
+          </a:blip>
+          <a:stretch>
+            <a:fillRect/>
+          </a:stretch>
+        </p:blipFill>
+        <p:spPr>
+          <a:xfrm>
+            <a:off x="3771265" y="2910205"/>
+            <a:ext cx="2249805" cy="1685925"/>
+          </a:xfrm>
+          <a:prstGeom prst="rect">
+            <a:avLst/>
+          </a:prstGeom>
+          <a:noFill/>
+        </p:spPr>
+      </p:pic>
+      <p:pic>
+        <p:nvPicPr>
+          <p:cNvPr id="13" name="텍스트 상자 12" descr="/Users/jisung/Library/Group Containers/L48J367XN4.com.infraware.PolarisOffice/fImage25072674252.png"/>
+          <p:cNvPicPr>
+            <a:picLocks noChangeAspect="1"/>
+          </p:cNvPicPr>
+          <p:nvPr/>
+        </p:nvPicPr>
+        <p:blipFill rotWithShape="1">
+          <a:blip r:embed="rId2" cstate="print">
+            <a:extLst>
+              <a:ext uri="{28A0092B-C50C-407E-A947-70E740481C1C}">
+                <a14:useLocalDpi xmlns:a14="http://schemas.microsoft.com/office/drawing/2010/main" val="0"/>
+              </a:ext>
+            </a:extLst>
+          </a:blip>
+          <a:stretch>
+            <a:fillRect/>
+          </a:stretch>
+        </p:blipFill>
+        <p:spPr>
+          <a:xfrm>
+            <a:off x="3933190" y="3072130"/>
+            <a:ext cx="2249805" cy="1685925"/>
+          </a:xfrm>
+          <a:prstGeom prst="rect">
+            <a:avLst/>
+          </a:prstGeom>
+          <a:noFill/>
+        </p:spPr>
+      </p:pic>
+      <p:pic>
+        <p:nvPicPr>
+          <p:cNvPr id="14" name="텍스트 상자 13" descr="/Users/jisung/Library/Group Containers/L48J367XN4.com.infraware.PolarisOffice/fImage25072684108.png"/>
+          <p:cNvPicPr>
+            <a:picLocks noChangeAspect="1"/>
+          </p:cNvPicPr>
+          <p:nvPr/>
+        </p:nvPicPr>
+        <p:blipFill rotWithShape="1">
+          <a:blip r:embed="rId2" cstate="print">
+            <a:extLst>
+              <a:ext uri="{28A0092B-C50C-407E-A947-70E740481C1C}">
+                <a14:useLocalDpi xmlns:a14="http://schemas.microsoft.com/office/drawing/2010/main" val="0"/>
+              </a:ext>
+            </a:extLst>
+          </a:blip>
+          <a:stretch>
+            <a:fillRect/>
+          </a:stretch>
+        </p:blipFill>
+        <p:spPr>
+          <a:xfrm>
+            <a:off x="4095114" y="3234055"/>
+            <a:ext cx="2249805" cy="1685925"/>
+          </a:xfrm>
+          <a:prstGeom prst="rect">
+            <a:avLst/>
+          </a:prstGeom>
+          <a:noFill/>
+        </p:spPr>
+      </p:pic>
+      <p:pic>
+        <p:nvPicPr>
+          <p:cNvPr id="15" name="텍스트 상자 14" descr="/Users/jisung/Library/Group Containers/L48J367XN4.com.infraware.PolarisOffice/fImage25072695514.png"/>
+          <p:cNvPicPr>
+            <a:picLocks noChangeAspect="1"/>
+          </p:cNvPicPr>
+          <p:nvPr/>
+        </p:nvPicPr>
+        <p:blipFill rotWithShape="1">
+          <a:blip r:embed="rId2" cstate="print">
+            <a:extLst>
+              <a:ext uri="{28A0092B-C50C-407E-A947-70E740481C1C}">
+                <a14:useLocalDpi xmlns:a14="http://schemas.microsoft.com/office/drawing/2010/main" val="0"/>
+              </a:ext>
+            </a:extLst>
+          </a:blip>
+          <a:stretch>
+            <a:fillRect/>
+          </a:stretch>
+        </p:blipFill>
+        <p:spPr>
+          <a:xfrm>
+            <a:off x="4257040" y="3395980"/>
+            <a:ext cx="2249805" cy="1685925"/>
+          </a:xfrm>
+          <a:prstGeom prst="rect">
+            <a:avLst/>
+          </a:prstGeom>
+          <a:noFill/>
+        </p:spPr>
+      </p:pic>
+      <p:pic>
+        <p:nvPicPr>
+          <p:cNvPr id="16" name="텍스트 상자 15" descr="/Users/jisung/Library/Group Containers/L48J367XN4.com.infraware.PolarisOffice/fImage460752781454.png"/>
           <p:cNvPicPr>
             <a:picLocks noChangeAspect="1"/>
           </p:cNvPicPr>
@@ -6602,156 +7664,13 @@
           </a:stretch>
         </p:blipFill>
         <p:spPr>
-          <a:xfrm rot="0">
-            <a:off x="3609340" y="2748280"/>
-            <a:ext cx="2249805" cy="1685925"/>
-          </a:xfrm>
-          <a:prstGeom prst="rect"/>
-          <a:noFill/>
-        </p:spPr>
-      </p:pic>
-      <p:pic>
-        <p:nvPicPr>
-          <p:cNvPr id="12" name="텍스트 상자 11" descr="/Users/jisung/Library/Group Containers/L48J367XN4.com.infraware.PolarisOffice/fImage25072667584.png"/>
-          <p:cNvPicPr>
-            <a:picLocks noChangeAspect="1"/>
-          </p:cNvPicPr>
-          <p:nvPr/>
-        </p:nvPicPr>
-        <p:blipFill rotWithShape="1">
-          <a:blip r:embed="rId4">
-            <a:extLst>
-              <a:ext uri="{28A0092B-C50C-407E-A947-70E740481C1C}">
-                <a14:useLocalDpi xmlns:a14="http://schemas.microsoft.com/office/drawing/2010/main" val="0"/>
-              </a:ext>
-            </a:extLst>
-          </a:blip>
-          <a:stretch>
-            <a:fillRect/>
-          </a:stretch>
-        </p:blipFill>
-        <p:spPr>
-          <a:xfrm rot="0">
-            <a:off x="3771265" y="2910205"/>
-            <a:ext cx="2249805" cy="1685925"/>
-          </a:xfrm>
-          <a:prstGeom prst="rect"/>
-          <a:noFill/>
-        </p:spPr>
-      </p:pic>
-      <p:pic>
-        <p:nvPicPr>
-          <p:cNvPr id="13" name="텍스트 상자 12" descr="/Users/jisung/Library/Group Containers/L48J367XN4.com.infraware.PolarisOffice/fImage25072674252.png"/>
-          <p:cNvPicPr>
-            <a:picLocks noChangeAspect="1"/>
-          </p:cNvPicPr>
-          <p:nvPr/>
-        </p:nvPicPr>
-        <p:blipFill rotWithShape="1">
-          <a:blip r:embed="rId5">
-            <a:extLst>
-              <a:ext uri="{28A0092B-C50C-407E-A947-70E740481C1C}">
-                <a14:useLocalDpi xmlns:a14="http://schemas.microsoft.com/office/drawing/2010/main" val="0"/>
-              </a:ext>
-            </a:extLst>
-          </a:blip>
-          <a:stretch>
-            <a:fillRect/>
-          </a:stretch>
-        </p:blipFill>
-        <p:spPr>
-          <a:xfrm rot="0">
-            <a:off x="3933190" y="3072130"/>
-            <a:ext cx="2249805" cy="1685925"/>
-          </a:xfrm>
-          <a:prstGeom prst="rect"/>
-          <a:noFill/>
-        </p:spPr>
-      </p:pic>
-      <p:pic>
-        <p:nvPicPr>
-          <p:cNvPr id="14" name="텍스트 상자 13" descr="/Users/jisung/Library/Group Containers/L48J367XN4.com.infraware.PolarisOffice/fImage25072684108.png"/>
-          <p:cNvPicPr>
-            <a:picLocks noChangeAspect="1"/>
-          </p:cNvPicPr>
-          <p:nvPr/>
-        </p:nvPicPr>
-        <p:blipFill rotWithShape="1">
-          <a:blip r:embed="rId6">
-            <a:extLst>
-              <a:ext uri="{28A0092B-C50C-407E-A947-70E740481C1C}">
-                <a14:useLocalDpi xmlns:a14="http://schemas.microsoft.com/office/drawing/2010/main" val="0"/>
-              </a:ext>
-            </a:extLst>
-          </a:blip>
-          <a:stretch>
-            <a:fillRect/>
-          </a:stretch>
-        </p:blipFill>
-        <p:spPr>
-          <a:xfrm rot="0">
-            <a:off x="4095114" y="3234055"/>
-            <a:ext cx="2249805" cy="1685925"/>
-          </a:xfrm>
-          <a:prstGeom prst="rect"/>
-          <a:noFill/>
-        </p:spPr>
-      </p:pic>
-      <p:pic>
-        <p:nvPicPr>
-          <p:cNvPr id="15" name="텍스트 상자 14" descr="/Users/jisung/Library/Group Containers/L48J367XN4.com.infraware.PolarisOffice/fImage25072695514.png"/>
-          <p:cNvPicPr>
-            <a:picLocks noChangeAspect="1"/>
-          </p:cNvPicPr>
-          <p:nvPr/>
-        </p:nvPicPr>
-        <p:blipFill rotWithShape="1">
-          <a:blip r:embed="rId7">
-            <a:extLst>
-              <a:ext uri="{28A0092B-C50C-407E-A947-70E740481C1C}">
-                <a14:useLocalDpi xmlns:a14="http://schemas.microsoft.com/office/drawing/2010/main" val="0"/>
-              </a:ext>
-            </a:extLst>
-          </a:blip>
-          <a:stretch>
-            <a:fillRect/>
-          </a:stretch>
-        </p:blipFill>
-        <p:spPr>
-          <a:xfrm rot="0">
-            <a:off x="4257040" y="3395980"/>
-            <a:ext cx="2249805" cy="1685925"/>
-          </a:xfrm>
-          <a:prstGeom prst="rect"/>
-          <a:noFill/>
-        </p:spPr>
-      </p:pic>
-      <p:pic>
-        <p:nvPicPr>
-          <p:cNvPr id="16" name="텍스트 상자 15" descr="/Users/jisung/Library/Group Containers/L48J367XN4.com.infraware.PolarisOffice/fImage460752781454.png"/>
-          <p:cNvPicPr>
-            <a:picLocks noChangeAspect="1"/>
-          </p:cNvPicPr>
-          <p:nvPr/>
-        </p:nvPicPr>
-        <p:blipFill rotWithShape="1">
-          <a:blip r:embed="rId8">
-            <a:extLst>
-              <a:ext uri="{28A0092B-C50C-407E-A947-70E740481C1C}">
-                <a14:useLocalDpi xmlns:a14="http://schemas.microsoft.com/office/drawing/2010/main" val="0"/>
-              </a:ext>
-            </a:extLst>
-          </a:blip>
-          <a:stretch>
-            <a:fillRect/>
-          </a:stretch>
-        </p:blipFill>
-        <p:spPr>
-          <a:xfrm rot="0">
+          <a:xfrm>
             <a:off x="-2540" y="-1270"/>
             <a:ext cx="5682615" cy="6843395"/>
           </a:xfrm>
-          <a:prstGeom prst="rect"/>
+          <a:prstGeom prst="rect">
+            <a:avLst/>
+          </a:prstGeom>
           <a:noFill/>
         </p:spPr>
       </p:pic>
@@ -6760,11 +7679,11 @@
   <p:clrMapOvr>
     <a:masterClrMapping/>
   </p:clrMapOvr>
-  <mc:AlternateContent xmlns:mc="http://schemas.openxmlformats.org/markup-compatibility/2006">
-    <mc:Choice xmlns:p14="http://schemas.microsoft.com/office/powerpoint/2010/main" Requires="p14">
+  <mc:AlternateContent xmlns:mc="http://schemas.openxmlformats.org/markup-compatibility/2006" xmlns:p14="http://schemas.microsoft.com/office/powerpoint/2010/main">
+    <mc:Choice Requires="p14">
       <p:transition spd="slow" p14:dur="2000"/>
     </mc:Choice>
-    <mc:Fallback>
+    <mc:Fallback xmlns="">
       <p:transition spd="slow"/>
     </mc:Fallback>
   </mc:AlternateContent>
